--- a/GRAPHGENIE.pptx
+++ b/GRAPHGENIE.pptx
@@ -1,38 +1,39 @@
 
 <file path=ppt/presentation.xml><?xml version="1.0" encoding="utf-8"?>
-<p:presentation xmlns:a="http://schemas.openxmlformats.org/drawingml/2006/main" xmlns:r="http://schemas.openxmlformats.org/officeDocument/2006/relationships" xmlns:mc="http://schemas.openxmlformats.org/markup-compatibility/2006" xmlns:mv="urn:schemas-microsoft-com:mac:vml" xmlns:p="http://schemas.openxmlformats.org/presentationml/2006/main" xmlns:c="http://schemas.openxmlformats.org/drawingml/2006/chart" xmlns:dgm="http://schemas.openxmlformats.org/drawingml/2006/diagram" xmlns:o="urn:schemas-microsoft-com:office:office" xmlns:v="urn:schemas-microsoft-com:vml" xmlns:pvml="urn:schemas-microsoft-com:office:powerpoint" xmlns:com="http://schemas.openxmlformats.org/drawingml/2006/compatibility" xmlns:p14="http://schemas.microsoft.com/office/powerpoint/2010/main" xmlns:p15="http://schemas.microsoft.com/office/powerpoint/2012/main" xmlns:ahyp="http://schemas.microsoft.com/office/drawing/2018/hyperlinkcolor" autoCompressPictures="0" embedTrueTypeFonts="1" strictFirstAndLastChars="0" saveSubsetFonts="1">
+<p:presentation xmlns:a="http://schemas.openxmlformats.org/drawingml/2006/main" xmlns:r="http://schemas.openxmlformats.org/officeDocument/2006/relationships" xmlns:p="http://schemas.openxmlformats.org/presentationml/2006/main" strictFirstAndLastChars="0" embedTrueTypeFonts="1" saveSubsetFonts="1" autoCompressPictures="0">
   <p:sldMasterIdLst>
-    <p:sldMasterId id="2147483659" r:id="rId4"/>
+    <p:sldMasterId id="2147483659" r:id="rId1"/>
   </p:sldMasterIdLst>
   <p:notesMasterIdLst>
-    <p:notesMasterId r:id="rId5"/>
+    <p:notesMasterId r:id="rId7"/>
   </p:notesMasterIdLst>
   <p:sldIdLst>
-    <p:sldId id="256" r:id="rId6"/>
-    <p:sldId id="257" r:id="rId7"/>
-    <p:sldId id="258" r:id="rId8"/>
-    <p:sldId id="259" r:id="rId9"/>
+    <p:sldId id="256" r:id="rId2"/>
+    <p:sldId id="257" r:id="rId3"/>
+    <p:sldId id="258" r:id="rId4"/>
+    <p:sldId id="259" r:id="rId5"/>
+    <p:sldId id="260" r:id="rId6"/>
   </p:sldIdLst>
-  <p:sldSz cy="5143500" cx="9144000"/>
+  <p:sldSz cx="9144000" cy="5143500" type="screen16x9"/>
   <p:notesSz cx="6858000" cy="9144000"/>
   <p:embeddedFontLst>
     <p:embeddedFont>
-      <p:font typeface="Montserrat"/>
-      <p:regular r:id="rId10"/>
-      <p:bold r:id="rId11"/>
-      <p:italic r:id="rId12"/>
-      <p:boldItalic r:id="rId13"/>
+      <p:font typeface="Lato" panose="020F0502020204030203" pitchFamily="34" charset="0"/>
+      <p:regular r:id="rId8"/>
+      <p:bold r:id="rId9"/>
+      <p:italic r:id="rId10"/>
+      <p:boldItalic r:id="rId11"/>
     </p:embeddedFont>
     <p:embeddedFont>
-      <p:font typeface="Lato"/>
-      <p:regular r:id="rId14"/>
-      <p:bold r:id="rId15"/>
-      <p:italic r:id="rId16"/>
-      <p:boldItalic r:id="rId17"/>
+      <p:font typeface="Montserrat" panose="00000500000000000000" pitchFamily="2" charset="0"/>
+      <p:regular r:id="rId12"/>
+      <p:bold r:id="rId13"/>
+      <p:italic r:id="rId14"/>
+      <p:boldItalic r:id="rId15"/>
     </p:embeddedFont>
   </p:embeddedFontLst>
   <p:defaultTextStyle>
-    <a:defPPr lvl="0" marR="0" rtl="0" algn="l">
+    <a:defPPr marR="0" lvl="0" algn="l" rtl="0">
       <a:lnSpc>
         <a:spcPct val="100000"/>
       </a:lnSpc>
@@ -43,7 +44,7 @@
         <a:spcPts val="0"/>
       </a:spcAft>
     </a:defPPr>
-    <a:lvl1pPr lvl="0" marR="0" rtl="0" algn="l">
+    <a:lvl1pPr marR="0" lvl="0" algn="l" rtl="0">
       <a:lnSpc>
         <a:spcPct val="100000"/>
       </a:lnSpc>
@@ -57,7 +58,7 @@
         <a:srgbClr val="000000"/>
       </a:buClr>
       <a:buFont typeface="Arial"/>
-      <a:defRPr b="0" i="0" sz="1400" u="none" cap="none" strike="noStrike">
+      <a:defRPr sz="1400" b="0" i="0" u="none" strike="noStrike" cap="none">
         <a:solidFill>
           <a:srgbClr val="000000"/>
         </a:solidFill>
@@ -67,7 +68,7 @@
         <a:sym typeface="Arial"/>
       </a:defRPr>
     </a:lvl1pPr>
-    <a:lvl2pPr lvl="1" marR="0" rtl="0" algn="l">
+    <a:lvl2pPr marR="0" lvl="1" algn="l" rtl="0">
       <a:lnSpc>
         <a:spcPct val="100000"/>
       </a:lnSpc>
@@ -81,7 +82,7 @@
         <a:srgbClr val="000000"/>
       </a:buClr>
       <a:buFont typeface="Arial"/>
-      <a:defRPr b="0" i="0" sz="1400" u="none" cap="none" strike="noStrike">
+      <a:defRPr sz="1400" b="0" i="0" u="none" strike="noStrike" cap="none">
         <a:solidFill>
           <a:srgbClr val="000000"/>
         </a:solidFill>
@@ -91,7 +92,7 @@
         <a:sym typeface="Arial"/>
       </a:defRPr>
     </a:lvl2pPr>
-    <a:lvl3pPr lvl="2" marR="0" rtl="0" algn="l">
+    <a:lvl3pPr marR="0" lvl="2" algn="l" rtl="0">
       <a:lnSpc>
         <a:spcPct val="100000"/>
       </a:lnSpc>
@@ -105,7 +106,7 @@
         <a:srgbClr val="000000"/>
       </a:buClr>
       <a:buFont typeface="Arial"/>
-      <a:defRPr b="0" i="0" sz="1400" u="none" cap="none" strike="noStrike">
+      <a:defRPr sz="1400" b="0" i="0" u="none" strike="noStrike" cap="none">
         <a:solidFill>
           <a:srgbClr val="000000"/>
         </a:solidFill>
@@ -115,7 +116,7 @@
         <a:sym typeface="Arial"/>
       </a:defRPr>
     </a:lvl3pPr>
-    <a:lvl4pPr lvl="3" marR="0" rtl="0" algn="l">
+    <a:lvl4pPr marR="0" lvl="3" algn="l" rtl="0">
       <a:lnSpc>
         <a:spcPct val="100000"/>
       </a:lnSpc>
@@ -129,7 +130,7 @@
         <a:srgbClr val="000000"/>
       </a:buClr>
       <a:buFont typeface="Arial"/>
-      <a:defRPr b="0" i="0" sz="1400" u="none" cap="none" strike="noStrike">
+      <a:defRPr sz="1400" b="0" i="0" u="none" strike="noStrike" cap="none">
         <a:solidFill>
           <a:srgbClr val="000000"/>
         </a:solidFill>
@@ -139,7 +140,7 @@
         <a:sym typeface="Arial"/>
       </a:defRPr>
     </a:lvl4pPr>
-    <a:lvl5pPr lvl="4" marR="0" rtl="0" algn="l">
+    <a:lvl5pPr marR="0" lvl="4" algn="l" rtl="0">
       <a:lnSpc>
         <a:spcPct val="100000"/>
       </a:lnSpc>
@@ -153,7 +154,7 @@
         <a:srgbClr val="000000"/>
       </a:buClr>
       <a:buFont typeface="Arial"/>
-      <a:defRPr b="0" i="0" sz="1400" u="none" cap="none" strike="noStrike">
+      <a:defRPr sz="1400" b="0" i="0" u="none" strike="noStrike" cap="none">
         <a:solidFill>
           <a:srgbClr val="000000"/>
         </a:solidFill>
@@ -163,7 +164,7 @@
         <a:sym typeface="Arial"/>
       </a:defRPr>
     </a:lvl5pPr>
-    <a:lvl6pPr lvl="5" marR="0" rtl="0" algn="l">
+    <a:lvl6pPr marR="0" lvl="5" algn="l" rtl="0">
       <a:lnSpc>
         <a:spcPct val="100000"/>
       </a:lnSpc>
@@ -177,7 +178,7 @@
         <a:srgbClr val="000000"/>
       </a:buClr>
       <a:buFont typeface="Arial"/>
-      <a:defRPr b="0" i="0" sz="1400" u="none" cap="none" strike="noStrike">
+      <a:defRPr sz="1400" b="0" i="0" u="none" strike="noStrike" cap="none">
         <a:solidFill>
           <a:srgbClr val="000000"/>
         </a:solidFill>
@@ -187,7 +188,7 @@
         <a:sym typeface="Arial"/>
       </a:defRPr>
     </a:lvl6pPr>
-    <a:lvl7pPr lvl="6" marR="0" rtl="0" algn="l">
+    <a:lvl7pPr marR="0" lvl="6" algn="l" rtl="0">
       <a:lnSpc>
         <a:spcPct val="100000"/>
       </a:lnSpc>
@@ -201,7 +202,7 @@
         <a:srgbClr val="000000"/>
       </a:buClr>
       <a:buFont typeface="Arial"/>
-      <a:defRPr b="0" i="0" sz="1400" u="none" cap="none" strike="noStrike">
+      <a:defRPr sz="1400" b="0" i="0" u="none" strike="noStrike" cap="none">
         <a:solidFill>
           <a:srgbClr val="000000"/>
         </a:solidFill>
@@ -211,7 +212,7 @@
         <a:sym typeface="Arial"/>
       </a:defRPr>
     </a:lvl7pPr>
-    <a:lvl8pPr lvl="7" marR="0" rtl="0" algn="l">
+    <a:lvl8pPr marR="0" lvl="7" algn="l" rtl="0">
       <a:lnSpc>
         <a:spcPct val="100000"/>
       </a:lnSpc>
@@ -225,7 +226,7 @@
         <a:srgbClr val="000000"/>
       </a:buClr>
       <a:buFont typeface="Arial"/>
-      <a:defRPr b="0" i="0" sz="1400" u="none" cap="none" strike="noStrike">
+      <a:defRPr sz="1400" b="0" i="0" u="none" strike="noStrike" cap="none">
         <a:solidFill>
           <a:srgbClr val="000000"/>
         </a:solidFill>
@@ -235,7 +236,7 @@
         <a:sym typeface="Arial"/>
       </a:defRPr>
     </a:lvl8pPr>
-    <a:lvl9pPr lvl="8" marR="0" rtl="0" algn="l">
+    <a:lvl9pPr marR="0" lvl="8" algn="l" rtl="0">
       <a:lnSpc>
         <a:spcPct val="100000"/>
       </a:lnSpc>
@@ -249,7 +250,7 @@
         <a:srgbClr val="000000"/>
       </a:buClr>
       <a:buFont typeface="Arial"/>
-      <a:defRPr b="0" i="0" sz="1400" u="none" cap="none" strike="noStrike">
+      <a:defRPr sz="1400" b="0" i="0" u="none" strike="noStrike" cap="none">
         <a:solidFill>
           <a:srgbClr val="000000"/>
         </a:solidFill>
@@ -262,7 +263,7 @@
   </p:defaultTextStyle>
   <p:extLst>
     <p:ext uri="{EFAFB233-063F-42B5-8137-9DF3F51BA10A}">
-      <p15:sldGuideLst>
+      <p15:sldGuideLst xmlns:p15="http://schemas.microsoft.com/office/powerpoint/2012/main">
         <p15:guide id="1" orient="horz" pos="1620">
           <p15:clr>
             <a:srgbClr val="747775"/>
@@ -279,12 +280,84 @@
 </p:presentation>
 </file>
 
+<file path=ppt/changesInfos/changesInfo1.xml><?xml version="1.0" encoding="utf-8"?>
+<pc:chgInfo xmlns:a="http://schemas.openxmlformats.org/drawingml/2006/main" xmlns:r="http://schemas.openxmlformats.org/officeDocument/2006/relationships" xmlns:ac="http://schemas.microsoft.com/office/drawing/2013/main/command" xmlns:pc="http://schemas.microsoft.com/office/powerpoint/2013/main/command">
+  <pc:docChgLst>
+    <pc:chgData name="Erel Dekel" userId="5861eaf1660df668" providerId="LiveId" clId="{88BA7CFB-EE64-4802-AE47-1B2E0D8E83CF}"/>
+    <pc:docChg chg="undo custSel addSld delSld modSld">
+      <pc:chgData name="Erel Dekel" userId="5861eaf1660df668" providerId="LiveId" clId="{88BA7CFB-EE64-4802-AE47-1B2E0D8E83CF}" dt="2024-07-25T20:42:07.486" v="451" actId="20577"/>
+      <pc:docMkLst>
+        <pc:docMk/>
+      </pc:docMkLst>
+      <pc:sldChg chg="modSp mod">
+        <pc:chgData name="Erel Dekel" userId="5861eaf1660df668" providerId="LiveId" clId="{88BA7CFB-EE64-4802-AE47-1B2E0D8E83CF}" dt="2024-07-25T20:19:44.188" v="38" actId="20577"/>
+        <pc:sldMkLst>
+          <pc:docMk/>
+          <pc:sldMk cId="0" sldId="257"/>
+        </pc:sldMkLst>
+        <pc:spChg chg="mod">
+          <ac:chgData name="Erel Dekel" userId="5861eaf1660df668" providerId="LiveId" clId="{88BA7CFB-EE64-4802-AE47-1B2E0D8E83CF}" dt="2024-07-25T20:19:44.188" v="38" actId="20577"/>
+          <ac:spMkLst>
+            <pc:docMk/>
+            <pc:sldMk cId="0" sldId="257"/>
+            <ac:spMk id="141" creationId="{00000000-0000-0000-0000-000000000000}"/>
+          </ac:spMkLst>
+        </pc:spChg>
+      </pc:sldChg>
+      <pc:sldChg chg="modSp mod">
+        <pc:chgData name="Erel Dekel" userId="5861eaf1660df668" providerId="LiveId" clId="{88BA7CFB-EE64-4802-AE47-1B2E0D8E83CF}" dt="2024-07-25T20:08:30.938" v="22" actId="20577"/>
+        <pc:sldMkLst>
+          <pc:docMk/>
+          <pc:sldMk cId="0" sldId="258"/>
+        </pc:sldMkLst>
+        <pc:spChg chg="mod">
+          <ac:chgData name="Erel Dekel" userId="5861eaf1660df668" providerId="LiveId" clId="{88BA7CFB-EE64-4802-AE47-1B2E0D8E83CF}" dt="2024-07-25T20:08:30.938" v="22" actId="20577"/>
+          <ac:spMkLst>
+            <pc:docMk/>
+            <pc:sldMk cId="0" sldId="258"/>
+            <ac:spMk id="147" creationId="{00000000-0000-0000-0000-000000000000}"/>
+          </ac:spMkLst>
+        </pc:spChg>
+      </pc:sldChg>
+      <pc:sldChg chg="modSp new add del mod">
+        <pc:chgData name="Erel Dekel" userId="5861eaf1660df668" providerId="LiveId" clId="{88BA7CFB-EE64-4802-AE47-1B2E0D8E83CF}" dt="2024-07-25T20:42:07.486" v="451" actId="20577"/>
+        <pc:sldMkLst>
+          <pc:docMk/>
+          <pc:sldMk cId="3793018903" sldId="260"/>
+        </pc:sldMkLst>
+        <pc:spChg chg="mod">
+          <ac:chgData name="Erel Dekel" userId="5861eaf1660df668" providerId="LiveId" clId="{88BA7CFB-EE64-4802-AE47-1B2E0D8E83CF}" dt="2024-07-25T20:34:35.778" v="48" actId="20577"/>
+          <ac:spMkLst>
+            <pc:docMk/>
+            <pc:sldMk cId="3793018903" sldId="260"/>
+            <ac:spMk id="2" creationId="{B454E231-68E1-AD6E-515F-0F1DE205F299}"/>
+          </ac:spMkLst>
+        </pc:spChg>
+        <pc:spChg chg="mod">
+          <ac:chgData name="Erel Dekel" userId="5861eaf1660df668" providerId="LiveId" clId="{88BA7CFB-EE64-4802-AE47-1B2E0D8E83CF}" dt="2024-07-25T20:42:07.486" v="451" actId="20577"/>
+          <ac:spMkLst>
+            <pc:docMk/>
+            <pc:sldMk cId="3793018903" sldId="260"/>
+            <ac:spMk id="3" creationId="{13A48FAE-4196-4065-8EC2-CD6F7591F09B}"/>
+          </ac:spMkLst>
+        </pc:spChg>
+      </pc:sldChg>
+    </pc:docChg>
+  </pc:docChgLst>
+</pc:chgInfo>
+</file>
+
 <file path=ppt/notesMasters/notesMaster1.xml><?xml version="1.0" encoding="utf-8"?>
-<p:notesMaster xmlns:a="http://schemas.openxmlformats.org/drawingml/2006/main" xmlns:r="http://schemas.openxmlformats.org/officeDocument/2006/relationships" xmlns:mc="http://schemas.openxmlformats.org/markup-compatibility/2006" xmlns:mv="urn:schemas-microsoft-com:mac:vml" xmlns:p="http://schemas.openxmlformats.org/presentationml/2006/main" xmlns:c="http://schemas.openxmlformats.org/drawingml/2006/chart" xmlns:dgm="http://schemas.openxmlformats.org/drawingml/2006/diagram" xmlns:o="urn:schemas-microsoft-com:office:office" xmlns:v="urn:schemas-microsoft-com:vml" xmlns:pvml="urn:schemas-microsoft-com:office:powerpoint" xmlns:com="http://schemas.openxmlformats.org/drawingml/2006/compatibility" xmlns:p14="http://schemas.microsoft.com/office/powerpoint/2010/main" xmlns:p15="http://schemas.microsoft.com/office/powerpoint/2012/main" xmlns:ahyp="http://schemas.microsoft.com/office/drawing/2018/hyperlinkcolor">
+<p:notesMaster xmlns:a="http://schemas.openxmlformats.org/drawingml/2006/main" xmlns:r="http://schemas.openxmlformats.org/officeDocument/2006/relationships" xmlns:p="http://schemas.openxmlformats.org/presentationml/2006/main">
   <p:cSld>
+    <p:bg>
+      <p:bgRef idx="1001">
+        <a:schemeClr val="bg1"/>
+      </p:bgRef>
+    </p:bg>
     <p:spTree>
       <p:nvGrpSpPr>
-        <p:cNvPr id="2" name="Shape 2"/>
+        <p:cNvPr id="1" name="Shape 2"/>
         <p:cNvGrpSpPr/>
         <p:nvPr/>
       </p:nvGrpSpPr>
@@ -299,9 +372,11 @@
       <p:sp>
         <p:nvSpPr>
           <p:cNvPr id="3" name="Google Shape;3;n"/>
-          <p:cNvSpPr/>
+          <p:cNvSpPr>
+            <a:spLocks noGrp="1" noRot="1" noChangeAspect="1"/>
+          </p:cNvSpPr>
           <p:nvPr>
-            <p:ph idx="2" type="sldImg"/>
+            <p:ph type="sldImg" idx="2"/>
           </p:nvPr>
         </p:nvSpPr>
         <p:spPr>
@@ -310,9 +385,13 @@
             <a:ext cx="6096075" cy="3429000"/>
           </a:xfrm>
           <a:custGeom>
-            <a:rect b="b" l="l" r="r" t="t"/>
+            <a:avLst/>
+            <a:gdLst/>
+            <a:ahLst/>
+            <a:cxnLst/>
+            <a:rect l="l" t="t" r="r" b="b"/>
             <a:pathLst>
-              <a:path extrusionOk="0" h="120000" w="120000">
+              <a:path w="120000" h="120000" extrusionOk="0">
                 <a:moveTo>
                   <a:pt x="0" y="0"/>
                 </a:moveTo>
@@ -330,23 +409,25 @@
             </a:pathLst>
           </a:custGeom>
           <a:noFill/>
-          <a:ln cap="flat" cmpd="sng" w="9525">
+          <a:ln w="9525" cap="flat" cmpd="sng">
             <a:solidFill>
               <a:srgbClr val="000000"/>
             </a:solidFill>
             <a:prstDash val="solid"/>
             <a:round/>
-            <a:headEnd len="sm" w="sm" type="none"/>
-            <a:tailEnd len="sm" w="sm" type="none"/>
+            <a:headEnd type="none" w="sm" len="sm"/>
+            <a:tailEnd type="none" w="sm" len="sm"/>
           </a:ln>
         </p:spPr>
       </p:sp>
       <p:sp>
         <p:nvSpPr>
           <p:cNvPr id="4" name="Google Shape;4;n"/>
-          <p:cNvSpPr txBox="1"/>
+          <p:cNvSpPr txBox="1">
+            <a:spLocks noGrp="1"/>
+          </p:cNvSpPr>
           <p:nvPr>
-            <p:ph idx="1" type="body"/>
+            <p:ph type="body" idx="1"/>
           </p:nvPr>
         </p:nvSpPr>
         <p:spPr>
@@ -363,11 +444,11 @@
           </a:ln>
         </p:spPr>
         <p:txBody>
-          <a:bodyPr anchorCtr="0" anchor="t" bIns="91425" lIns="91425" spcFirstLastPara="1" rIns="91425" wrap="square" tIns="91425">
+          <a:bodyPr spcFirstLastPara="1" wrap="square" lIns="91425" tIns="91425" rIns="91425" bIns="91425" anchor="t" anchorCtr="0">
             <a:noAutofit/>
           </a:bodyPr>
           <a:lstStyle>
-            <a:lvl1pPr indent="-298450" lvl="0" marL="457200">
+            <a:lvl1pPr marL="457200" lvl="0" indent="-298450">
               <a:spcBef>
                 <a:spcPts val="0"/>
               </a:spcBef>
@@ -378,7 +459,7 @@
               <a:buChar char="●"/>
               <a:defRPr sz="1100"/>
             </a:lvl1pPr>
-            <a:lvl2pPr indent="-298450" lvl="1" marL="914400">
+            <a:lvl2pPr marL="914400" lvl="1" indent="-298450">
               <a:spcBef>
                 <a:spcPts val="0"/>
               </a:spcBef>
@@ -389,7 +470,7 @@
               <a:buChar char="○"/>
               <a:defRPr sz="1100"/>
             </a:lvl2pPr>
-            <a:lvl3pPr indent="-298450" lvl="2" marL="1371600">
+            <a:lvl3pPr marL="1371600" lvl="2" indent="-298450">
               <a:spcBef>
                 <a:spcPts val="0"/>
               </a:spcBef>
@@ -400,7 +481,7 @@
               <a:buChar char="■"/>
               <a:defRPr sz="1100"/>
             </a:lvl3pPr>
-            <a:lvl4pPr indent="-298450" lvl="3" marL="1828800">
+            <a:lvl4pPr marL="1828800" lvl="3" indent="-298450">
               <a:spcBef>
                 <a:spcPts val="0"/>
               </a:spcBef>
@@ -411,7 +492,7 @@
               <a:buChar char="●"/>
               <a:defRPr sz="1100"/>
             </a:lvl4pPr>
-            <a:lvl5pPr indent="-298450" lvl="4" marL="2286000">
+            <a:lvl5pPr marL="2286000" lvl="4" indent="-298450">
               <a:spcBef>
                 <a:spcPts val="0"/>
               </a:spcBef>
@@ -422,7 +503,7 @@
               <a:buChar char="○"/>
               <a:defRPr sz="1100"/>
             </a:lvl5pPr>
-            <a:lvl6pPr indent="-298450" lvl="5" marL="2743200">
+            <a:lvl6pPr marL="2743200" lvl="5" indent="-298450">
               <a:spcBef>
                 <a:spcPts val="0"/>
               </a:spcBef>
@@ -433,7 +514,7 @@
               <a:buChar char="■"/>
               <a:defRPr sz="1100"/>
             </a:lvl6pPr>
-            <a:lvl7pPr indent="-298450" lvl="6" marL="3200400">
+            <a:lvl7pPr marL="3200400" lvl="6" indent="-298450">
               <a:spcBef>
                 <a:spcPts val="0"/>
               </a:spcBef>
@@ -444,7 +525,7 @@
               <a:buChar char="●"/>
               <a:defRPr sz="1100"/>
             </a:lvl7pPr>
-            <a:lvl8pPr indent="-298450" lvl="7" marL="3657600">
+            <a:lvl8pPr marL="3657600" lvl="7" indent="-298450">
               <a:spcBef>
                 <a:spcPts val="0"/>
               </a:spcBef>
@@ -455,7 +536,7 @@
               <a:buChar char="○"/>
               <a:defRPr sz="1100"/>
             </a:lvl8pPr>
-            <a:lvl9pPr indent="-298450" lvl="8" marL="4114800">
+            <a:lvl9pPr marL="4114800" lvl="8" indent="-298450">
               <a:spcBef>
                 <a:spcPts val="0"/>
               </a:spcBef>
@@ -467,14 +548,16 @@
               <a:defRPr sz="1100"/>
             </a:lvl9pPr>
           </a:lstStyle>
-          <a:p/>
+          <a:p>
+            <a:endParaRPr/>
+          </a:p>
         </p:txBody>
       </p:sp>
     </p:spTree>
   </p:cSld>
-  <p:clrMap accent1="accent1" accent2="accent2" accent3="accent3" accent4="accent4" accent5="accent5" accent6="accent6" bg1="lt1" bg2="dk2" tx1="dk1" tx2="lt2" folHlink="folHlink" hlink="hlink"/>
+  <p:clrMap bg1="lt1" tx1="dk1" bg2="dk2" tx2="lt2" accent1="accent1" accent2="accent2" accent3="accent3" accent4="accent4" accent5="accent5" accent6="accent6" hlink="hlink" folHlink="folHlink"/>
   <p:notesStyle>
-    <a:defPPr lvl="0" marR="0" rtl="0" algn="l">
+    <a:defPPr marR="0" lvl="0" algn="l" rtl="0">
       <a:lnSpc>
         <a:spcPct val="100000"/>
       </a:lnSpc>
@@ -485,7 +568,7 @@
         <a:spcPts val="0"/>
       </a:spcAft>
     </a:defPPr>
-    <a:lvl1pPr lvl="0" marR="0" rtl="0" algn="l">
+    <a:lvl1pPr marR="0" lvl="0" algn="l" rtl="0">
       <a:lnSpc>
         <a:spcPct val="100000"/>
       </a:lnSpc>
@@ -499,7 +582,7 @@
         <a:srgbClr val="000000"/>
       </a:buClr>
       <a:buFont typeface="Arial"/>
-      <a:defRPr b="0" i="0" sz="1400" u="none" cap="none" strike="noStrike">
+      <a:defRPr sz="1400" b="0" i="0" u="none" strike="noStrike" cap="none">
         <a:solidFill>
           <a:srgbClr val="000000"/>
         </a:solidFill>
@@ -509,7 +592,7 @@
         <a:sym typeface="Arial"/>
       </a:defRPr>
     </a:lvl1pPr>
-    <a:lvl2pPr lvl="1" marR="0" rtl="0" algn="l">
+    <a:lvl2pPr marR="0" lvl="1" algn="l" rtl="0">
       <a:lnSpc>
         <a:spcPct val="100000"/>
       </a:lnSpc>
@@ -523,7 +606,7 @@
         <a:srgbClr val="000000"/>
       </a:buClr>
       <a:buFont typeface="Arial"/>
-      <a:defRPr b="0" i="0" sz="1400" u="none" cap="none" strike="noStrike">
+      <a:defRPr sz="1400" b="0" i="0" u="none" strike="noStrike" cap="none">
         <a:solidFill>
           <a:srgbClr val="000000"/>
         </a:solidFill>
@@ -533,7 +616,7 @@
         <a:sym typeface="Arial"/>
       </a:defRPr>
     </a:lvl2pPr>
-    <a:lvl3pPr lvl="2" marR="0" rtl="0" algn="l">
+    <a:lvl3pPr marR="0" lvl="2" algn="l" rtl="0">
       <a:lnSpc>
         <a:spcPct val="100000"/>
       </a:lnSpc>
@@ -547,7 +630,7 @@
         <a:srgbClr val="000000"/>
       </a:buClr>
       <a:buFont typeface="Arial"/>
-      <a:defRPr b="0" i="0" sz="1400" u="none" cap="none" strike="noStrike">
+      <a:defRPr sz="1400" b="0" i="0" u="none" strike="noStrike" cap="none">
         <a:solidFill>
           <a:srgbClr val="000000"/>
         </a:solidFill>
@@ -557,7 +640,7 @@
         <a:sym typeface="Arial"/>
       </a:defRPr>
     </a:lvl3pPr>
-    <a:lvl4pPr lvl="3" marR="0" rtl="0" algn="l">
+    <a:lvl4pPr marR="0" lvl="3" algn="l" rtl="0">
       <a:lnSpc>
         <a:spcPct val="100000"/>
       </a:lnSpc>
@@ -571,7 +654,7 @@
         <a:srgbClr val="000000"/>
       </a:buClr>
       <a:buFont typeface="Arial"/>
-      <a:defRPr b="0" i="0" sz="1400" u="none" cap="none" strike="noStrike">
+      <a:defRPr sz="1400" b="0" i="0" u="none" strike="noStrike" cap="none">
         <a:solidFill>
           <a:srgbClr val="000000"/>
         </a:solidFill>
@@ -581,7 +664,7 @@
         <a:sym typeface="Arial"/>
       </a:defRPr>
     </a:lvl4pPr>
-    <a:lvl5pPr lvl="4" marR="0" rtl="0" algn="l">
+    <a:lvl5pPr marR="0" lvl="4" algn="l" rtl="0">
       <a:lnSpc>
         <a:spcPct val="100000"/>
       </a:lnSpc>
@@ -595,7 +678,7 @@
         <a:srgbClr val="000000"/>
       </a:buClr>
       <a:buFont typeface="Arial"/>
-      <a:defRPr b="0" i="0" sz="1400" u="none" cap="none" strike="noStrike">
+      <a:defRPr sz="1400" b="0" i="0" u="none" strike="noStrike" cap="none">
         <a:solidFill>
           <a:srgbClr val="000000"/>
         </a:solidFill>
@@ -605,7 +688,7 @@
         <a:sym typeface="Arial"/>
       </a:defRPr>
     </a:lvl5pPr>
-    <a:lvl6pPr lvl="5" marR="0" rtl="0" algn="l">
+    <a:lvl6pPr marR="0" lvl="5" algn="l" rtl="0">
       <a:lnSpc>
         <a:spcPct val="100000"/>
       </a:lnSpc>
@@ -619,7 +702,7 @@
         <a:srgbClr val="000000"/>
       </a:buClr>
       <a:buFont typeface="Arial"/>
-      <a:defRPr b="0" i="0" sz="1400" u="none" cap="none" strike="noStrike">
+      <a:defRPr sz="1400" b="0" i="0" u="none" strike="noStrike" cap="none">
         <a:solidFill>
           <a:srgbClr val="000000"/>
         </a:solidFill>
@@ -629,7 +712,7 @@
         <a:sym typeface="Arial"/>
       </a:defRPr>
     </a:lvl6pPr>
-    <a:lvl7pPr lvl="6" marR="0" rtl="0" algn="l">
+    <a:lvl7pPr marR="0" lvl="6" algn="l" rtl="0">
       <a:lnSpc>
         <a:spcPct val="100000"/>
       </a:lnSpc>
@@ -643,7 +726,7 @@
         <a:srgbClr val="000000"/>
       </a:buClr>
       <a:buFont typeface="Arial"/>
-      <a:defRPr b="0" i="0" sz="1400" u="none" cap="none" strike="noStrike">
+      <a:defRPr sz="1400" b="0" i="0" u="none" strike="noStrike" cap="none">
         <a:solidFill>
           <a:srgbClr val="000000"/>
         </a:solidFill>
@@ -653,7 +736,7 @@
         <a:sym typeface="Arial"/>
       </a:defRPr>
     </a:lvl7pPr>
-    <a:lvl8pPr lvl="7" marR="0" rtl="0" algn="l">
+    <a:lvl8pPr marR="0" lvl="7" algn="l" rtl="0">
       <a:lnSpc>
         <a:spcPct val="100000"/>
       </a:lnSpc>
@@ -667,7 +750,7 @@
         <a:srgbClr val="000000"/>
       </a:buClr>
       <a:buFont typeface="Arial"/>
-      <a:defRPr b="0" i="0" sz="1400" u="none" cap="none" strike="noStrike">
+      <a:defRPr sz="1400" b="0" i="0" u="none" strike="noStrike" cap="none">
         <a:solidFill>
           <a:srgbClr val="000000"/>
         </a:solidFill>
@@ -677,7 +760,7 @@
         <a:sym typeface="Arial"/>
       </a:defRPr>
     </a:lvl8pPr>
-    <a:lvl9pPr lvl="8" marR="0" rtl="0" algn="l">
+    <a:lvl9pPr marR="0" lvl="8" algn="l" rtl="0">
       <a:lnSpc>
         <a:spcPct val="100000"/>
       </a:lnSpc>
@@ -691,7 +774,7 @@
         <a:srgbClr val="000000"/>
       </a:buClr>
       <a:buFont typeface="Arial"/>
-      <a:defRPr b="0" i="0" sz="1400" u="none" cap="none" strike="noStrike">
+      <a:defRPr sz="1400" b="0" i="0" u="none" strike="noStrike" cap="none">
         <a:solidFill>
           <a:srgbClr val="000000"/>
         </a:solidFill>
@@ -706,11 +789,11 @@
 </file>
 
 <file path=ppt/notesSlides/notesSlide1.xml><?xml version="1.0" encoding="utf-8"?>
-<p:notes xmlns:a="http://schemas.openxmlformats.org/drawingml/2006/main" xmlns:r="http://schemas.openxmlformats.org/officeDocument/2006/relationships" xmlns:mc="http://schemas.openxmlformats.org/markup-compatibility/2006" xmlns:mv="urn:schemas-microsoft-com:mac:vml" xmlns:p="http://schemas.openxmlformats.org/presentationml/2006/main" xmlns:c="http://schemas.openxmlformats.org/drawingml/2006/chart" xmlns:dgm="http://schemas.openxmlformats.org/drawingml/2006/diagram" xmlns:o="urn:schemas-microsoft-com:office:office" xmlns:v="urn:schemas-microsoft-com:vml" xmlns:pvml="urn:schemas-microsoft-com:office:powerpoint" xmlns:com="http://schemas.openxmlformats.org/drawingml/2006/compatibility" xmlns:p14="http://schemas.microsoft.com/office/powerpoint/2010/main" xmlns:p15="http://schemas.microsoft.com/office/powerpoint/2012/main" xmlns:ahyp="http://schemas.microsoft.com/office/drawing/2018/hyperlinkcolor" showMasterPhAnim="0" showMasterSp="0">
+<p:notes xmlns:a="http://schemas.openxmlformats.org/drawingml/2006/main" xmlns:r="http://schemas.openxmlformats.org/officeDocument/2006/relationships" xmlns:p="http://schemas.openxmlformats.org/presentationml/2006/main" showMasterSp="0" showMasterPhAnim="0">
   <p:cSld>
     <p:spTree>
       <p:nvGrpSpPr>
-        <p:cNvPr id="130" name="Shape 130"/>
+        <p:cNvPr id="1" name="Shape 130"/>
         <p:cNvGrpSpPr/>
         <p:nvPr/>
       </p:nvGrpSpPr>
@@ -725,9 +808,11 @@
       <p:sp>
         <p:nvSpPr>
           <p:cNvPr id="131" name="Google Shape;131;p:notes"/>
-          <p:cNvSpPr/>
+          <p:cNvSpPr>
+            <a:spLocks noGrp="1" noRot="1" noChangeAspect="1"/>
+          </p:cNvSpPr>
           <p:nvPr>
-            <p:ph idx="2" type="sldImg"/>
+            <p:ph type="sldImg" idx="2"/>
           </p:nvPr>
         </p:nvSpPr>
         <p:spPr>
@@ -736,9 +821,13 @@
             <a:ext cx="6096075" cy="3429000"/>
           </a:xfrm>
           <a:custGeom>
-            <a:rect b="b" l="l" r="r" t="t"/>
+            <a:avLst/>
+            <a:gdLst/>
+            <a:ahLst/>
+            <a:cxnLst/>
+            <a:rect l="l" t="t" r="r" b="b"/>
             <a:pathLst>
-              <a:path extrusionOk="0" h="120000" w="120000">
+              <a:path w="120000" h="120000" extrusionOk="0">
                 <a:moveTo>
                   <a:pt x="0" y="0"/>
                 </a:moveTo>
@@ -760,9 +849,11 @@
       <p:sp>
         <p:nvSpPr>
           <p:cNvPr id="132" name="Google Shape;132;p:notes"/>
-          <p:cNvSpPr txBox="1"/>
+          <p:cNvSpPr txBox="1">
+            <a:spLocks noGrp="1"/>
+          </p:cNvSpPr>
           <p:nvPr>
-            <p:ph idx="1" type="body"/>
+            <p:ph type="body" idx="1"/>
           </p:nvPr>
         </p:nvSpPr>
         <p:spPr>
@@ -775,12 +866,12 @@
           </a:prstGeom>
         </p:spPr>
         <p:txBody>
-          <a:bodyPr anchorCtr="0" anchor="t" bIns="91425" lIns="91425" spcFirstLastPara="1" rIns="91425" wrap="square" tIns="91425">
+          <a:bodyPr spcFirstLastPara="1" wrap="square" lIns="91425" tIns="91425" rIns="91425" bIns="91425" anchor="t" anchorCtr="0">
             <a:noAutofit/>
           </a:bodyPr>
           <a:lstStyle/>
           <a:p>
-            <a:pPr indent="0" lvl="0" marL="0" rtl="0" algn="l">
+            <a:pPr marL="0" lvl="0" indent="0" algn="l" rtl="0">
               <a:spcBef>
                 <a:spcPts val="0"/>
               </a:spcBef>
@@ -789,9 +880,6 @@
               </a:spcAft>
               <a:buNone/>
             </a:pPr>
-            <a:r>
-              <a:t/>
-            </a:r>
             <a:endParaRPr/>
           </a:p>
         </p:txBody>
@@ -805,11 +893,11 @@
 </file>
 
 <file path=ppt/notesSlides/notesSlide2.xml><?xml version="1.0" encoding="utf-8"?>
-<p:notes xmlns:a="http://schemas.openxmlformats.org/drawingml/2006/main" xmlns:r="http://schemas.openxmlformats.org/officeDocument/2006/relationships" xmlns:mc="http://schemas.openxmlformats.org/markup-compatibility/2006" xmlns:mv="urn:schemas-microsoft-com:mac:vml" xmlns:p="http://schemas.openxmlformats.org/presentationml/2006/main" xmlns:c="http://schemas.openxmlformats.org/drawingml/2006/chart" xmlns:dgm="http://schemas.openxmlformats.org/drawingml/2006/diagram" xmlns:o="urn:schemas-microsoft-com:office:office" xmlns:v="urn:schemas-microsoft-com:vml" xmlns:pvml="urn:schemas-microsoft-com:office:powerpoint" xmlns:com="http://schemas.openxmlformats.org/drawingml/2006/compatibility" xmlns:p14="http://schemas.microsoft.com/office/powerpoint/2010/main" xmlns:p15="http://schemas.microsoft.com/office/powerpoint/2012/main" xmlns:ahyp="http://schemas.microsoft.com/office/drawing/2018/hyperlinkcolor" showMasterPhAnim="0" showMasterSp="0">
+<p:notes xmlns:a="http://schemas.openxmlformats.org/drawingml/2006/main" xmlns:r="http://schemas.openxmlformats.org/officeDocument/2006/relationships" xmlns:p="http://schemas.openxmlformats.org/presentationml/2006/main" showMasterSp="0" showMasterPhAnim="0">
   <p:cSld>
     <p:spTree>
       <p:nvGrpSpPr>
-        <p:cNvPr id="136" name="Shape 136"/>
+        <p:cNvPr id="1" name="Shape 136"/>
         <p:cNvGrpSpPr/>
         <p:nvPr/>
       </p:nvGrpSpPr>
@@ -824,20 +912,26 @@
       <p:sp>
         <p:nvSpPr>
           <p:cNvPr id="137" name="Google Shape;137;g2ee79f6f22a_0_125:notes"/>
-          <p:cNvSpPr/>
+          <p:cNvSpPr>
+            <a:spLocks noGrp="1" noRot="1" noChangeAspect="1"/>
+          </p:cNvSpPr>
           <p:nvPr>
-            <p:ph idx="2" type="sldImg"/>
+            <p:ph type="sldImg" idx="2"/>
           </p:nvPr>
         </p:nvSpPr>
         <p:spPr>
           <a:xfrm>
-            <a:off x="381300" y="685800"/>
+            <a:off x="381000" y="685800"/>
             <a:ext cx="6096000" cy="3429000"/>
           </a:xfrm>
           <a:custGeom>
-            <a:rect b="b" l="l" r="r" t="t"/>
+            <a:avLst/>
+            <a:gdLst/>
+            <a:ahLst/>
+            <a:cxnLst/>
+            <a:rect l="l" t="t" r="r" b="b"/>
             <a:pathLst>
-              <a:path extrusionOk="0" h="120000" w="120000">
+              <a:path w="120000" h="120000" extrusionOk="0">
                 <a:moveTo>
                   <a:pt x="0" y="0"/>
                 </a:moveTo>
@@ -859,9 +953,11 @@
       <p:sp>
         <p:nvSpPr>
           <p:cNvPr id="138" name="Google Shape;138;g2ee79f6f22a_0_125:notes"/>
-          <p:cNvSpPr txBox="1"/>
+          <p:cNvSpPr txBox="1">
+            <a:spLocks noGrp="1"/>
+          </p:cNvSpPr>
           <p:nvPr>
-            <p:ph idx="1" type="body"/>
+            <p:ph type="body" idx="1"/>
           </p:nvPr>
         </p:nvSpPr>
         <p:spPr>
@@ -874,12 +970,12 @@
           </a:prstGeom>
         </p:spPr>
         <p:txBody>
-          <a:bodyPr anchorCtr="0" anchor="t" bIns="91425" lIns="91425" spcFirstLastPara="1" rIns="91425" wrap="square" tIns="91425">
+          <a:bodyPr spcFirstLastPara="1" wrap="square" lIns="91425" tIns="91425" rIns="91425" bIns="91425" anchor="t" anchorCtr="0">
             <a:noAutofit/>
           </a:bodyPr>
           <a:lstStyle/>
           <a:p>
-            <a:pPr indent="0" lvl="0" marL="0" rtl="0" algn="l">
+            <a:pPr marL="0" lvl="0" indent="0" algn="l" rtl="0">
               <a:spcBef>
                 <a:spcPts val="0"/>
               </a:spcBef>
@@ -888,9 +984,6 @@
               </a:spcAft>
               <a:buNone/>
             </a:pPr>
-            <a:r>
-              <a:t/>
-            </a:r>
             <a:endParaRPr/>
           </a:p>
         </p:txBody>
@@ -904,11 +997,11 @@
 </file>
 
 <file path=ppt/notesSlides/notesSlide3.xml><?xml version="1.0" encoding="utf-8"?>
-<p:notes xmlns:a="http://schemas.openxmlformats.org/drawingml/2006/main" xmlns:r="http://schemas.openxmlformats.org/officeDocument/2006/relationships" xmlns:mc="http://schemas.openxmlformats.org/markup-compatibility/2006" xmlns:mv="urn:schemas-microsoft-com:mac:vml" xmlns:p="http://schemas.openxmlformats.org/presentationml/2006/main" xmlns:c="http://schemas.openxmlformats.org/drawingml/2006/chart" xmlns:dgm="http://schemas.openxmlformats.org/drawingml/2006/diagram" xmlns:o="urn:schemas-microsoft-com:office:office" xmlns:v="urn:schemas-microsoft-com:vml" xmlns:pvml="urn:schemas-microsoft-com:office:powerpoint" xmlns:com="http://schemas.openxmlformats.org/drawingml/2006/compatibility" xmlns:p14="http://schemas.microsoft.com/office/powerpoint/2010/main" xmlns:p15="http://schemas.microsoft.com/office/powerpoint/2012/main" xmlns:ahyp="http://schemas.microsoft.com/office/drawing/2018/hyperlinkcolor" showMasterPhAnim="0" showMasterSp="0">
+<p:notes xmlns:a="http://schemas.openxmlformats.org/drawingml/2006/main" xmlns:r="http://schemas.openxmlformats.org/officeDocument/2006/relationships" xmlns:p="http://schemas.openxmlformats.org/presentationml/2006/main" showMasterSp="0" showMasterPhAnim="0">
   <p:cSld>
     <p:spTree>
       <p:nvGrpSpPr>
-        <p:cNvPr id="142" name="Shape 142"/>
+        <p:cNvPr id="1" name="Shape 142"/>
         <p:cNvGrpSpPr/>
         <p:nvPr/>
       </p:nvGrpSpPr>
@@ -923,20 +1016,26 @@
       <p:sp>
         <p:nvSpPr>
           <p:cNvPr id="143" name="Google Shape;143;g2ee79f6f22a_0_131:notes"/>
-          <p:cNvSpPr/>
+          <p:cNvSpPr>
+            <a:spLocks noGrp="1" noRot="1" noChangeAspect="1"/>
+          </p:cNvSpPr>
           <p:nvPr>
-            <p:ph idx="2" type="sldImg"/>
+            <p:ph type="sldImg" idx="2"/>
           </p:nvPr>
         </p:nvSpPr>
         <p:spPr>
           <a:xfrm>
-            <a:off x="381300" y="685800"/>
+            <a:off x="381000" y="685800"/>
             <a:ext cx="6096000" cy="3429000"/>
           </a:xfrm>
           <a:custGeom>
-            <a:rect b="b" l="l" r="r" t="t"/>
+            <a:avLst/>
+            <a:gdLst/>
+            <a:ahLst/>
+            <a:cxnLst/>
+            <a:rect l="l" t="t" r="r" b="b"/>
             <a:pathLst>
-              <a:path extrusionOk="0" h="120000" w="120000">
+              <a:path w="120000" h="120000" extrusionOk="0">
                 <a:moveTo>
                   <a:pt x="0" y="0"/>
                 </a:moveTo>
@@ -958,9 +1057,11 @@
       <p:sp>
         <p:nvSpPr>
           <p:cNvPr id="144" name="Google Shape;144;g2ee79f6f22a_0_131:notes"/>
-          <p:cNvSpPr txBox="1"/>
+          <p:cNvSpPr txBox="1">
+            <a:spLocks noGrp="1"/>
+          </p:cNvSpPr>
           <p:nvPr>
-            <p:ph idx="1" type="body"/>
+            <p:ph type="body" idx="1"/>
           </p:nvPr>
         </p:nvSpPr>
         <p:spPr>
@@ -973,12 +1074,12 @@
           </a:prstGeom>
         </p:spPr>
         <p:txBody>
-          <a:bodyPr anchorCtr="0" anchor="t" bIns="91425" lIns="91425" spcFirstLastPara="1" rIns="91425" wrap="square" tIns="91425">
+          <a:bodyPr spcFirstLastPara="1" wrap="square" lIns="91425" tIns="91425" rIns="91425" bIns="91425" anchor="t" anchorCtr="0">
             <a:noAutofit/>
           </a:bodyPr>
           <a:lstStyle/>
           <a:p>
-            <a:pPr indent="0" lvl="0" marL="0" rtl="0" algn="l">
+            <a:pPr marL="0" lvl="0" indent="0" algn="l" rtl="0">
               <a:spcBef>
                 <a:spcPts val="0"/>
               </a:spcBef>
@@ -987,9 +1088,6 @@
               </a:spcAft>
               <a:buNone/>
             </a:pPr>
-            <a:r>
-              <a:t/>
-            </a:r>
             <a:endParaRPr/>
           </a:p>
         </p:txBody>
@@ -1003,11 +1101,11 @@
 </file>
 
 <file path=ppt/notesSlides/notesSlide4.xml><?xml version="1.0" encoding="utf-8"?>
-<p:notes xmlns:a="http://schemas.openxmlformats.org/drawingml/2006/main" xmlns:r="http://schemas.openxmlformats.org/officeDocument/2006/relationships" xmlns:mc="http://schemas.openxmlformats.org/markup-compatibility/2006" xmlns:mv="urn:schemas-microsoft-com:mac:vml" xmlns:p="http://schemas.openxmlformats.org/presentationml/2006/main" xmlns:c="http://schemas.openxmlformats.org/drawingml/2006/chart" xmlns:dgm="http://schemas.openxmlformats.org/drawingml/2006/diagram" xmlns:o="urn:schemas-microsoft-com:office:office" xmlns:v="urn:schemas-microsoft-com:vml" xmlns:pvml="urn:schemas-microsoft-com:office:powerpoint" xmlns:com="http://schemas.openxmlformats.org/drawingml/2006/compatibility" xmlns:p14="http://schemas.microsoft.com/office/powerpoint/2010/main" xmlns:p15="http://schemas.microsoft.com/office/powerpoint/2012/main" xmlns:ahyp="http://schemas.microsoft.com/office/drawing/2018/hyperlinkcolor" showMasterPhAnim="0" showMasterSp="0">
+<p:notes xmlns:a="http://schemas.openxmlformats.org/drawingml/2006/main" xmlns:r="http://schemas.openxmlformats.org/officeDocument/2006/relationships" xmlns:p="http://schemas.openxmlformats.org/presentationml/2006/main" showMasterSp="0" showMasterPhAnim="0">
   <p:cSld>
     <p:spTree>
       <p:nvGrpSpPr>
-        <p:cNvPr id="148" name="Shape 148"/>
+        <p:cNvPr id="1" name="Shape 148"/>
         <p:cNvGrpSpPr/>
         <p:nvPr/>
       </p:nvGrpSpPr>
@@ -1022,9 +1120,11 @@
       <p:sp>
         <p:nvSpPr>
           <p:cNvPr id="149" name="Google Shape;149;g2ee79f6f22a_0_136:notes"/>
-          <p:cNvSpPr/>
+          <p:cNvSpPr>
+            <a:spLocks noGrp="1" noRot="1" noChangeAspect="1"/>
+          </p:cNvSpPr>
           <p:nvPr>
-            <p:ph idx="2" type="sldImg"/>
+            <p:ph type="sldImg" idx="2"/>
           </p:nvPr>
         </p:nvSpPr>
         <p:spPr>
@@ -1033,9 +1133,13 @@
             <a:ext cx="6096000" cy="3429000"/>
           </a:xfrm>
           <a:custGeom>
-            <a:rect b="b" l="l" r="r" t="t"/>
+            <a:avLst/>
+            <a:gdLst/>
+            <a:ahLst/>
+            <a:cxnLst/>
+            <a:rect l="l" t="t" r="r" b="b"/>
             <a:pathLst>
-              <a:path extrusionOk="0" h="120000" w="120000">
+              <a:path w="120000" h="120000" extrusionOk="0">
                 <a:moveTo>
                   <a:pt x="0" y="0"/>
                 </a:moveTo>
@@ -1057,9 +1161,11 @@
       <p:sp>
         <p:nvSpPr>
           <p:cNvPr id="150" name="Google Shape;150;g2ee79f6f22a_0_136:notes"/>
-          <p:cNvSpPr txBox="1"/>
+          <p:cNvSpPr txBox="1">
+            <a:spLocks noGrp="1"/>
+          </p:cNvSpPr>
           <p:nvPr>
-            <p:ph idx="1" type="body"/>
+            <p:ph type="body" idx="1"/>
           </p:nvPr>
         </p:nvSpPr>
         <p:spPr>
@@ -1072,12 +1178,12 @@
           </a:prstGeom>
         </p:spPr>
         <p:txBody>
-          <a:bodyPr anchorCtr="0" anchor="t" bIns="91425" lIns="91425" spcFirstLastPara="1" rIns="91425" wrap="square" tIns="91425">
+          <a:bodyPr spcFirstLastPara="1" wrap="square" lIns="91425" tIns="91425" rIns="91425" bIns="91425" anchor="t" anchorCtr="0">
             <a:noAutofit/>
           </a:bodyPr>
           <a:lstStyle/>
           <a:p>
-            <a:pPr indent="0" lvl="0" marL="0" rtl="0" algn="l">
+            <a:pPr marL="0" lvl="0" indent="0" algn="l" rtl="0">
               <a:spcBef>
                 <a:spcPts val="0"/>
               </a:spcBef>
@@ -1086,9 +1192,6 @@
               </a:spcAft>
               <a:buNone/>
             </a:pPr>
-            <a:r>
-              <a:t/>
-            </a:r>
             <a:endParaRPr/>
           </a:p>
         </p:txBody>
@@ -1102,11 +1205,11 @@
 </file>
 
 <file path=ppt/slideLayouts/slideLayout1.xml><?xml version="1.0" encoding="utf-8"?>
-<p:sldLayout xmlns:a="http://schemas.openxmlformats.org/drawingml/2006/main" xmlns:r="http://schemas.openxmlformats.org/officeDocument/2006/relationships" xmlns:mc="http://schemas.openxmlformats.org/markup-compatibility/2006" xmlns:mv="urn:schemas-microsoft-com:mac:vml" xmlns:p="http://schemas.openxmlformats.org/presentationml/2006/main" xmlns:c="http://schemas.openxmlformats.org/drawingml/2006/chart" xmlns:dgm="http://schemas.openxmlformats.org/drawingml/2006/diagram" xmlns:o="urn:schemas-microsoft-com:office:office" xmlns:v="urn:schemas-microsoft-com:vml" xmlns:pvml="urn:schemas-microsoft-com:office:powerpoint" xmlns:com="http://schemas.openxmlformats.org/drawingml/2006/compatibility" xmlns:p14="http://schemas.microsoft.com/office/powerpoint/2010/main" xmlns:p15="http://schemas.microsoft.com/office/powerpoint/2012/main" xmlns:ahyp="http://schemas.microsoft.com/office/drawing/2018/hyperlinkcolor" matchingName="Title slide" type="title">
+<p:sldLayout xmlns:a="http://schemas.openxmlformats.org/drawingml/2006/main" xmlns:r="http://schemas.openxmlformats.org/officeDocument/2006/relationships" xmlns:p="http://schemas.openxmlformats.org/presentationml/2006/main" matchingName="Title slide" type="title">
   <p:cSld name="TITLE">
     <p:spTree>
       <p:nvGrpSpPr>
-        <p:cNvPr id="9" name="Shape 9"/>
+        <p:cNvPr id="1" name="Shape 9"/>
         <p:cNvGrpSpPr/>
         <p:nvPr/>
       </p:nvGrpSpPr>
@@ -1131,7 +1234,7 @@
           </a:xfrm>
           <a:prstGeom prst="diagStripe">
             <a:avLst>
-              <a:gd fmla="val 0" name="adj"/>
+              <a:gd name="adj" fmla="val 0"/>
             </a:avLst>
           </a:prstGeom>
           <a:solidFill>
@@ -1144,12 +1247,12 @@
           </a:ln>
         </p:spPr>
         <p:txBody>
-          <a:bodyPr anchorCtr="0" anchor="ctr" bIns="91425" lIns="91425" spcFirstLastPara="1" rIns="91425" wrap="square" tIns="91425">
+          <a:bodyPr spcFirstLastPara="1" wrap="square" lIns="91425" tIns="91425" rIns="91425" bIns="91425" anchor="ctr" anchorCtr="0">
             <a:noAutofit/>
           </a:bodyPr>
           <a:lstStyle/>
           <a:p>
-            <a:pPr indent="0" lvl="0" marL="0" rtl="0" algn="l">
+            <a:pPr marL="0" lvl="0" indent="0" algn="l" rtl="0">
               <a:spcBef>
                 <a:spcPts val="0"/>
               </a:spcBef>
@@ -1158,9 +1261,6 @@
               </a:spcAft>
               <a:buNone/>
             </a:pPr>
-            <a:r>
-              <a:t/>
-            </a:r>
             <a:endParaRPr/>
           </a:p>
         </p:txBody>
@@ -1192,7 +1292,7 @@
             </a:xfrm>
             <a:prstGeom prst="diagStripe">
               <a:avLst>
-                <a:gd fmla="val 50000" name="adj"/>
+                <a:gd name="adj" fmla="val 50000"/>
               </a:avLst>
             </a:prstGeom>
             <a:solidFill>
@@ -1205,12 +1305,12 @@
             </a:ln>
           </p:spPr>
           <p:txBody>
-            <a:bodyPr anchorCtr="0" anchor="ctr" bIns="91425" lIns="91425" spcFirstLastPara="1" rIns="91425" wrap="square" tIns="91425">
+            <a:bodyPr spcFirstLastPara="1" wrap="square" lIns="91425" tIns="91425" rIns="91425" bIns="91425" anchor="ctr" anchorCtr="0">
               <a:noAutofit/>
             </a:bodyPr>
             <a:lstStyle/>
             <a:p>
-              <a:pPr indent="0" lvl="0" marL="0" rtl="0" algn="l">
+              <a:pPr marL="0" lvl="0" indent="0" algn="l" rtl="0">
                 <a:spcBef>
                   <a:spcPts val="0"/>
                 </a:spcBef>
@@ -1219,9 +1319,6 @@
                 </a:spcAft>
                 <a:buNone/>
               </a:pPr>
-              <a:r>
-                <a:t/>
-              </a:r>
               <a:endParaRPr/>
             </a:p>
           </p:txBody>
@@ -1239,7 +1336,7 @@
             </a:xfrm>
             <a:prstGeom prst="diagStripe">
               <a:avLst>
-                <a:gd fmla="val 58774" name="adj"/>
+                <a:gd name="adj" fmla="val 58774"/>
               </a:avLst>
             </a:prstGeom>
             <a:solidFill>
@@ -1252,12 +1349,12 @@
             </a:ln>
           </p:spPr>
           <p:txBody>
-            <a:bodyPr anchorCtr="0" anchor="ctr" bIns="91425" lIns="91425" spcFirstLastPara="1" rIns="91425" wrap="square" tIns="91425">
+            <a:bodyPr spcFirstLastPara="1" wrap="square" lIns="91425" tIns="91425" rIns="91425" bIns="91425" anchor="ctr" anchorCtr="0">
               <a:noAutofit/>
             </a:bodyPr>
             <a:lstStyle/>
             <a:p>
-              <a:pPr indent="0" lvl="0" marL="0" rtl="0" algn="l">
+              <a:pPr marL="0" lvl="0" indent="0" algn="l" rtl="0">
                 <a:spcBef>
                   <a:spcPts val="0"/>
                 </a:spcBef>
@@ -1266,9 +1363,6 @@
                 </a:spcAft>
                 <a:buNone/>
               </a:pPr>
-              <a:r>
-                <a:t/>
-              </a:r>
               <a:endParaRPr/>
             </a:p>
           </p:txBody>
@@ -1286,7 +1380,7 @@
             </a:xfrm>
             <a:prstGeom prst="diagStripe">
               <a:avLst>
-                <a:gd fmla="val 50000" name="adj"/>
+                <a:gd name="adj" fmla="val 50000"/>
               </a:avLst>
             </a:prstGeom>
             <a:solidFill>
@@ -1297,12 +1391,12 @@
             </a:ln>
           </p:spPr>
           <p:txBody>
-            <a:bodyPr anchorCtr="0" anchor="ctr" bIns="91425" lIns="91425" spcFirstLastPara="1" rIns="91425" wrap="square" tIns="91425">
+            <a:bodyPr spcFirstLastPara="1" wrap="square" lIns="91425" tIns="91425" rIns="91425" bIns="91425" anchor="ctr" anchorCtr="0">
               <a:noAutofit/>
             </a:bodyPr>
             <a:lstStyle/>
             <a:p>
-              <a:pPr indent="0" lvl="0" marL="0" rtl="0" algn="l">
+              <a:pPr marL="0" lvl="0" indent="0" algn="l" rtl="0">
                 <a:spcBef>
                   <a:spcPts val="0"/>
                 </a:spcBef>
@@ -1311,9 +1405,6 @@
                 </a:spcAft>
                 <a:buNone/>
               </a:pPr>
-              <a:r>
-                <a:t/>
-              </a:r>
               <a:endParaRPr/>
             </a:p>
           </p:txBody>
@@ -1331,7 +1422,7 @@
             </a:xfrm>
             <a:prstGeom prst="diagStripe">
               <a:avLst>
-                <a:gd fmla="val 50000" name="adj"/>
+                <a:gd name="adj" fmla="val 50000"/>
               </a:avLst>
             </a:prstGeom>
             <a:solidFill>
@@ -1342,12 +1433,12 @@
             </a:ln>
           </p:spPr>
           <p:txBody>
-            <a:bodyPr anchorCtr="0" anchor="ctr" bIns="91425" lIns="91425" spcFirstLastPara="1" rIns="91425" wrap="square" tIns="91425">
+            <a:bodyPr spcFirstLastPara="1" wrap="square" lIns="91425" tIns="91425" rIns="91425" bIns="91425" anchor="ctr" anchorCtr="0">
               <a:noAutofit/>
             </a:bodyPr>
             <a:lstStyle/>
             <a:p>
-              <a:pPr indent="0" lvl="0" marL="0" rtl="0" algn="l">
+              <a:pPr marL="0" lvl="0" indent="0" algn="l" rtl="0">
                 <a:spcBef>
                   <a:spcPts val="0"/>
                 </a:spcBef>
@@ -1356,9 +1447,6 @@
                 </a:spcAft>
                 <a:buNone/>
               </a:pPr>
-              <a:r>
-                <a:t/>
-              </a:r>
               <a:endParaRPr/>
             </a:p>
           </p:txBody>
@@ -1367,7 +1455,9 @@
       <p:sp>
         <p:nvSpPr>
           <p:cNvPr id="16" name="Google Shape;16;p2"/>
-          <p:cNvSpPr txBox="1"/>
+          <p:cNvSpPr txBox="1">
+            <a:spLocks noGrp="1"/>
+          </p:cNvSpPr>
           <p:nvPr>
             <p:ph type="ctrTitle"/>
           </p:nvPr>
@@ -1382,7 +1472,7 @@
           </a:prstGeom>
         </p:spPr>
         <p:txBody>
-          <a:bodyPr anchorCtr="0" anchor="t" bIns="91425" lIns="91425" spcFirstLastPara="1" rIns="91425" wrap="square" tIns="91425">
+          <a:bodyPr spcFirstLastPara="1" wrap="square" lIns="91425" tIns="91425" rIns="91425" bIns="91425" anchor="t" anchorCtr="0">
             <a:normAutofit/>
           </a:bodyPr>
           <a:lstStyle>
@@ -1486,15 +1576,19 @@
               <a:defRPr sz="4000"/>
             </a:lvl9pPr>
           </a:lstStyle>
-          <a:p/>
+          <a:p>
+            <a:endParaRPr/>
+          </a:p>
         </p:txBody>
       </p:sp>
       <p:sp>
         <p:nvSpPr>
           <p:cNvPr id="17" name="Google Shape;17;p2"/>
-          <p:cNvSpPr txBox="1"/>
+          <p:cNvSpPr txBox="1">
+            <a:spLocks noGrp="1"/>
+          </p:cNvSpPr>
           <p:nvPr>
-            <p:ph idx="1" type="subTitle"/>
+            <p:ph type="subTitle" idx="1"/>
           </p:nvPr>
         </p:nvSpPr>
         <p:spPr>
@@ -1507,7 +1601,7 @@
           </a:prstGeom>
         </p:spPr>
         <p:txBody>
-          <a:bodyPr anchorCtr="0" anchor="t" bIns="91425" lIns="91425" spcFirstLastPara="1" rIns="91425" wrap="square" tIns="91425">
+          <a:bodyPr spcFirstLastPara="1" wrap="square" lIns="91425" tIns="91425" rIns="91425" bIns="91425" anchor="t" anchorCtr="0">
             <a:normAutofit/>
           </a:bodyPr>
           <a:lstStyle>
@@ -1638,15 +1732,19 @@
               <a:defRPr sz="1300"/>
             </a:lvl9pPr>
           </a:lstStyle>
-          <a:p/>
+          <a:p>
+            <a:endParaRPr/>
+          </a:p>
         </p:txBody>
       </p:sp>
       <p:sp>
         <p:nvSpPr>
           <p:cNvPr id="18" name="Google Shape;18;p2"/>
-          <p:cNvSpPr txBox="1"/>
+          <p:cNvSpPr txBox="1">
+            <a:spLocks noGrp="1"/>
+          </p:cNvSpPr>
           <p:nvPr>
-            <p:ph idx="12" type="sldNum"/>
+            <p:ph type="sldNum" idx="12"/>
           </p:nvPr>
         </p:nvSpPr>
         <p:spPr>
@@ -1659,7 +1757,7 @@
           </a:prstGeom>
         </p:spPr>
         <p:txBody>
-          <a:bodyPr anchorCtr="0" anchor="ctr" bIns="91425" lIns="91425" spcFirstLastPara="1" rIns="91425" wrap="square" tIns="91425">
+          <a:bodyPr spcFirstLastPara="1" wrap="square" lIns="91425" tIns="91425" rIns="91425" bIns="91425" anchor="ctr" anchorCtr="0">
             <a:normAutofit/>
           </a:bodyPr>
           <a:lstStyle>
@@ -1701,7 +1799,7 @@
             </a:lvl9pPr>
           </a:lstStyle>
           <a:p>
-            <a:pPr indent="0" lvl="0" marL="0" rtl="0" algn="r">
+            <a:pPr marL="0" lvl="0" indent="0" algn="r" rtl="0">
               <a:spcBef>
                 <a:spcPts val="0"/>
               </a:spcBef>
@@ -1727,11 +1825,11 @@
 </file>
 
 <file path=ppt/slideLayouts/slideLayout10.xml><?xml version="1.0" encoding="utf-8"?>
-<p:sldLayout xmlns:a="http://schemas.openxmlformats.org/drawingml/2006/main" xmlns:r="http://schemas.openxmlformats.org/officeDocument/2006/relationships" xmlns:mc="http://schemas.openxmlformats.org/markup-compatibility/2006" xmlns:mv="urn:schemas-microsoft-com:mac:vml" xmlns:p="http://schemas.openxmlformats.org/presentationml/2006/main" xmlns:c="http://schemas.openxmlformats.org/drawingml/2006/chart" xmlns:dgm="http://schemas.openxmlformats.org/drawingml/2006/diagram" xmlns:o="urn:schemas-microsoft-com:office:office" xmlns:v="urn:schemas-microsoft-com:vml" xmlns:pvml="urn:schemas-microsoft-com:office:powerpoint" xmlns:com="http://schemas.openxmlformats.org/drawingml/2006/compatibility" xmlns:p14="http://schemas.microsoft.com/office/powerpoint/2010/main" xmlns:p15="http://schemas.microsoft.com/office/powerpoint/2012/main" xmlns:ahyp="http://schemas.microsoft.com/office/drawing/2018/hyperlinkcolor" matchingName="Big number">
+<p:sldLayout xmlns:a="http://schemas.openxmlformats.org/drawingml/2006/main" xmlns:r="http://schemas.openxmlformats.org/officeDocument/2006/relationships" xmlns:p="http://schemas.openxmlformats.org/presentationml/2006/main" matchingName="Big number">
   <p:cSld name="BIG_NUMBER">
     <p:spTree>
       <p:nvGrpSpPr>
-        <p:cNvPr id="105" name="Shape 105"/>
+        <p:cNvPr id="1" name="Shape 105"/>
         <p:cNvGrpSpPr/>
         <p:nvPr/>
       </p:nvGrpSpPr>
@@ -1770,7 +1868,7 @@
             </a:xfrm>
             <a:prstGeom prst="diagStripe">
               <a:avLst>
-                <a:gd fmla="val 49469" name="adj"/>
+                <a:gd name="adj" fmla="val 49469"/>
               </a:avLst>
             </a:prstGeom>
             <a:solidFill>
@@ -1783,12 +1881,12 @@
             </a:ln>
           </p:spPr>
           <p:txBody>
-            <a:bodyPr anchorCtr="0" anchor="ctr" bIns="91425" lIns="91425" spcFirstLastPara="1" rIns="91425" wrap="square" tIns="91425">
+            <a:bodyPr spcFirstLastPara="1" wrap="square" lIns="91425" tIns="91425" rIns="91425" bIns="91425" anchor="ctr" anchorCtr="0">
               <a:noAutofit/>
             </a:bodyPr>
             <a:lstStyle/>
             <a:p>
-              <a:pPr indent="0" lvl="0" marL="0" rtl="0" algn="l">
+              <a:pPr marL="0" lvl="0" indent="0" algn="l" rtl="0">
                 <a:spcBef>
                   <a:spcPts val="0"/>
                 </a:spcBef>
@@ -1797,9 +1895,6 @@
                 </a:spcAft>
                 <a:buNone/>
               </a:pPr>
-              <a:r>
-                <a:t/>
-              </a:r>
               <a:endParaRPr/>
             </a:p>
           </p:txBody>
@@ -1817,7 +1912,7 @@
             </a:xfrm>
             <a:prstGeom prst="diagStripe">
               <a:avLst>
-                <a:gd fmla="val 0" name="adj"/>
+                <a:gd name="adj" fmla="val 0"/>
               </a:avLst>
             </a:prstGeom>
             <a:solidFill>
@@ -1830,12 +1925,12 @@
             </a:ln>
           </p:spPr>
           <p:txBody>
-            <a:bodyPr anchorCtr="0" anchor="ctr" bIns="91425" lIns="91425" spcFirstLastPara="1" rIns="91425" wrap="square" tIns="91425">
+            <a:bodyPr spcFirstLastPara="1" wrap="square" lIns="91425" tIns="91425" rIns="91425" bIns="91425" anchor="ctr" anchorCtr="0">
               <a:noAutofit/>
             </a:bodyPr>
             <a:lstStyle/>
             <a:p>
-              <a:pPr indent="0" lvl="0" marL="0" rtl="0" algn="l">
+              <a:pPr marL="0" lvl="0" indent="0" algn="l" rtl="0">
                 <a:spcBef>
                   <a:spcPts val="0"/>
                 </a:spcBef>
@@ -1844,9 +1939,6 @@
                 </a:spcAft>
                 <a:buNone/>
               </a:pPr>
-              <a:r>
-                <a:t/>
-              </a:r>
               <a:endParaRPr/>
             </a:p>
           </p:txBody>
@@ -1864,7 +1956,7 @@
             </a:xfrm>
             <a:prstGeom prst="diagStripe">
               <a:avLst>
-                <a:gd fmla="val 50000" name="adj"/>
+                <a:gd name="adj" fmla="val 50000"/>
               </a:avLst>
             </a:prstGeom>
             <a:solidFill>
@@ -1877,12 +1969,12 @@
             </a:ln>
           </p:spPr>
           <p:txBody>
-            <a:bodyPr anchorCtr="0" anchor="ctr" bIns="91425" lIns="91425" spcFirstLastPara="1" rIns="91425" wrap="square" tIns="91425">
+            <a:bodyPr spcFirstLastPara="1" wrap="square" lIns="91425" tIns="91425" rIns="91425" bIns="91425" anchor="ctr" anchorCtr="0">
               <a:noAutofit/>
             </a:bodyPr>
             <a:lstStyle/>
             <a:p>
-              <a:pPr indent="0" lvl="0" marL="0" rtl="0" algn="l">
+              <a:pPr marL="0" lvl="0" indent="0" algn="l" rtl="0">
                 <a:spcBef>
                   <a:spcPts val="0"/>
                 </a:spcBef>
@@ -1891,9 +1983,6 @@
                 </a:spcAft>
                 <a:buNone/>
               </a:pPr>
-              <a:r>
-                <a:t/>
-              </a:r>
               <a:endParaRPr/>
             </a:p>
           </p:txBody>
@@ -1911,7 +2000,7 @@
             </a:xfrm>
             <a:prstGeom prst="diagStripe">
               <a:avLst>
-                <a:gd fmla="val 50000" name="adj"/>
+                <a:gd name="adj" fmla="val 50000"/>
               </a:avLst>
             </a:prstGeom>
             <a:solidFill>
@@ -1924,12 +2013,12 @@
             </a:ln>
           </p:spPr>
           <p:txBody>
-            <a:bodyPr anchorCtr="0" anchor="ctr" bIns="91425" lIns="91425" spcFirstLastPara="1" rIns="91425" wrap="square" tIns="91425">
+            <a:bodyPr spcFirstLastPara="1" wrap="square" lIns="91425" tIns="91425" rIns="91425" bIns="91425" anchor="ctr" anchorCtr="0">
               <a:noAutofit/>
             </a:bodyPr>
             <a:lstStyle/>
             <a:p>
-              <a:pPr indent="0" lvl="0" marL="0" rtl="0" algn="l">
+              <a:pPr marL="0" lvl="0" indent="0" algn="l" rtl="0">
                 <a:spcBef>
                   <a:spcPts val="0"/>
                 </a:spcBef>
@@ -1938,9 +2027,6 @@
                 </a:spcAft>
                 <a:buNone/>
               </a:pPr>
-              <a:r>
-                <a:t/>
-              </a:r>
               <a:endParaRPr/>
             </a:p>
           </p:txBody>
@@ -1958,7 +2044,7 @@
             </a:xfrm>
             <a:prstGeom prst="diagStripe">
               <a:avLst>
-                <a:gd fmla="val 50000" name="adj"/>
+                <a:gd name="adj" fmla="val 50000"/>
               </a:avLst>
             </a:prstGeom>
             <a:solidFill>
@@ -1971,12 +2057,12 @@
             </a:ln>
           </p:spPr>
           <p:txBody>
-            <a:bodyPr anchorCtr="0" anchor="ctr" bIns="91425" lIns="91425" spcFirstLastPara="1" rIns="91425" wrap="square" tIns="91425">
+            <a:bodyPr spcFirstLastPara="1" wrap="square" lIns="91425" tIns="91425" rIns="91425" bIns="91425" anchor="ctr" anchorCtr="0">
               <a:noAutofit/>
             </a:bodyPr>
             <a:lstStyle/>
             <a:p>
-              <a:pPr indent="0" lvl="0" marL="0" rtl="0" algn="l">
+              <a:pPr marL="0" lvl="0" indent="0" algn="l" rtl="0">
                 <a:spcBef>
                   <a:spcPts val="0"/>
                 </a:spcBef>
@@ -1985,9 +2071,6 @@
                 </a:spcAft>
                 <a:buNone/>
               </a:pPr>
-              <a:r>
-                <a:t/>
-              </a:r>
               <a:endParaRPr/>
             </a:p>
           </p:txBody>
@@ -2005,7 +2088,7 @@
             </a:xfrm>
             <a:prstGeom prst="diagStripe">
               <a:avLst>
-                <a:gd fmla="val 50000" name="adj"/>
+                <a:gd name="adj" fmla="val 50000"/>
               </a:avLst>
             </a:prstGeom>
             <a:solidFill>
@@ -2018,12 +2101,12 @@
             </a:ln>
           </p:spPr>
           <p:txBody>
-            <a:bodyPr anchorCtr="0" anchor="ctr" bIns="91425" lIns="91425" spcFirstLastPara="1" rIns="91425" wrap="square" tIns="91425">
+            <a:bodyPr spcFirstLastPara="1" wrap="square" lIns="91425" tIns="91425" rIns="91425" bIns="91425" anchor="ctr" anchorCtr="0">
               <a:noAutofit/>
             </a:bodyPr>
             <a:lstStyle/>
             <a:p>
-              <a:pPr indent="0" lvl="0" marL="0" rtl="0" algn="l">
+              <a:pPr marL="0" lvl="0" indent="0" algn="l" rtl="0">
                 <a:spcBef>
                   <a:spcPts val="0"/>
                 </a:spcBef>
@@ -2032,9 +2115,6 @@
                 </a:spcAft>
                 <a:buNone/>
               </a:pPr>
-              <a:r>
-                <a:t/>
-              </a:r>
               <a:endParaRPr/>
             </a:p>
           </p:txBody>
@@ -2052,7 +2132,7 @@
             </a:xfrm>
             <a:prstGeom prst="diagStripe">
               <a:avLst>
-                <a:gd fmla="val 50000" name="adj"/>
+                <a:gd name="adj" fmla="val 50000"/>
               </a:avLst>
             </a:prstGeom>
             <a:solidFill>
@@ -2065,12 +2145,12 @@
             </a:ln>
           </p:spPr>
           <p:txBody>
-            <a:bodyPr anchorCtr="0" anchor="ctr" bIns="91425" lIns="91425" spcFirstLastPara="1" rIns="91425" wrap="square" tIns="91425">
+            <a:bodyPr spcFirstLastPara="1" wrap="square" lIns="91425" tIns="91425" rIns="91425" bIns="91425" anchor="ctr" anchorCtr="0">
               <a:noAutofit/>
             </a:bodyPr>
             <a:lstStyle/>
             <a:p>
-              <a:pPr indent="0" lvl="0" marL="0" rtl="0" algn="l">
+              <a:pPr marL="0" lvl="0" indent="0" algn="l" rtl="0">
                 <a:spcBef>
                   <a:spcPts val="0"/>
                 </a:spcBef>
@@ -2079,9 +2159,6 @@
                 </a:spcAft>
                 <a:buNone/>
               </a:pPr>
-              <a:r>
-                <a:t/>
-              </a:r>
               <a:endParaRPr/>
             </a:p>
           </p:txBody>
@@ -2099,7 +2176,7 @@
             </a:xfrm>
             <a:prstGeom prst="diagStripe">
               <a:avLst>
-                <a:gd fmla="val 50000" name="adj"/>
+                <a:gd name="adj" fmla="val 50000"/>
               </a:avLst>
             </a:prstGeom>
             <a:solidFill>
@@ -2110,12 +2187,12 @@
             </a:ln>
           </p:spPr>
           <p:txBody>
-            <a:bodyPr anchorCtr="0" anchor="ctr" bIns="91425" lIns="91425" spcFirstLastPara="1" rIns="91425" wrap="square" tIns="91425">
+            <a:bodyPr spcFirstLastPara="1" wrap="square" lIns="91425" tIns="91425" rIns="91425" bIns="91425" anchor="ctr" anchorCtr="0">
               <a:noAutofit/>
             </a:bodyPr>
             <a:lstStyle/>
             <a:p>
-              <a:pPr indent="0" lvl="0" marL="0" rtl="0" algn="l">
+              <a:pPr marL="0" lvl="0" indent="0" algn="l" rtl="0">
                 <a:spcBef>
                   <a:spcPts val="0"/>
                 </a:spcBef>
@@ -2124,9 +2201,6 @@
                 </a:spcAft>
                 <a:buNone/>
               </a:pPr>
-              <a:r>
-                <a:t/>
-              </a:r>
               <a:endParaRPr/>
             </a:p>
           </p:txBody>
@@ -2144,7 +2218,7 @@
             </a:xfrm>
             <a:prstGeom prst="diagStripe">
               <a:avLst>
-                <a:gd fmla="val 50000" name="adj"/>
+                <a:gd name="adj" fmla="val 50000"/>
               </a:avLst>
             </a:prstGeom>
             <a:solidFill>
@@ -2157,12 +2231,12 @@
             </a:ln>
           </p:spPr>
           <p:txBody>
-            <a:bodyPr anchorCtr="0" anchor="ctr" bIns="91425" lIns="91425" spcFirstLastPara="1" rIns="91425" wrap="square" tIns="91425">
+            <a:bodyPr spcFirstLastPara="1" wrap="square" lIns="91425" tIns="91425" rIns="91425" bIns="91425" anchor="ctr" anchorCtr="0">
               <a:noAutofit/>
             </a:bodyPr>
             <a:lstStyle/>
             <a:p>
-              <a:pPr indent="0" lvl="0" marL="0" rtl="0" algn="l">
+              <a:pPr marL="0" lvl="0" indent="0" algn="l" rtl="0">
                 <a:spcBef>
                   <a:spcPts val="0"/>
                 </a:spcBef>
@@ -2171,9 +2245,6 @@
                 </a:spcAft>
                 <a:buNone/>
               </a:pPr>
-              <a:r>
-                <a:t/>
-              </a:r>
               <a:endParaRPr/>
             </a:p>
           </p:txBody>
@@ -2191,7 +2262,7 @@
             </a:xfrm>
             <a:prstGeom prst="diagStripe">
               <a:avLst>
-                <a:gd fmla="val 50000" name="adj"/>
+                <a:gd name="adj" fmla="val 50000"/>
               </a:avLst>
             </a:prstGeom>
             <a:solidFill>
@@ -2204,12 +2275,12 @@
             </a:ln>
           </p:spPr>
           <p:txBody>
-            <a:bodyPr anchorCtr="0" anchor="ctr" bIns="91425" lIns="91425" spcFirstLastPara="1" rIns="91425" wrap="square" tIns="91425">
+            <a:bodyPr spcFirstLastPara="1" wrap="square" lIns="91425" tIns="91425" rIns="91425" bIns="91425" anchor="ctr" anchorCtr="0">
               <a:noAutofit/>
             </a:bodyPr>
             <a:lstStyle/>
             <a:p>
-              <a:pPr indent="0" lvl="0" marL="0" rtl="0" algn="l">
+              <a:pPr marL="0" lvl="0" indent="0" algn="l" rtl="0">
                 <a:spcBef>
                   <a:spcPts val="0"/>
                 </a:spcBef>
@@ -2218,9 +2289,6 @@
                 </a:spcAft>
                 <a:buNone/>
               </a:pPr>
-              <a:r>
-                <a:t/>
-              </a:r>
               <a:endParaRPr/>
             </a:p>
           </p:txBody>
@@ -2238,7 +2306,7 @@
             </a:xfrm>
             <a:prstGeom prst="diagStripe">
               <a:avLst>
-                <a:gd fmla="val 50000" name="adj"/>
+                <a:gd name="adj" fmla="val 50000"/>
               </a:avLst>
             </a:prstGeom>
             <a:solidFill>
@@ -2251,12 +2319,12 @@
             </a:ln>
           </p:spPr>
           <p:txBody>
-            <a:bodyPr anchorCtr="0" anchor="ctr" bIns="91425" lIns="91425" spcFirstLastPara="1" rIns="91425" wrap="square" tIns="91425">
+            <a:bodyPr spcFirstLastPara="1" wrap="square" lIns="91425" tIns="91425" rIns="91425" bIns="91425" anchor="ctr" anchorCtr="0">
               <a:noAutofit/>
             </a:bodyPr>
             <a:lstStyle/>
             <a:p>
-              <a:pPr indent="0" lvl="0" marL="0" rtl="0" algn="l">
+              <a:pPr marL="0" lvl="0" indent="0" algn="l" rtl="0">
                 <a:spcBef>
                   <a:spcPts val="0"/>
                 </a:spcBef>
@@ -2265,9 +2333,6 @@
                 </a:spcAft>
                 <a:buNone/>
               </a:pPr>
-              <a:r>
-                <a:t/>
-              </a:r>
               <a:endParaRPr/>
             </a:p>
           </p:txBody>
@@ -2285,7 +2350,7 @@
             </a:xfrm>
             <a:prstGeom prst="diagStripe">
               <a:avLst>
-                <a:gd fmla="val 50000" name="adj"/>
+                <a:gd name="adj" fmla="val 50000"/>
               </a:avLst>
             </a:prstGeom>
             <a:solidFill>
@@ -2298,12 +2363,12 @@
             </a:ln>
           </p:spPr>
           <p:txBody>
-            <a:bodyPr anchorCtr="0" anchor="ctr" bIns="91425" lIns="91425" spcFirstLastPara="1" rIns="91425" wrap="square" tIns="91425">
+            <a:bodyPr spcFirstLastPara="1" wrap="square" lIns="91425" tIns="91425" rIns="91425" bIns="91425" anchor="ctr" anchorCtr="0">
               <a:noAutofit/>
             </a:bodyPr>
             <a:lstStyle/>
             <a:p>
-              <a:pPr indent="0" lvl="0" marL="0" rtl="0" algn="l">
+              <a:pPr marL="0" lvl="0" indent="0" algn="l" rtl="0">
                 <a:spcBef>
                   <a:spcPts val="0"/>
                 </a:spcBef>
@@ -2312,9 +2377,6 @@
                 </a:spcAft>
                 <a:buNone/>
               </a:pPr>
-              <a:r>
-                <a:t/>
-              </a:r>
               <a:endParaRPr/>
             </a:p>
           </p:txBody>
@@ -2332,7 +2394,7 @@
             </a:xfrm>
             <a:prstGeom prst="diagStripe">
               <a:avLst>
-                <a:gd fmla="val 50000" name="adj"/>
+                <a:gd name="adj" fmla="val 50000"/>
               </a:avLst>
             </a:prstGeom>
             <a:solidFill>
@@ -2345,12 +2407,12 @@
             </a:ln>
           </p:spPr>
           <p:txBody>
-            <a:bodyPr anchorCtr="0" anchor="ctr" bIns="91425" lIns="91425" spcFirstLastPara="1" rIns="91425" wrap="square" tIns="91425">
+            <a:bodyPr spcFirstLastPara="1" wrap="square" lIns="91425" tIns="91425" rIns="91425" bIns="91425" anchor="ctr" anchorCtr="0">
               <a:noAutofit/>
             </a:bodyPr>
             <a:lstStyle/>
             <a:p>
-              <a:pPr indent="0" lvl="0" marL="0" rtl="0" algn="l">
+              <a:pPr marL="0" lvl="0" indent="0" algn="l" rtl="0">
                 <a:spcBef>
                   <a:spcPts val="0"/>
                 </a:spcBef>
@@ -2359,9 +2421,6 @@
                 </a:spcAft>
                 <a:buNone/>
               </a:pPr>
-              <a:r>
-                <a:t/>
-              </a:r>
               <a:endParaRPr/>
             </a:p>
           </p:txBody>
@@ -2379,7 +2438,7 @@
             </a:xfrm>
             <a:prstGeom prst="diagStripe">
               <a:avLst>
-                <a:gd fmla="val 50000" name="adj"/>
+                <a:gd name="adj" fmla="val 50000"/>
               </a:avLst>
             </a:prstGeom>
             <a:solidFill>
@@ -2390,12 +2449,12 @@
             </a:ln>
           </p:spPr>
           <p:txBody>
-            <a:bodyPr anchorCtr="0" anchor="ctr" bIns="91425" lIns="91425" spcFirstLastPara="1" rIns="91425" wrap="square" tIns="91425">
+            <a:bodyPr spcFirstLastPara="1" wrap="square" lIns="91425" tIns="91425" rIns="91425" bIns="91425" anchor="ctr" anchorCtr="0">
               <a:noAutofit/>
             </a:bodyPr>
             <a:lstStyle/>
             <a:p>
-              <a:pPr indent="0" lvl="0" marL="0" rtl="0" algn="l">
+              <a:pPr marL="0" lvl="0" indent="0" algn="l" rtl="0">
                 <a:spcBef>
                   <a:spcPts val="0"/>
                 </a:spcBef>
@@ -2404,9 +2463,6 @@
                 </a:spcAft>
                 <a:buNone/>
               </a:pPr>
-              <a:r>
-                <a:t/>
-              </a:r>
               <a:endParaRPr/>
             </a:p>
           </p:txBody>
@@ -2424,7 +2480,7 @@
             </a:xfrm>
             <a:prstGeom prst="diagStripe">
               <a:avLst>
-                <a:gd fmla="val 50000" name="adj"/>
+                <a:gd name="adj" fmla="val 50000"/>
               </a:avLst>
             </a:prstGeom>
             <a:solidFill>
@@ -2437,12 +2493,12 @@
             </a:ln>
           </p:spPr>
           <p:txBody>
-            <a:bodyPr anchorCtr="0" anchor="ctr" bIns="91425" lIns="91425" spcFirstLastPara="1" rIns="91425" wrap="square" tIns="91425">
+            <a:bodyPr spcFirstLastPara="1" wrap="square" lIns="91425" tIns="91425" rIns="91425" bIns="91425" anchor="ctr" anchorCtr="0">
               <a:noAutofit/>
             </a:bodyPr>
             <a:lstStyle/>
             <a:p>
-              <a:pPr indent="0" lvl="0" marL="0" rtl="0" algn="l">
+              <a:pPr marL="0" lvl="0" indent="0" algn="l" rtl="0">
                 <a:spcBef>
                   <a:spcPts val="0"/>
                 </a:spcBef>
@@ -2451,9 +2507,6 @@
                 </a:spcAft>
                 <a:buNone/>
               </a:pPr>
-              <a:r>
-                <a:t/>
-              </a:r>
               <a:endParaRPr/>
             </a:p>
           </p:txBody>
@@ -2471,7 +2524,7 @@
             </a:xfrm>
             <a:prstGeom prst="diagStripe">
               <a:avLst>
-                <a:gd fmla="val 50000" name="adj"/>
+                <a:gd name="adj" fmla="val 50000"/>
               </a:avLst>
             </a:prstGeom>
             <a:solidFill>
@@ -2484,12 +2537,12 @@
             </a:ln>
           </p:spPr>
           <p:txBody>
-            <a:bodyPr anchorCtr="0" anchor="ctr" bIns="91425" lIns="91425" spcFirstLastPara="1" rIns="91425" wrap="square" tIns="91425">
+            <a:bodyPr spcFirstLastPara="1" wrap="square" lIns="91425" tIns="91425" rIns="91425" bIns="91425" anchor="ctr" anchorCtr="0">
               <a:noAutofit/>
             </a:bodyPr>
             <a:lstStyle/>
             <a:p>
-              <a:pPr indent="0" lvl="0" marL="0" rtl="0" algn="l">
+              <a:pPr marL="0" lvl="0" indent="0" algn="l" rtl="0">
                 <a:spcBef>
                   <a:spcPts val="0"/>
                 </a:spcBef>
@@ -2498,9 +2551,6 @@
                 </a:spcAft>
                 <a:buNone/>
               </a:pPr>
-              <a:r>
-                <a:t/>
-              </a:r>
               <a:endParaRPr/>
             </a:p>
           </p:txBody>
@@ -2518,7 +2568,7 @@
             </a:xfrm>
             <a:prstGeom prst="diagStripe">
               <a:avLst>
-                <a:gd fmla="val 50000" name="adj"/>
+                <a:gd name="adj" fmla="val 50000"/>
               </a:avLst>
             </a:prstGeom>
             <a:solidFill>
@@ -2531,12 +2581,12 @@
             </a:ln>
           </p:spPr>
           <p:txBody>
-            <a:bodyPr anchorCtr="0" anchor="ctr" bIns="91425" lIns="91425" spcFirstLastPara="1" rIns="91425" wrap="square" tIns="91425">
+            <a:bodyPr spcFirstLastPara="1" wrap="square" lIns="91425" tIns="91425" rIns="91425" bIns="91425" anchor="ctr" anchorCtr="0">
               <a:noAutofit/>
             </a:bodyPr>
             <a:lstStyle/>
             <a:p>
-              <a:pPr indent="0" lvl="0" marL="0" rtl="0" algn="l">
+              <a:pPr marL="0" lvl="0" indent="0" algn="l" rtl="0">
                 <a:spcBef>
                   <a:spcPts val="0"/>
                 </a:spcBef>
@@ -2545,9 +2595,6 @@
                 </a:spcAft>
                 <a:buNone/>
               </a:pPr>
-              <a:r>
-                <a:t/>
-              </a:r>
               <a:endParaRPr/>
             </a:p>
           </p:txBody>
@@ -2565,7 +2612,7 @@
             </a:xfrm>
             <a:prstGeom prst="diagStripe">
               <a:avLst>
-                <a:gd fmla="val 50000" name="adj"/>
+                <a:gd name="adj" fmla="val 50000"/>
               </a:avLst>
             </a:prstGeom>
             <a:solidFill>
@@ -2578,12 +2625,12 @@
             </a:ln>
           </p:spPr>
           <p:txBody>
-            <a:bodyPr anchorCtr="0" anchor="ctr" bIns="91425" lIns="91425" spcFirstLastPara="1" rIns="91425" wrap="square" tIns="91425">
+            <a:bodyPr spcFirstLastPara="1" wrap="square" lIns="91425" tIns="91425" rIns="91425" bIns="91425" anchor="ctr" anchorCtr="0">
               <a:noAutofit/>
             </a:bodyPr>
             <a:lstStyle/>
             <a:p>
-              <a:pPr indent="0" lvl="0" marL="0" rtl="0" algn="l">
+              <a:pPr marL="0" lvl="0" indent="0" algn="l" rtl="0">
                 <a:spcBef>
                   <a:spcPts val="0"/>
                 </a:spcBef>
@@ -2592,9 +2639,6 @@
                 </a:spcAft>
                 <a:buNone/>
               </a:pPr>
-              <a:r>
-                <a:t/>
-              </a:r>
               <a:endParaRPr/>
             </a:p>
           </p:txBody>
@@ -2603,9 +2647,11 @@
       <p:sp>
         <p:nvSpPr>
           <p:cNvPr id="125" name="Google Shape;125;p11"/>
-          <p:cNvSpPr txBox="1"/>
+          <p:cNvSpPr txBox="1">
+            <a:spLocks noGrp="1"/>
+          </p:cNvSpPr>
           <p:nvPr>
-            <p:ph hasCustomPrompt="1" type="title"/>
+            <p:ph type="title" hasCustomPrompt="1"/>
           </p:nvPr>
         </p:nvSpPr>
         <p:spPr>
@@ -2618,7 +2664,7 @@
           </a:prstGeom>
         </p:spPr>
         <p:txBody>
-          <a:bodyPr anchorCtr="0" anchor="t" bIns="91425" lIns="91425" spcFirstLastPara="1" rIns="91425" wrap="square" tIns="91425">
+          <a:bodyPr spcFirstLastPara="1" wrap="square" lIns="91425" tIns="91425" rIns="91425" bIns="91425" anchor="t" anchorCtr="0">
             <a:normAutofit/>
           </a:bodyPr>
           <a:lstStyle>
@@ -2732,9 +2778,11 @@
       <p:sp>
         <p:nvSpPr>
           <p:cNvPr id="126" name="Google Shape;126;p11"/>
-          <p:cNvSpPr txBox="1"/>
+          <p:cNvSpPr txBox="1">
+            <a:spLocks noGrp="1"/>
+          </p:cNvSpPr>
           <p:nvPr>
-            <p:ph idx="1" type="body"/>
+            <p:ph type="body" idx="1"/>
           </p:nvPr>
         </p:nvSpPr>
         <p:spPr>
@@ -2747,11 +2795,11 @@
           </a:prstGeom>
         </p:spPr>
         <p:txBody>
-          <a:bodyPr anchorCtr="0" anchor="t" bIns="91425" lIns="91425" spcFirstLastPara="1" rIns="91425" wrap="square" tIns="91425">
+          <a:bodyPr spcFirstLastPara="1" wrap="square" lIns="91425" tIns="91425" rIns="91425" bIns="91425" anchor="t" anchorCtr="0">
             <a:normAutofit/>
           </a:bodyPr>
           <a:lstStyle>
-            <a:lvl1pPr indent="-311150" lvl="0" marL="457200">
+            <a:lvl1pPr marL="457200" lvl="0" indent="-311150">
               <a:spcBef>
                 <a:spcPts val="0"/>
               </a:spcBef>
@@ -2762,7 +2810,7 @@
               <a:buChar char="●"/>
               <a:defRPr/>
             </a:lvl1pPr>
-            <a:lvl2pPr indent="-298450" lvl="1" marL="914400">
+            <a:lvl2pPr marL="914400" lvl="1" indent="-298450">
               <a:spcBef>
                 <a:spcPts val="0"/>
               </a:spcBef>
@@ -2773,7 +2821,7 @@
               <a:buChar char="○"/>
               <a:defRPr/>
             </a:lvl2pPr>
-            <a:lvl3pPr indent="-298450" lvl="2" marL="1371600">
+            <a:lvl3pPr marL="1371600" lvl="2" indent="-298450">
               <a:spcBef>
                 <a:spcPts val="0"/>
               </a:spcBef>
@@ -2784,7 +2832,7 @@
               <a:buChar char="■"/>
               <a:defRPr/>
             </a:lvl3pPr>
-            <a:lvl4pPr indent="-298450" lvl="3" marL="1828800">
+            <a:lvl4pPr marL="1828800" lvl="3" indent="-298450">
               <a:spcBef>
                 <a:spcPts val="0"/>
               </a:spcBef>
@@ -2795,7 +2843,7 @@
               <a:buChar char="●"/>
               <a:defRPr/>
             </a:lvl4pPr>
-            <a:lvl5pPr indent="-298450" lvl="4" marL="2286000">
+            <a:lvl5pPr marL="2286000" lvl="4" indent="-298450">
               <a:spcBef>
                 <a:spcPts val="0"/>
               </a:spcBef>
@@ -2806,7 +2854,7 @@
               <a:buChar char="○"/>
               <a:defRPr/>
             </a:lvl5pPr>
-            <a:lvl6pPr indent="-298450" lvl="5" marL="2743200">
+            <a:lvl6pPr marL="2743200" lvl="5" indent="-298450">
               <a:spcBef>
                 <a:spcPts val="0"/>
               </a:spcBef>
@@ -2817,7 +2865,7 @@
               <a:buChar char="■"/>
               <a:defRPr/>
             </a:lvl6pPr>
-            <a:lvl7pPr indent="-298450" lvl="6" marL="3200400">
+            <a:lvl7pPr marL="3200400" lvl="6" indent="-298450">
               <a:spcBef>
                 <a:spcPts val="0"/>
               </a:spcBef>
@@ -2828,7 +2876,7 @@
               <a:buChar char="●"/>
               <a:defRPr/>
             </a:lvl7pPr>
-            <a:lvl8pPr indent="-298450" lvl="7" marL="3657600">
+            <a:lvl8pPr marL="3657600" lvl="7" indent="-298450">
               <a:spcBef>
                 <a:spcPts val="0"/>
               </a:spcBef>
@@ -2839,7 +2887,7 @@
               <a:buChar char="○"/>
               <a:defRPr/>
             </a:lvl8pPr>
-            <a:lvl9pPr indent="-298450" lvl="8" marL="4114800">
+            <a:lvl9pPr marL="4114800" lvl="8" indent="-298450">
               <a:spcBef>
                 <a:spcPts val="0"/>
               </a:spcBef>
@@ -2851,15 +2899,19 @@
               <a:defRPr/>
             </a:lvl9pPr>
           </a:lstStyle>
-          <a:p/>
+          <a:p>
+            <a:endParaRPr/>
+          </a:p>
         </p:txBody>
       </p:sp>
       <p:sp>
         <p:nvSpPr>
           <p:cNvPr id="127" name="Google Shape;127;p11"/>
-          <p:cNvSpPr txBox="1"/>
+          <p:cNvSpPr txBox="1">
+            <a:spLocks noGrp="1"/>
+          </p:cNvSpPr>
           <p:nvPr>
-            <p:ph idx="12" type="sldNum"/>
+            <p:ph type="sldNum" idx="12"/>
           </p:nvPr>
         </p:nvSpPr>
         <p:spPr>
@@ -2872,7 +2924,7 @@
           </a:prstGeom>
         </p:spPr>
         <p:txBody>
-          <a:bodyPr anchorCtr="0" anchor="ctr" bIns="91425" lIns="91425" spcFirstLastPara="1" rIns="91425" wrap="square" tIns="91425">
+          <a:bodyPr spcFirstLastPara="1" wrap="square" lIns="91425" tIns="91425" rIns="91425" bIns="91425" anchor="ctr" anchorCtr="0">
             <a:normAutofit/>
           </a:bodyPr>
           <a:lstStyle>
@@ -2914,7 +2966,7 @@
             </a:lvl9pPr>
           </a:lstStyle>
           <a:p>
-            <a:pPr indent="0" lvl="0" marL="0" rtl="0" algn="r">
+            <a:pPr marL="0" lvl="0" indent="0" algn="r" rtl="0">
               <a:spcBef>
                 <a:spcPts val="0"/>
               </a:spcBef>
@@ -2940,11 +2992,11 @@
 </file>
 
 <file path=ppt/slideLayouts/slideLayout11.xml><?xml version="1.0" encoding="utf-8"?>
-<p:sldLayout xmlns:a="http://schemas.openxmlformats.org/drawingml/2006/main" xmlns:r="http://schemas.openxmlformats.org/officeDocument/2006/relationships" xmlns:mc="http://schemas.openxmlformats.org/markup-compatibility/2006" xmlns:mv="urn:schemas-microsoft-com:mac:vml" xmlns:p="http://schemas.openxmlformats.org/presentationml/2006/main" xmlns:c="http://schemas.openxmlformats.org/drawingml/2006/chart" xmlns:dgm="http://schemas.openxmlformats.org/drawingml/2006/diagram" xmlns:o="urn:schemas-microsoft-com:office:office" xmlns:v="urn:schemas-microsoft-com:vml" xmlns:pvml="urn:schemas-microsoft-com:office:powerpoint" xmlns:com="http://schemas.openxmlformats.org/drawingml/2006/compatibility" xmlns:p14="http://schemas.microsoft.com/office/powerpoint/2010/main" xmlns:p15="http://schemas.microsoft.com/office/powerpoint/2012/main" xmlns:ahyp="http://schemas.microsoft.com/office/drawing/2018/hyperlinkcolor" matchingName="Blank" type="blank">
+<p:sldLayout xmlns:a="http://schemas.openxmlformats.org/drawingml/2006/main" xmlns:r="http://schemas.openxmlformats.org/officeDocument/2006/relationships" xmlns:p="http://schemas.openxmlformats.org/presentationml/2006/main" matchingName="Blank" type="blank">
   <p:cSld name="BLANK">
     <p:spTree>
       <p:nvGrpSpPr>
-        <p:cNvPr id="128" name="Shape 128"/>
+        <p:cNvPr id="1" name="Shape 128"/>
         <p:cNvGrpSpPr/>
         <p:nvPr/>
       </p:nvGrpSpPr>
@@ -2959,9 +3011,11 @@
       <p:sp>
         <p:nvSpPr>
           <p:cNvPr id="129" name="Google Shape;129;p12"/>
-          <p:cNvSpPr txBox="1"/>
+          <p:cNvSpPr txBox="1">
+            <a:spLocks noGrp="1"/>
+          </p:cNvSpPr>
           <p:nvPr>
-            <p:ph idx="12" type="sldNum"/>
+            <p:ph type="sldNum" idx="12"/>
           </p:nvPr>
         </p:nvSpPr>
         <p:spPr>
@@ -2974,7 +3028,7 @@
           </a:prstGeom>
         </p:spPr>
         <p:txBody>
-          <a:bodyPr anchorCtr="0" anchor="ctr" bIns="91425" lIns="91425" spcFirstLastPara="1" rIns="91425" wrap="square" tIns="91425">
+          <a:bodyPr spcFirstLastPara="1" wrap="square" lIns="91425" tIns="91425" rIns="91425" bIns="91425" anchor="ctr" anchorCtr="0">
             <a:normAutofit/>
           </a:bodyPr>
           <a:lstStyle>
@@ -3016,7 +3070,7 @@
             </a:lvl9pPr>
           </a:lstStyle>
           <a:p>
-            <a:pPr indent="0" lvl="0" marL="0" rtl="0" algn="r">
+            <a:pPr marL="0" lvl="0" indent="0" algn="r" rtl="0">
               <a:spcBef>
                 <a:spcPts val="0"/>
               </a:spcBef>
@@ -3042,11 +3096,11 @@
 </file>
 
 <file path=ppt/slideLayouts/slideLayout2.xml><?xml version="1.0" encoding="utf-8"?>
-<p:sldLayout xmlns:a="http://schemas.openxmlformats.org/drawingml/2006/main" xmlns:r="http://schemas.openxmlformats.org/officeDocument/2006/relationships" xmlns:mc="http://schemas.openxmlformats.org/markup-compatibility/2006" xmlns:mv="urn:schemas-microsoft-com:mac:vml" xmlns:p="http://schemas.openxmlformats.org/presentationml/2006/main" xmlns:c="http://schemas.openxmlformats.org/drawingml/2006/chart" xmlns:dgm="http://schemas.openxmlformats.org/drawingml/2006/diagram" xmlns:o="urn:schemas-microsoft-com:office:office" xmlns:v="urn:schemas-microsoft-com:vml" xmlns:pvml="urn:schemas-microsoft-com:office:powerpoint" xmlns:com="http://schemas.openxmlformats.org/drawingml/2006/compatibility" xmlns:p14="http://schemas.microsoft.com/office/powerpoint/2010/main" xmlns:p15="http://schemas.microsoft.com/office/powerpoint/2012/main" xmlns:ahyp="http://schemas.microsoft.com/office/drawing/2018/hyperlinkcolor" matchingName="Section header" type="secHead">
+<p:sldLayout xmlns:a="http://schemas.openxmlformats.org/drawingml/2006/main" xmlns:r="http://schemas.openxmlformats.org/officeDocument/2006/relationships" xmlns:p="http://schemas.openxmlformats.org/presentationml/2006/main" matchingName="Section header" type="secHead">
   <p:cSld name="SECTION_HEADER">
     <p:spTree>
       <p:nvGrpSpPr>
-        <p:cNvPr id="19" name="Shape 19"/>
+        <p:cNvPr id="1" name="Shape 19"/>
         <p:cNvGrpSpPr/>
         <p:nvPr/>
       </p:nvGrpSpPr>
@@ -3085,7 +3139,7 @@
             </a:xfrm>
             <a:prstGeom prst="diagStripe">
               <a:avLst>
-                <a:gd fmla="val 49469" name="adj"/>
+                <a:gd name="adj" fmla="val 49469"/>
               </a:avLst>
             </a:prstGeom>
             <a:solidFill>
@@ -3098,12 +3152,12 @@
             </a:ln>
           </p:spPr>
           <p:txBody>
-            <a:bodyPr anchorCtr="0" anchor="ctr" bIns="91425" lIns="91425" spcFirstLastPara="1" rIns="91425" wrap="square" tIns="91425">
+            <a:bodyPr spcFirstLastPara="1" wrap="square" lIns="91425" tIns="91425" rIns="91425" bIns="91425" anchor="ctr" anchorCtr="0">
               <a:noAutofit/>
             </a:bodyPr>
             <a:lstStyle/>
             <a:p>
-              <a:pPr indent="0" lvl="0" marL="0" rtl="0" algn="l">
+              <a:pPr marL="0" lvl="0" indent="0" algn="l" rtl="0">
                 <a:spcBef>
                   <a:spcPts val="0"/>
                 </a:spcBef>
@@ -3112,9 +3166,6 @@
                 </a:spcAft>
                 <a:buNone/>
               </a:pPr>
-              <a:r>
-                <a:t/>
-              </a:r>
               <a:endParaRPr/>
             </a:p>
           </p:txBody>
@@ -3132,7 +3183,7 @@
             </a:xfrm>
             <a:prstGeom prst="diagStripe">
               <a:avLst>
-                <a:gd fmla="val 0" name="adj"/>
+                <a:gd name="adj" fmla="val 0"/>
               </a:avLst>
             </a:prstGeom>
             <a:solidFill>
@@ -3145,12 +3196,12 @@
             </a:ln>
           </p:spPr>
           <p:txBody>
-            <a:bodyPr anchorCtr="0" anchor="ctr" bIns="91425" lIns="91425" spcFirstLastPara="1" rIns="91425" wrap="square" tIns="91425">
+            <a:bodyPr spcFirstLastPara="1" wrap="square" lIns="91425" tIns="91425" rIns="91425" bIns="91425" anchor="ctr" anchorCtr="0">
               <a:noAutofit/>
             </a:bodyPr>
             <a:lstStyle/>
             <a:p>
-              <a:pPr indent="0" lvl="0" marL="0" rtl="0" algn="l">
+              <a:pPr marL="0" lvl="0" indent="0" algn="l" rtl="0">
                 <a:spcBef>
                   <a:spcPts val="0"/>
                 </a:spcBef>
@@ -3159,9 +3210,6 @@
                 </a:spcAft>
                 <a:buNone/>
               </a:pPr>
-              <a:r>
-                <a:t/>
-              </a:r>
               <a:endParaRPr/>
             </a:p>
           </p:txBody>
@@ -3179,7 +3227,7 @@
             </a:xfrm>
             <a:prstGeom prst="diagStripe">
               <a:avLst>
-                <a:gd fmla="val 50000" name="adj"/>
+                <a:gd name="adj" fmla="val 50000"/>
               </a:avLst>
             </a:prstGeom>
             <a:solidFill>
@@ -3192,12 +3240,12 @@
             </a:ln>
           </p:spPr>
           <p:txBody>
-            <a:bodyPr anchorCtr="0" anchor="ctr" bIns="91425" lIns="91425" spcFirstLastPara="1" rIns="91425" wrap="square" tIns="91425">
+            <a:bodyPr spcFirstLastPara="1" wrap="square" lIns="91425" tIns="91425" rIns="91425" bIns="91425" anchor="ctr" anchorCtr="0">
               <a:noAutofit/>
             </a:bodyPr>
             <a:lstStyle/>
             <a:p>
-              <a:pPr indent="0" lvl="0" marL="0" rtl="0" algn="l">
+              <a:pPr marL="0" lvl="0" indent="0" algn="l" rtl="0">
                 <a:spcBef>
                   <a:spcPts val="0"/>
                 </a:spcBef>
@@ -3206,9 +3254,6 @@
                 </a:spcAft>
                 <a:buNone/>
               </a:pPr>
-              <a:r>
-                <a:t/>
-              </a:r>
               <a:endParaRPr/>
             </a:p>
           </p:txBody>
@@ -3226,7 +3271,7 @@
             </a:xfrm>
             <a:prstGeom prst="diagStripe">
               <a:avLst>
-                <a:gd fmla="val 50000" name="adj"/>
+                <a:gd name="adj" fmla="val 50000"/>
               </a:avLst>
             </a:prstGeom>
             <a:solidFill>
@@ -3239,12 +3284,12 @@
             </a:ln>
           </p:spPr>
           <p:txBody>
-            <a:bodyPr anchorCtr="0" anchor="ctr" bIns="91425" lIns="91425" spcFirstLastPara="1" rIns="91425" wrap="square" tIns="91425">
+            <a:bodyPr spcFirstLastPara="1" wrap="square" lIns="91425" tIns="91425" rIns="91425" bIns="91425" anchor="ctr" anchorCtr="0">
               <a:noAutofit/>
             </a:bodyPr>
             <a:lstStyle/>
             <a:p>
-              <a:pPr indent="0" lvl="0" marL="0" rtl="0" algn="l">
+              <a:pPr marL="0" lvl="0" indent="0" algn="l" rtl="0">
                 <a:spcBef>
                   <a:spcPts val="0"/>
                 </a:spcBef>
@@ -3253,9 +3298,6 @@
                 </a:spcAft>
                 <a:buNone/>
               </a:pPr>
-              <a:r>
-                <a:t/>
-              </a:r>
               <a:endParaRPr/>
             </a:p>
           </p:txBody>
@@ -3273,7 +3315,7 @@
             </a:xfrm>
             <a:prstGeom prst="diagStripe">
               <a:avLst>
-                <a:gd fmla="val 50000" name="adj"/>
+                <a:gd name="adj" fmla="val 50000"/>
               </a:avLst>
             </a:prstGeom>
             <a:solidFill>
@@ -3286,12 +3328,12 @@
             </a:ln>
           </p:spPr>
           <p:txBody>
-            <a:bodyPr anchorCtr="0" anchor="ctr" bIns="91425" lIns="91425" spcFirstLastPara="1" rIns="91425" wrap="square" tIns="91425">
+            <a:bodyPr spcFirstLastPara="1" wrap="square" lIns="91425" tIns="91425" rIns="91425" bIns="91425" anchor="ctr" anchorCtr="0">
               <a:noAutofit/>
             </a:bodyPr>
             <a:lstStyle/>
             <a:p>
-              <a:pPr indent="0" lvl="0" marL="0" rtl="0" algn="l">
+              <a:pPr marL="0" lvl="0" indent="0" algn="l" rtl="0">
                 <a:spcBef>
                   <a:spcPts val="0"/>
                 </a:spcBef>
@@ -3300,9 +3342,6 @@
                 </a:spcAft>
                 <a:buNone/>
               </a:pPr>
-              <a:r>
-                <a:t/>
-              </a:r>
               <a:endParaRPr/>
             </a:p>
           </p:txBody>
@@ -3320,7 +3359,7 @@
             </a:xfrm>
             <a:prstGeom prst="diagStripe">
               <a:avLst>
-                <a:gd fmla="val 50000" name="adj"/>
+                <a:gd name="adj" fmla="val 50000"/>
               </a:avLst>
             </a:prstGeom>
             <a:solidFill>
@@ -3333,12 +3372,12 @@
             </a:ln>
           </p:spPr>
           <p:txBody>
-            <a:bodyPr anchorCtr="0" anchor="ctr" bIns="91425" lIns="91425" spcFirstLastPara="1" rIns="91425" wrap="square" tIns="91425">
+            <a:bodyPr spcFirstLastPara="1" wrap="square" lIns="91425" tIns="91425" rIns="91425" bIns="91425" anchor="ctr" anchorCtr="0">
               <a:noAutofit/>
             </a:bodyPr>
             <a:lstStyle/>
             <a:p>
-              <a:pPr indent="0" lvl="0" marL="0" rtl="0" algn="l">
+              <a:pPr marL="0" lvl="0" indent="0" algn="l" rtl="0">
                 <a:spcBef>
                   <a:spcPts val="0"/>
                 </a:spcBef>
@@ -3347,9 +3386,6 @@
                 </a:spcAft>
                 <a:buNone/>
               </a:pPr>
-              <a:r>
-                <a:t/>
-              </a:r>
               <a:endParaRPr/>
             </a:p>
           </p:txBody>
@@ -3367,7 +3403,7 @@
             </a:xfrm>
             <a:prstGeom prst="diagStripe">
               <a:avLst>
-                <a:gd fmla="val 50000" name="adj"/>
+                <a:gd name="adj" fmla="val 50000"/>
               </a:avLst>
             </a:prstGeom>
             <a:solidFill>
@@ -3380,12 +3416,12 @@
             </a:ln>
           </p:spPr>
           <p:txBody>
-            <a:bodyPr anchorCtr="0" anchor="ctr" bIns="91425" lIns="91425" spcFirstLastPara="1" rIns="91425" wrap="square" tIns="91425">
+            <a:bodyPr spcFirstLastPara="1" wrap="square" lIns="91425" tIns="91425" rIns="91425" bIns="91425" anchor="ctr" anchorCtr="0">
               <a:noAutofit/>
             </a:bodyPr>
             <a:lstStyle/>
             <a:p>
-              <a:pPr indent="0" lvl="0" marL="0" rtl="0" algn="l">
+              <a:pPr marL="0" lvl="0" indent="0" algn="l" rtl="0">
                 <a:spcBef>
                   <a:spcPts val="0"/>
                 </a:spcBef>
@@ -3394,9 +3430,6 @@
                 </a:spcAft>
                 <a:buNone/>
               </a:pPr>
-              <a:r>
-                <a:t/>
-              </a:r>
               <a:endParaRPr/>
             </a:p>
           </p:txBody>
@@ -3414,7 +3447,7 @@
             </a:xfrm>
             <a:prstGeom prst="diagStripe">
               <a:avLst>
-                <a:gd fmla="val 50000" name="adj"/>
+                <a:gd name="adj" fmla="val 50000"/>
               </a:avLst>
             </a:prstGeom>
             <a:solidFill>
@@ -3425,12 +3458,12 @@
             </a:ln>
           </p:spPr>
           <p:txBody>
-            <a:bodyPr anchorCtr="0" anchor="ctr" bIns="91425" lIns="91425" spcFirstLastPara="1" rIns="91425" wrap="square" tIns="91425">
+            <a:bodyPr spcFirstLastPara="1" wrap="square" lIns="91425" tIns="91425" rIns="91425" bIns="91425" anchor="ctr" anchorCtr="0">
               <a:noAutofit/>
             </a:bodyPr>
             <a:lstStyle/>
             <a:p>
-              <a:pPr indent="0" lvl="0" marL="0" rtl="0" algn="l">
+              <a:pPr marL="0" lvl="0" indent="0" algn="l" rtl="0">
                 <a:spcBef>
                   <a:spcPts val="0"/>
                 </a:spcBef>
@@ -3439,9 +3472,6 @@
                 </a:spcAft>
                 <a:buNone/>
               </a:pPr>
-              <a:r>
-                <a:t/>
-              </a:r>
               <a:endParaRPr/>
             </a:p>
           </p:txBody>
@@ -3459,7 +3489,7 @@
             </a:xfrm>
             <a:prstGeom prst="diagStripe">
               <a:avLst>
-                <a:gd fmla="val 50000" name="adj"/>
+                <a:gd name="adj" fmla="val 50000"/>
               </a:avLst>
             </a:prstGeom>
             <a:solidFill>
@@ -3472,12 +3502,12 @@
             </a:ln>
           </p:spPr>
           <p:txBody>
-            <a:bodyPr anchorCtr="0" anchor="ctr" bIns="91425" lIns="91425" spcFirstLastPara="1" rIns="91425" wrap="square" tIns="91425">
+            <a:bodyPr spcFirstLastPara="1" wrap="square" lIns="91425" tIns="91425" rIns="91425" bIns="91425" anchor="ctr" anchorCtr="0">
               <a:noAutofit/>
             </a:bodyPr>
             <a:lstStyle/>
             <a:p>
-              <a:pPr indent="0" lvl="0" marL="0" rtl="0" algn="l">
+              <a:pPr marL="0" lvl="0" indent="0" algn="l" rtl="0">
                 <a:spcBef>
                   <a:spcPts val="0"/>
                 </a:spcBef>
@@ -3486,9 +3516,6 @@
                 </a:spcAft>
                 <a:buNone/>
               </a:pPr>
-              <a:r>
-                <a:t/>
-              </a:r>
               <a:endParaRPr/>
             </a:p>
           </p:txBody>
@@ -3506,7 +3533,7 @@
             </a:xfrm>
             <a:prstGeom prst="diagStripe">
               <a:avLst>
-                <a:gd fmla="val 50000" name="adj"/>
+                <a:gd name="adj" fmla="val 50000"/>
               </a:avLst>
             </a:prstGeom>
             <a:solidFill>
@@ -3519,12 +3546,12 @@
             </a:ln>
           </p:spPr>
           <p:txBody>
-            <a:bodyPr anchorCtr="0" anchor="ctr" bIns="91425" lIns="91425" spcFirstLastPara="1" rIns="91425" wrap="square" tIns="91425">
+            <a:bodyPr spcFirstLastPara="1" wrap="square" lIns="91425" tIns="91425" rIns="91425" bIns="91425" anchor="ctr" anchorCtr="0">
               <a:noAutofit/>
             </a:bodyPr>
             <a:lstStyle/>
             <a:p>
-              <a:pPr indent="0" lvl="0" marL="0" rtl="0" algn="l">
+              <a:pPr marL="0" lvl="0" indent="0" algn="l" rtl="0">
                 <a:spcBef>
                   <a:spcPts val="0"/>
                 </a:spcBef>
@@ -3533,9 +3560,6 @@
                 </a:spcAft>
                 <a:buNone/>
               </a:pPr>
-              <a:r>
-                <a:t/>
-              </a:r>
               <a:endParaRPr/>
             </a:p>
           </p:txBody>
@@ -3553,7 +3577,7 @@
             </a:xfrm>
             <a:prstGeom prst="diagStripe">
               <a:avLst>
-                <a:gd fmla="val 50000" name="adj"/>
+                <a:gd name="adj" fmla="val 50000"/>
               </a:avLst>
             </a:prstGeom>
             <a:solidFill>
@@ -3566,12 +3590,12 @@
             </a:ln>
           </p:spPr>
           <p:txBody>
-            <a:bodyPr anchorCtr="0" anchor="ctr" bIns="91425" lIns="91425" spcFirstLastPara="1" rIns="91425" wrap="square" tIns="91425">
+            <a:bodyPr spcFirstLastPara="1" wrap="square" lIns="91425" tIns="91425" rIns="91425" bIns="91425" anchor="ctr" anchorCtr="0">
               <a:noAutofit/>
             </a:bodyPr>
             <a:lstStyle/>
             <a:p>
-              <a:pPr indent="0" lvl="0" marL="0" rtl="0" algn="l">
+              <a:pPr marL="0" lvl="0" indent="0" algn="l" rtl="0">
                 <a:spcBef>
                   <a:spcPts val="0"/>
                 </a:spcBef>
@@ -3580,9 +3604,6 @@
                 </a:spcAft>
                 <a:buNone/>
               </a:pPr>
-              <a:r>
-                <a:t/>
-              </a:r>
               <a:endParaRPr/>
             </a:p>
           </p:txBody>
@@ -3600,7 +3621,7 @@
             </a:xfrm>
             <a:prstGeom prst="diagStripe">
               <a:avLst>
-                <a:gd fmla="val 50000" name="adj"/>
+                <a:gd name="adj" fmla="val 50000"/>
               </a:avLst>
             </a:prstGeom>
             <a:solidFill>
@@ -3613,12 +3634,12 @@
             </a:ln>
           </p:spPr>
           <p:txBody>
-            <a:bodyPr anchorCtr="0" anchor="ctr" bIns="91425" lIns="91425" spcFirstLastPara="1" rIns="91425" wrap="square" tIns="91425">
+            <a:bodyPr spcFirstLastPara="1" wrap="square" lIns="91425" tIns="91425" rIns="91425" bIns="91425" anchor="ctr" anchorCtr="0">
               <a:noAutofit/>
             </a:bodyPr>
             <a:lstStyle/>
             <a:p>
-              <a:pPr indent="0" lvl="0" marL="0" rtl="0" algn="l">
+              <a:pPr marL="0" lvl="0" indent="0" algn="l" rtl="0">
                 <a:spcBef>
                   <a:spcPts val="0"/>
                 </a:spcBef>
@@ -3627,9 +3648,6 @@
                 </a:spcAft>
                 <a:buNone/>
               </a:pPr>
-              <a:r>
-                <a:t/>
-              </a:r>
               <a:endParaRPr/>
             </a:p>
           </p:txBody>
@@ -3647,7 +3665,7 @@
             </a:xfrm>
             <a:prstGeom prst="diagStripe">
               <a:avLst>
-                <a:gd fmla="val 50000" name="adj"/>
+                <a:gd name="adj" fmla="val 50000"/>
               </a:avLst>
             </a:prstGeom>
             <a:solidFill>
@@ -3660,12 +3678,12 @@
             </a:ln>
           </p:spPr>
           <p:txBody>
-            <a:bodyPr anchorCtr="0" anchor="ctr" bIns="91425" lIns="91425" spcFirstLastPara="1" rIns="91425" wrap="square" tIns="91425">
+            <a:bodyPr spcFirstLastPara="1" wrap="square" lIns="91425" tIns="91425" rIns="91425" bIns="91425" anchor="ctr" anchorCtr="0">
               <a:noAutofit/>
             </a:bodyPr>
             <a:lstStyle/>
             <a:p>
-              <a:pPr indent="0" lvl="0" marL="0" rtl="0" algn="l">
+              <a:pPr marL="0" lvl="0" indent="0" algn="l" rtl="0">
                 <a:spcBef>
                   <a:spcPts val="0"/>
                 </a:spcBef>
@@ -3674,9 +3692,6 @@
                 </a:spcAft>
                 <a:buNone/>
               </a:pPr>
-              <a:r>
-                <a:t/>
-              </a:r>
               <a:endParaRPr/>
             </a:p>
           </p:txBody>
@@ -3694,7 +3709,7 @@
             </a:xfrm>
             <a:prstGeom prst="diagStripe">
               <a:avLst>
-                <a:gd fmla="val 50000" name="adj"/>
+                <a:gd name="adj" fmla="val 50000"/>
               </a:avLst>
             </a:prstGeom>
             <a:solidFill>
@@ -3705,12 +3720,12 @@
             </a:ln>
           </p:spPr>
           <p:txBody>
-            <a:bodyPr anchorCtr="0" anchor="ctr" bIns="91425" lIns="91425" spcFirstLastPara="1" rIns="91425" wrap="square" tIns="91425">
+            <a:bodyPr spcFirstLastPara="1" wrap="square" lIns="91425" tIns="91425" rIns="91425" bIns="91425" anchor="ctr" anchorCtr="0">
               <a:noAutofit/>
             </a:bodyPr>
             <a:lstStyle/>
             <a:p>
-              <a:pPr indent="0" lvl="0" marL="0" rtl="0" algn="l">
+              <a:pPr marL="0" lvl="0" indent="0" algn="l" rtl="0">
                 <a:spcBef>
                   <a:spcPts val="0"/>
                 </a:spcBef>
@@ -3719,9 +3734,6 @@
                 </a:spcAft>
                 <a:buNone/>
               </a:pPr>
-              <a:r>
-                <a:t/>
-              </a:r>
               <a:endParaRPr/>
             </a:p>
           </p:txBody>
@@ -3739,7 +3751,7 @@
             </a:xfrm>
             <a:prstGeom prst="diagStripe">
               <a:avLst>
-                <a:gd fmla="val 50000" name="adj"/>
+                <a:gd name="adj" fmla="val 50000"/>
               </a:avLst>
             </a:prstGeom>
             <a:solidFill>
@@ -3752,12 +3764,12 @@
             </a:ln>
           </p:spPr>
           <p:txBody>
-            <a:bodyPr anchorCtr="0" anchor="ctr" bIns="91425" lIns="91425" spcFirstLastPara="1" rIns="91425" wrap="square" tIns="91425">
+            <a:bodyPr spcFirstLastPara="1" wrap="square" lIns="91425" tIns="91425" rIns="91425" bIns="91425" anchor="ctr" anchorCtr="0">
               <a:noAutofit/>
             </a:bodyPr>
             <a:lstStyle/>
             <a:p>
-              <a:pPr indent="0" lvl="0" marL="0" rtl="0" algn="l">
+              <a:pPr marL="0" lvl="0" indent="0" algn="l" rtl="0">
                 <a:spcBef>
                   <a:spcPts val="0"/>
                 </a:spcBef>
@@ -3766,9 +3778,6 @@
                 </a:spcAft>
                 <a:buNone/>
               </a:pPr>
-              <a:r>
-                <a:t/>
-              </a:r>
               <a:endParaRPr/>
             </a:p>
           </p:txBody>
@@ -3786,7 +3795,7 @@
             </a:xfrm>
             <a:prstGeom prst="diagStripe">
               <a:avLst>
-                <a:gd fmla="val 50000" name="adj"/>
+                <a:gd name="adj" fmla="val 50000"/>
               </a:avLst>
             </a:prstGeom>
             <a:solidFill>
@@ -3799,12 +3808,12 @@
             </a:ln>
           </p:spPr>
           <p:txBody>
-            <a:bodyPr anchorCtr="0" anchor="ctr" bIns="91425" lIns="91425" spcFirstLastPara="1" rIns="91425" wrap="square" tIns="91425">
+            <a:bodyPr spcFirstLastPara="1" wrap="square" lIns="91425" tIns="91425" rIns="91425" bIns="91425" anchor="ctr" anchorCtr="0">
               <a:noAutofit/>
             </a:bodyPr>
             <a:lstStyle/>
             <a:p>
-              <a:pPr indent="0" lvl="0" marL="0" rtl="0" algn="l">
+              <a:pPr marL="0" lvl="0" indent="0" algn="l" rtl="0">
                 <a:spcBef>
                   <a:spcPts val="0"/>
                 </a:spcBef>
@@ -3813,9 +3822,6 @@
                 </a:spcAft>
                 <a:buNone/>
               </a:pPr>
-              <a:r>
-                <a:t/>
-              </a:r>
               <a:endParaRPr/>
             </a:p>
           </p:txBody>
@@ -3833,7 +3839,7 @@
             </a:xfrm>
             <a:prstGeom prst="diagStripe">
               <a:avLst>
-                <a:gd fmla="val 50000" name="adj"/>
+                <a:gd name="adj" fmla="val 50000"/>
               </a:avLst>
             </a:prstGeom>
             <a:solidFill>
@@ -3846,12 +3852,12 @@
             </a:ln>
           </p:spPr>
           <p:txBody>
-            <a:bodyPr anchorCtr="0" anchor="ctr" bIns="91425" lIns="91425" spcFirstLastPara="1" rIns="91425" wrap="square" tIns="91425">
+            <a:bodyPr spcFirstLastPara="1" wrap="square" lIns="91425" tIns="91425" rIns="91425" bIns="91425" anchor="ctr" anchorCtr="0">
               <a:noAutofit/>
             </a:bodyPr>
             <a:lstStyle/>
             <a:p>
-              <a:pPr indent="0" lvl="0" marL="0" rtl="0" algn="l">
+              <a:pPr marL="0" lvl="0" indent="0" algn="l" rtl="0">
                 <a:spcBef>
                   <a:spcPts val="0"/>
                 </a:spcBef>
@@ -3860,9 +3866,6 @@
                 </a:spcAft>
                 <a:buNone/>
               </a:pPr>
-              <a:r>
-                <a:t/>
-              </a:r>
               <a:endParaRPr/>
             </a:p>
           </p:txBody>
@@ -3880,7 +3883,7 @@
             </a:xfrm>
             <a:prstGeom prst="diagStripe">
               <a:avLst>
-                <a:gd fmla="val 50000" name="adj"/>
+                <a:gd name="adj" fmla="val 50000"/>
               </a:avLst>
             </a:prstGeom>
             <a:solidFill>
@@ -3893,12 +3896,12 @@
             </a:ln>
           </p:spPr>
           <p:txBody>
-            <a:bodyPr anchorCtr="0" anchor="ctr" bIns="91425" lIns="91425" spcFirstLastPara="1" rIns="91425" wrap="square" tIns="91425">
+            <a:bodyPr spcFirstLastPara="1" wrap="square" lIns="91425" tIns="91425" rIns="91425" bIns="91425" anchor="ctr" anchorCtr="0">
               <a:noAutofit/>
             </a:bodyPr>
             <a:lstStyle/>
             <a:p>
-              <a:pPr indent="0" lvl="0" marL="0" rtl="0" algn="l">
+              <a:pPr marL="0" lvl="0" indent="0" algn="l" rtl="0">
                 <a:spcBef>
                   <a:spcPts val="0"/>
                 </a:spcBef>
@@ -3907,9 +3910,6 @@
                 </a:spcAft>
                 <a:buNone/>
               </a:pPr>
-              <a:r>
-                <a:t/>
-              </a:r>
               <a:endParaRPr/>
             </a:p>
           </p:txBody>
@@ -3918,7 +3918,9 @@
       <p:sp>
         <p:nvSpPr>
           <p:cNvPr id="39" name="Google Shape;39;p3"/>
-          <p:cNvSpPr txBox="1"/>
+          <p:cNvSpPr txBox="1">
+            <a:spLocks noGrp="1"/>
+          </p:cNvSpPr>
           <p:nvPr>
             <p:ph type="title"/>
           </p:nvPr>
@@ -3933,7 +3935,7 @@
           </a:prstGeom>
         </p:spPr>
         <p:txBody>
-          <a:bodyPr anchorCtr="0" anchor="ctr" bIns="91425" lIns="91425" spcFirstLastPara="1" rIns="91425" wrap="square" tIns="91425">
+          <a:bodyPr spcFirstLastPara="1" wrap="square" lIns="91425" tIns="91425" rIns="91425" bIns="91425" anchor="ctr" anchorCtr="0">
             <a:normAutofit/>
           </a:bodyPr>
           <a:lstStyle>
@@ -4037,15 +4039,19 @@
               <a:defRPr/>
             </a:lvl9pPr>
           </a:lstStyle>
-          <a:p/>
+          <a:p>
+            <a:endParaRPr/>
+          </a:p>
         </p:txBody>
       </p:sp>
       <p:sp>
         <p:nvSpPr>
           <p:cNvPr id="40" name="Google Shape;40;p3"/>
-          <p:cNvSpPr txBox="1"/>
+          <p:cNvSpPr txBox="1">
+            <a:spLocks noGrp="1"/>
+          </p:cNvSpPr>
           <p:nvPr>
-            <p:ph idx="12" type="sldNum"/>
+            <p:ph type="sldNum" idx="12"/>
           </p:nvPr>
         </p:nvSpPr>
         <p:spPr>
@@ -4058,7 +4064,7 @@
           </a:prstGeom>
         </p:spPr>
         <p:txBody>
-          <a:bodyPr anchorCtr="0" anchor="ctr" bIns="91425" lIns="91425" spcFirstLastPara="1" rIns="91425" wrap="square" tIns="91425">
+          <a:bodyPr spcFirstLastPara="1" wrap="square" lIns="91425" tIns="91425" rIns="91425" bIns="91425" anchor="ctr" anchorCtr="0">
             <a:normAutofit/>
           </a:bodyPr>
           <a:lstStyle>
@@ -4100,7 +4106,7 @@
             </a:lvl9pPr>
           </a:lstStyle>
           <a:p>
-            <a:pPr indent="0" lvl="0" marL="0" rtl="0" algn="r">
+            <a:pPr marL="0" lvl="0" indent="0" algn="r" rtl="0">
               <a:spcBef>
                 <a:spcPts val="0"/>
               </a:spcBef>
@@ -4126,11 +4132,11 @@
 </file>
 
 <file path=ppt/slideLayouts/slideLayout3.xml><?xml version="1.0" encoding="utf-8"?>
-<p:sldLayout xmlns:a="http://schemas.openxmlformats.org/drawingml/2006/main" xmlns:r="http://schemas.openxmlformats.org/officeDocument/2006/relationships" xmlns:mc="http://schemas.openxmlformats.org/markup-compatibility/2006" xmlns:mv="urn:schemas-microsoft-com:mac:vml" xmlns:p="http://schemas.openxmlformats.org/presentationml/2006/main" xmlns:c="http://schemas.openxmlformats.org/drawingml/2006/chart" xmlns:dgm="http://schemas.openxmlformats.org/drawingml/2006/diagram" xmlns:o="urn:schemas-microsoft-com:office:office" xmlns:v="urn:schemas-microsoft-com:vml" xmlns:pvml="urn:schemas-microsoft-com:office:powerpoint" xmlns:com="http://schemas.openxmlformats.org/drawingml/2006/compatibility" xmlns:p14="http://schemas.microsoft.com/office/powerpoint/2010/main" xmlns:p15="http://schemas.microsoft.com/office/powerpoint/2012/main" xmlns:ahyp="http://schemas.microsoft.com/office/drawing/2018/hyperlinkcolor" matchingName="Title and body" type="tx">
+<p:sldLayout xmlns:a="http://schemas.openxmlformats.org/drawingml/2006/main" xmlns:r="http://schemas.openxmlformats.org/officeDocument/2006/relationships" xmlns:p="http://schemas.openxmlformats.org/presentationml/2006/main" matchingName="Title and body" type="tx">
   <p:cSld name="TITLE_AND_BODY">
     <p:spTree>
       <p:nvGrpSpPr>
-        <p:cNvPr id="41" name="Shape 41"/>
+        <p:cNvPr id="1" name="Shape 41"/>
         <p:cNvGrpSpPr/>
         <p:nvPr/>
       </p:nvGrpSpPr>
@@ -4169,7 +4175,7 @@
             </a:xfrm>
             <a:prstGeom prst="diagStripe">
               <a:avLst>
-                <a:gd fmla="val 50000" name="adj"/>
+                <a:gd name="adj" fmla="val 50000"/>
               </a:avLst>
             </a:prstGeom>
             <a:solidFill>
@@ -4180,12 +4186,12 @@
             </a:ln>
           </p:spPr>
           <p:txBody>
-            <a:bodyPr anchorCtr="0" anchor="ctr" bIns="91425" lIns="91425" spcFirstLastPara="1" rIns="91425" wrap="square" tIns="91425">
+            <a:bodyPr spcFirstLastPara="1" wrap="square" lIns="91425" tIns="91425" rIns="91425" bIns="91425" anchor="ctr" anchorCtr="0">
               <a:noAutofit/>
             </a:bodyPr>
             <a:lstStyle/>
             <a:p>
-              <a:pPr indent="0" lvl="0" marL="0" rtl="0" algn="l">
+              <a:pPr marL="0" lvl="0" indent="0" algn="l" rtl="0">
                 <a:spcBef>
                   <a:spcPts val="0"/>
                 </a:spcBef>
@@ -4194,9 +4200,6 @@
                 </a:spcAft>
                 <a:buNone/>
               </a:pPr>
-              <a:r>
-                <a:t/>
-              </a:r>
               <a:endParaRPr/>
             </a:p>
           </p:txBody>
@@ -4214,7 +4217,7 @@
             </a:xfrm>
             <a:prstGeom prst="diagStripe">
               <a:avLst>
-                <a:gd fmla="val 50000" name="adj"/>
+                <a:gd name="adj" fmla="val 50000"/>
               </a:avLst>
             </a:prstGeom>
             <a:solidFill>
@@ -4225,12 +4228,12 @@
             </a:ln>
           </p:spPr>
           <p:txBody>
-            <a:bodyPr anchorCtr="0" anchor="ctr" bIns="91425" lIns="91425" spcFirstLastPara="1" rIns="91425" wrap="square" tIns="91425">
+            <a:bodyPr spcFirstLastPara="1" wrap="square" lIns="91425" tIns="91425" rIns="91425" bIns="91425" anchor="ctr" anchorCtr="0">
               <a:noAutofit/>
             </a:bodyPr>
             <a:lstStyle/>
             <a:p>
-              <a:pPr indent="0" lvl="0" marL="0" rtl="0" algn="l">
+              <a:pPr marL="0" lvl="0" indent="0" algn="l" rtl="0">
                 <a:spcBef>
                   <a:spcPts val="0"/>
                 </a:spcBef>
@@ -4239,9 +4242,6 @@
                 </a:spcAft>
                 <a:buNone/>
               </a:pPr>
-              <a:r>
-                <a:t/>
-              </a:r>
               <a:endParaRPr/>
             </a:p>
           </p:txBody>
@@ -4250,7 +4250,9 @@
       <p:sp>
         <p:nvSpPr>
           <p:cNvPr id="45" name="Google Shape;45;p4"/>
-          <p:cNvSpPr txBox="1"/>
+          <p:cNvSpPr txBox="1">
+            <a:spLocks noGrp="1"/>
+          </p:cNvSpPr>
           <p:nvPr>
             <p:ph type="title"/>
           </p:nvPr>
@@ -4265,7 +4267,7 @@
           </a:prstGeom>
         </p:spPr>
         <p:txBody>
-          <a:bodyPr anchorCtr="0" anchor="t" bIns="91425" lIns="91425" spcFirstLastPara="1" rIns="91425" wrap="square" tIns="91425">
+          <a:bodyPr spcFirstLastPara="1" wrap="square" lIns="91425" tIns="91425" rIns="91425" bIns="91425" anchor="t" anchorCtr="0">
             <a:normAutofit/>
           </a:bodyPr>
           <a:lstStyle>
@@ -4369,15 +4371,19 @@
               <a:defRPr sz="2400"/>
             </a:lvl9pPr>
           </a:lstStyle>
-          <a:p/>
+          <a:p>
+            <a:endParaRPr/>
+          </a:p>
         </p:txBody>
       </p:sp>
       <p:sp>
         <p:nvSpPr>
           <p:cNvPr id="46" name="Google Shape;46;p4"/>
-          <p:cNvSpPr txBox="1"/>
+          <p:cNvSpPr txBox="1">
+            <a:spLocks noGrp="1"/>
+          </p:cNvSpPr>
           <p:nvPr>
-            <p:ph idx="1" type="body"/>
+            <p:ph type="body" idx="1"/>
           </p:nvPr>
         </p:nvSpPr>
         <p:spPr>
@@ -4390,11 +4396,11 @@
           </a:prstGeom>
         </p:spPr>
         <p:txBody>
-          <a:bodyPr anchorCtr="0" anchor="t" bIns="91425" lIns="91425" spcFirstLastPara="1" rIns="91425" wrap="square" tIns="91425">
+          <a:bodyPr spcFirstLastPara="1" wrap="square" lIns="91425" tIns="91425" rIns="91425" bIns="91425" anchor="t" anchorCtr="0">
             <a:normAutofit/>
           </a:bodyPr>
           <a:lstStyle>
-            <a:lvl1pPr indent="-311150" lvl="0" marL="457200">
+            <a:lvl1pPr marL="457200" lvl="0" indent="-311150">
               <a:spcBef>
                 <a:spcPts val="0"/>
               </a:spcBef>
@@ -4405,7 +4411,7 @@
               <a:buChar char="●"/>
               <a:defRPr/>
             </a:lvl1pPr>
-            <a:lvl2pPr indent="-298450" lvl="1" marL="914400">
+            <a:lvl2pPr marL="914400" lvl="1" indent="-298450">
               <a:spcBef>
                 <a:spcPts val="0"/>
               </a:spcBef>
@@ -4416,7 +4422,7 @@
               <a:buChar char="○"/>
               <a:defRPr/>
             </a:lvl2pPr>
-            <a:lvl3pPr indent="-298450" lvl="2" marL="1371600">
+            <a:lvl3pPr marL="1371600" lvl="2" indent="-298450">
               <a:spcBef>
                 <a:spcPts val="0"/>
               </a:spcBef>
@@ -4427,7 +4433,7 @@
               <a:buChar char="■"/>
               <a:defRPr/>
             </a:lvl3pPr>
-            <a:lvl4pPr indent="-298450" lvl="3" marL="1828800">
+            <a:lvl4pPr marL="1828800" lvl="3" indent="-298450">
               <a:spcBef>
                 <a:spcPts val="0"/>
               </a:spcBef>
@@ -4438,7 +4444,7 @@
               <a:buChar char="●"/>
               <a:defRPr/>
             </a:lvl4pPr>
-            <a:lvl5pPr indent="-298450" lvl="4" marL="2286000">
+            <a:lvl5pPr marL="2286000" lvl="4" indent="-298450">
               <a:spcBef>
                 <a:spcPts val="0"/>
               </a:spcBef>
@@ -4449,7 +4455,7 @@
               <a:buChar char="○"/>
               <a:defRPr/>
             </a:lvl5pPr>
-            <a:lvl6pPr indent="-298450" lvl="5" marL="2743200">
+            <a:lvl6pPr marL="2743200" lvl="5" indent="-298450">
               <a:spcBef>
                 <a:spcPts val="0"/>
               </a:spcBef>
@@ -4460,7 +4466,7 @@
               <a:buChar char="■"/>
               <a:defRPr/>
             </a:lvl6pPr>
-            <a:lvl7pPr indent="-298450" lvl="6" marL="3200400">
+            <a:lvl7pPr marL="3200400" lvl="6" indent="-298450">
               <a:spcBef>
                 <a:spcPts val="0"/>
               </a:spcBef>
@@ -4471,7 +4477,7 @@
               <a:buChar char="●"/>
               <a:defRPr/>
             </a:lvl7pPr>
-            <a:lvl8pPr indent="-298450" lvl="7" marL="3657600">
+            <a:lvl8pPr marL="3657600" lvl="7" indent="-298450">
               <a:spcBef>
                 <a:spcPts val="0"/>
               </a:spcBef>
@@ -4482,7 +4488,7 @@
               <a:buChar char="○"/>
               <a:defRPr/>
             </a:lvl8pPr>
-            <a:lvl9pPr indent="-298450" lvl="8" marL="4114800">
+            <a:lvl9pPr marL="4114800" lvl="8" indent="-298450">
               <a:spcBef>
                 <a:spcPts val="0"/>
               </a:spcBef>
@@ -4494,15 +4500,19 @@
               <a:defRPr/>
             </a:lvl9pPr>
           </a:lstStyle>
-          <a:p/>
+          <a:p>
+            <a:endParaRPr/>
+          </a:p>
         </p:txBody>
       </p:sp>
       <p:sp>
         <p:nvSpPr>
           <p:cNvPr id="47" name="Google Shape;47;p4"/>
-          <p:cNvSpPr txBox="1"/>
+          <p:cNvSpPr txBox="1">
+            <a:spLocks noGrp="1"/>
+          </p:cNvSpPr>
           <p:nvPr>
-            <p:ph idx="12" type="sldNum"/>
+            <p:ph type="sldNum" idx="12"/>
           </p:nvPr>
         </p:nvSpPr>
         <p:spPr>
@@ -4515,7 +4525,7 @@
           </a:prstGeom>
         </p:spPr>
         <p:txBody>
-          <a:bodyPr anchorCtr="0" anchor="ctr" bIns="91425" lIns="91425" spcFirstLastPara="1" rIns="91425" wrap="square" tIns="91425">
+          <a:bodyPr spcFirstLastPara="1" wrap="square" lIns="91425" tIns="91425" rIns="91425" bIns="91425" anchor="ctr" anchorCtr="0">
             <a:normAutofit/>
           </a:bodyPr>
           <a:lstStyle>
@@ -4557,7 +4567,7 @@
             </a:lvl9pPr>
           </a:lstStyle>
           <a:p>
-            <a:pPr indent="0" lvl="0" marL="0" rtl="0" algn="r">
+            <a:pPr marL="0" lvl="0" indent="0" algn="r" rtl="0">
               <a:spcBef>
                 <a:spcPts val="0"/>
               </a:spcBef>
@@ -4583,11 +4593,11 @@
 </file>
 
 <file path=ppt/slideLayouts/slideLayout4.xml><?xml version="1.0" encoding="utf-8"?>
-<p:sldLayout xmlns:a="http://schemas.openxmlformats.org/drawingml/2006/main" xmlns:r="http://schemas.openxmlformats.org/officeDocument/2006/relationships" xmlns:mc="http://schemas.openxmlformats.org/markup-compatibility/2006" xmlns:mv="urn:schemas-microsoft-com:mac:vml" xmlns:p="http://schemas.openxmlformats.org/presentationml/2006/main" xmlns:c="http://schemas.openxmlformats.org/drawingml/2006/chart" xmlns:dgm="http://schemas.openxmlformats.org/drawingml/2006/diagram" xmlns:o="urn:schemas-microsoft-com:office:office" xmlns:v="urn:schemas-microsoft-com:vml" xmlns:pvml="urn:schemas-microsoft-com:office:powerpoint" xmlns:com="http://schemas.openxmlformats.org/drawingml/2006/compatibility" xmlns:p14="http://schemas.microsoft.com/office/powerpoint/2010/main" xmlns:p15="http://schemas.microsoft.com/office/powerpoint/2012/main" xmlns:ahyp="http://schemas.microsoft.com/office/drawing/2018/hyperlinkcolor" matchingName="Title and two columns" type="twoColTx">
+<p:sldLayout xmlns:a="http://schemas.openxmlformats.org/drawingml/2006/main" xmlns:r="http://schemas.openxmlformats.org/officeDocument/2006/relationships" xmlns:p="http://schemas.openxmlformats.org/presentationml/2006/main" matchingName="Title and two columns" type="twoColTx">
   <p:cSld name="TITLE_AND_TWO_COLUMNS">
     <p:spTree>
       <p:nvGrpSpPr>
-        <p:cNvPr id="48" name="Shape 48"/>
+        <p:cNvPr id="1" name="Shape 48"/>
         <p:cNvGrpSpPr/>
         <p:nvPr/>
       </p:nvGrpSpPr>
@@ -4626,7 +4636,7 @@
             </a:xfrm>
             <a:prstGeom prst="diagStripe">
               <a:avLst>
-                <a:gd fmla="val 50000" name="adj"/>
+                <a:gd name="adj" fmla="val 50000"/>
               </a:avLst>
             </a:prstGeom>
             <a:solidFill>
@@ -4637,12 +4647,12 @@
             </a:ln>
           </p:spPr>
           <p:txBody>
-            <a:bodyPr anchorCtr="0" anchor="ctr" bIns="91425" lIns="91425" spcFirstLastPara="1" rIns="91425" wrap="square" tIns="91425">
+            <a:bodyPr spcFirstLastPara="1" wrap="square" lIns="91425" tIns="91425" rIns="91425" bIns="91425" anchor="ctr" anchorCtr="0">
               <a:noAutofit/>
             </a:bodyPr>
             <a:lstStyle/>
             <a:p>
-              <a:pPr indent="0" lvl="0" marL="0" rtl="0" algn="l">
+              <a:pPr marL="0" lvl="0" indent="0" algn="l" rtl="0">
                 <a:spcBef>
                   <a:spcPts val="0"/>
                 </a:spcBef>
@@ -4651,9 +4661,6 @@
                 </a:spcAft>
                 <a:buNone/>
               </a:pPr>
-              <a:r>
-                <a:t/>
-              </a:r>
               <a:endParaRPr/>
             </a:p>
           </p:txBody>
@@ -4671,7 +4678,7 @@
             </a:xfrm>
             <a:prstGeom prst="diagStripe">
               <a:avLst>
-                <a:gd fmla="val 50000" name="adj"/>
+                <a:gd name="adj" fmla="val 50000"/>
               </a:avLst>
             </a:prstGeom>
             <a:solidFill>
@@ -4682,12 +4689,12 @@
             </a:ln>
           </p:spPr>
           <p:txBody>
-            <a:bodyPr anchorCtr="0" anchor="ctr" bIns="91425" lIns="91425" spcFirstLastPara="1" rIns="91425" wrap="square" tIns="91425">
+            <a:bodyPr spcFirstLastPara="1" wrap="square" lIns="91425" tIns="91425" rIns="91425" bIns="91425" anchor="ctr" anchorCtr="0">
               <a:noAutofit/>
             </a:bodyPr>
             <a:lstStyle/>
             <a:p>
-              <a:pPr indent="0" lvl="0" marL="0" rtl="0" algn="l">
+              <a:pPr marL="0" lvl="0" indent="0" algn="l" rtl="0">
                 <a:spcBef>
                   <a:spcPts val="0"/>
                 </a:spcBef>
@@ -4696,9 +4703,6 @@
                 </a:spcAft>
                 <a:buNone/>
               </a:pPr>
-              <a:r>
-                <a:t/>
-              </a:r>
               <a:endParaRPr/>
             </a:p>
           </p:txBody>
@@ -4707,7 +4711,9 @@
       <p:sp>
         <p:nvSpPr>
           <p:cNvPr id="52" name="Google Shape;52;p5"/>
-          <p:cNvSpPr txBox="1"/>
+          <p:cNvSpPr txBox="1">
+            <a:spLocks noGrp="1"/>
+          </p:cNvSpPr>
           <p:nvPr>
             <p:ph type="title"/>
           </p:nvPr>
@@ -4722,7 +4728,7 @@
           </a:prstGeom>
         </p:spPr>
         <p:txBody>
-          <a:bodyPr anchorCtr="0" anchor="t" bIns="91425" lIns="91425" spcFirstLastPara="1" rIns="91425" wrap="square" tIns="91425">
+          <a:bodyPr spcFirstLastPara="1" wrap="square" lIns="91425" tIns="91425" rIns="91425" bIns="91425" anchor="t" anchorCtr="0">
             <a:normAutofit/>
           </a:bodyPr>
           <a:lstStyle>
@@ -4826,15 +4832,19 @@
               <a:defRPr sz="2400"/>
             </a:lvl9pPr>
           </a:lstStyle>
-          <a:p/>
+          <a:p>
+            <a:endParaRPr/>
+          </a:p>
         </p:txBody>
       </p:sp>
       <p:sp>
         <p:nvSpPr>
           <p:cNvPr id="53" name="Google Shape;53;p5"/>
-          <p:cNvSpPr txBox="1"/>
+          <p:cNvSpPr txBox="1">
+            <a:spLocks noGrp="1"/>
+          </p:cNvSpPr>
           <p:nvPr>
-            <p:ph idx="1" type="body"/>
+            <p:ph type="body" idx="1"/>
           </p:nvPr>
         </p:nvSpPr>
         <p:spPr>
@@ -4847,11 +4857,11 @@
           </a:prstGeom>
         </p:spPr>
         <p:txBody>
-          <a:bodyPr anchorCtr="0" anchor="t" bIns="91425" lIns="91425" spcFirstLastPara="1" rIns="91425" wrap="square" tIns="91425">
+          <a:bodyPr spcFirstLastPara="1" wrap="square" lIns="91425" tIns="91425" rIns="91425" bIns="91425" anchor="t" anchorCtr="0">
             <a:normAutofit/>
           </a:bodyPr>
           <a:lstStyle>
-            <a:lvl1pPr indent="-311150" lvl="0" marL="457200">
+            <a:lvl1pPr marL="457200" lvl="0" indent="-311150">
               <a:spcBef>
                 <a:spcPts val="0"/>
               </a:spcBef>
@@ -4862,7 +4872,7 @@
               <a:buChar char="●"/>
               <a:defRPr/>
             </a:lvl1pPr>
-            <a:lvl2pPr indent="-298450" lvl="1" marL="914400">
+            <a:lvl2pPr marL="914400" lvl="1" indent="-298450">
               <a:spcBef>
                 <a:spcPts val="0"/>
               </a:spcBef>
@@ -4873,7 +4883,7 @@
               <a:buChar char="○"/>
               <a:defRPr/>
             </a:lvl2pPr>
-            <a:lvl3pPr indent="-298450" lvl="2" marL="1371600">
+            <a:lvl3pPr marL="1371600" lvl="2" indent="-298450">
               <a:spcBef>
                 <a:spcPts val="0"/>
               </a:spcBef>
@@ -4884,7 +4894,7 @@
               <a:buChar char="■"/>
               <a:defRPr/>
             </a:lvl3pPr>
-            <a:lvl4pPr indent="-298450" lvl="3" marL="1828800">
+            <a:lvl4pPr marL="1828800" lvl="3" indent="-298450">
               <a:spcBef>
                 <a:spcPts val="0"/>
               </a:spcBef>
@@ -4895,7 +4905,7 @@
               <a:buChar char="●"/>
               <a:defRPr/>
             </a:lvl4pPr>
-            <a:lvl5pPr indent="-298450" lvl="4" marL="2286000">
+            <a:lvl5pPr marL="2286000" lvl="4" indent="-298450">
               <a:spcBef>
                 <a:spcPts val="0"/>
               </a:spcBef>
@@ -4906,7 +4916,7 @@
               <a:buChar char="○"/>
               <a:defRPr/>
             </a:lvl5pPr>
-            <a:lvl6pPr indent="-298450" lvl="5" marL="2743200">
+            <a:lvl6pPr marL="2743200" lvl="5" indent="-298450">
               <a:spcBef>
                 <a:spcPts val="0"/>
               </a:spcBef>
@@ -4917,7 +4927,7 @@
               <a:buChar char="■"/>
               <a:defRPr/>
             </a:lvl6pPr>
-            <a:lvl7pPr indent="-298450" lvl="6" marL="3200400">
+            <a:lvl7pPr marL="3200400" lvl="6" indent="-298450">
               <a:spcBef>
                 <a:spcPts val="0"/>
               </a:spcBef>
@@ -4928,7 +4938,7 @@
               <a:buChar char="●"/>
               <a:defRPr/>
             </a:lvl7pPr>
-            <a:lvl8pPr indent="-298450" lvl="7" marL="3657600">
+            <a:lvl8pPr marL="3657600" lvl="7" indent="-298450">
               <a:spcBef>
                 <a:spcPts val="0"/>
               </a:spcBef>
@@ -4939,7 +4949,7 @@
               <a:buChar char="○"/>
               <a:defRPr/>
             </a:lvl8pPr>
-            <a:lvl9pPr indent="-298450" lvl="8" marL="4114800">
+            <a:lvl9pPr marL="4114800" lvl="8" indent="-298450">
               <a:spcBef>
                 <a:spcPts val="0"/>
               </a:spcBef>
@@ -4951,15 +4961,19 @@
               <a:defRPr/>
             </a:lvl9pPr>
           </a:lstStyle>
-          <a:p/>
+          <a:p>
+            <a:endParaRPr/>
+          </a:p>
         </p:txBody>
       </p:sp>
       <p:sp>
         <p:nvSpPr>
           <p:cNvPr id="54" name="Google Shape;54;p5"/>
-          <p:cNvSpPr txBox="1"/>
+          <p:cNvSpPr txBox="1">
+            <a:spLocks noGrp="1"/>
+          </p:cNvSpPr>
           <p:nvPr>
-            <p:ph idx="2" type="body"/>
+            <p:ph type="body" idx="2"/>
           </p:nvPr>
         </p:nvSpPr>
         <p:spPr>
@@ -4972,11 +4986,11 @@
           </a:prstGeom>
         </p:spPr>
         <p:txBody>
-          <a:bodyPr anchorCtr="0" anchor="t" bIns="91425" lIns="91425" spcFirstLastPara="1" rIns="91425" wrap="square" tIns="91425">
+          <a:bodyPr spcFirstLastPara="1" wrap="square" lIns="91425" tIns="91425" rIns="91425" bIns="91425" anchor="t" anchorCtr="0">
             <a:normAutofit/>
           </a:bodyPr>
           <a:lstStyle>
-            <a:lvl1pPr indent="-311150" lvl="0" marL="457200">
+            <a:lvl1pPr marL="457200" lvl="0" indent="-311150">
               <a:spcBef>
                 <a:spcPts val="0"/>
               </a:spcBef>
@@ -4987,7 +5001,7 @@
               <a:buChar char="●"/>
               <a:defRPr/>
             </a:lvl1pPr>
-            <a:lvl2pPr indent="-298450" lvl="1" marL="914400">
+            <a:lvl2pPr marL="914400" lvl="1" indent="-298450">
               <a:spcBef>
                 <a:spcPts val="0"/>
               </a:spcBef>
@@ -4998,7 +5012,7 @@
               <a:buChar char="○"/>
               <a:defRPr/>
             </a:lvl2pPr>
-            <a:lvl3pPr indent="-298450" lvl="2" marL="1371600">
+            <a:lvl3pPr marL="1371600" lvl="2" indent="-298450">
               <a:spcBef>
                 <a:spcPts val="0"/>
               </a:spcBef>
@@ -5009,7 +5023,7 @@
               <a:buChar char="■"/>
               <a:defRPr/>
             </a:lvl3pPr>
-            <a:lvl4pPr indent="-298450" lvl="3" marL="1828800">
+            <a:lvl4pPr marL="1828800" lvl="3" indent="-298450">
               <a:spcBef>
                 <a:spcPts val="0"/>
               </a:spcBef>
@@ -5020,7 +5034,7 @@
               <a:buChar char="●"/>
               <a:defRPr/>
             </a:lvl4pPr>
-            <a:lvl5pPr indent="-298450" lvl="4" marL="2286000">
+            <a:lvl5pPr marL="2286000" lvl="4" indent="-298450">
               <a:spcBef>
                 <a:spcPts val="0"/>
               </a:spcBef>
@@ -5031,7 +5045,7 @@
               <a:buChar char="○"/>
               <a:defRPr/>
             </a:lvl5pPr>
-            <a:lvl6pPr indent="-298450" lvl="5" marL="2743200">
+            <a:lvl6pPr marL="2743200" lvl="5" indent="-298450">
               <a:spcBef>
                 <a:spcPts val="0"/>
               </a:spcBef>
@@ -5042,7 +5056,7 @@
               <a:buChar char="■"/>
               <a:defRPr/>
             </a:lvl6pPr>
-            <a:lvl7pPr indent="-298450" lvl="6" marL="3200400">
+            <a:lvl7pPr marL="3200400" lvl="6" indent="-298450">
               <a:spcBef>
                 <a:spcPts val="0"/>
               </a:spcBef>
@@ -5053,7 +5067,7 @@
               <a:buChar char="●"/>
               <a:defRPr/>
             </a:lvl7pPr>
-            <a:lvl8pPr indent="-298450" lvl="7" marL="3657600">
+            <a:lvl8pPr marL="3657600" lvl="7" indent="-298450">
               <a:spcBef>
                 <a:spcPts val="0"/>
               </a:spcBef>
@@ -5064,7 +5078,7 @@
               <a:buChar char="○"/>
               <a:defRPr/>
             </a:lvl8pPr>
-            <a:lvl9pPr indent="-298450" lvl="8" marL="4114800">
+            <a:lvl9pPr marL="4114800" lvl="8" indent="-298450">
               <a:spcBef>
                 <a:spcPts val="0"/>
               </a:spcBef>
@@ -5076,15 +5090,19 @@
               <a:defRPr/>
             </a:lvl9pPr>
           </a:lstStyle>
-          <a:p/>
+          <a:p>
+            <a:endParaRPr/>
+          </a:p>
         </p:txBody>
       </p:sp>
       <p:sp>
         <p:nvSpPr>
           <p:cNvPr id="55" name="Google Shape;55;p5"/>
-          <p:cNvSpPr txBox="1"/>
+          <p:cNvSpPr txBox="1">
+            <a:spLocks noGrp="1"/>
+          </p:cNvSpPr>
           <p:nvPr>
-            <p:ph idx="12" type="sldNum"/>
+            <p:ph type="sldNum" idx="12"/>
           </p:nvPr>
         </p:nvSpPr>
         <p:spPr>
@@ -5097,7 +5115,7 @@
           </a:prstGeom>
         </p:spPr>
         <p:txBody>
-          <a:bodyPr anchorCtr="0" anchor="ctr" bIns="91425" lIns="91425" spcFirstLastPara="1" rIns="91425" wrap="square" tIns="91425">
+          <a:bodyPr spcFirstLastPara="1" wrap="square" lIns="91425" tIns="91425" rIns="91425" bIns="91425" anchor="ctr" anchorCtr="0">
             <a:normAutofit/>
           </a:bodyPr>
           <a:lstStyle>
@@ -5139,7 +5157,7 @@
             </a:lvl9pPr>
           </a:lstStyle>
           <a:p>
-            <a:pPr indent="0" lvl="0" marL="0" rtl="0" algn="r">
+            <a:pPr marL="0" lvl="0" indent="0" algn="r" rtl="0">
               <a:spcBef>
                 <a:spcPts val="0"/>
               </a:spcBef>
@@ -5165,11 +5183,11 @@
 </file>
 
 <file path=ppt/slideLayouts/slideLayout5.xml><?xml version="1.0" encoding="utf-8"?>
-<p:sldLayout xmlns:a="http://schemas.openxmlformats.org/drawingml/2006/main" xmlns:r="http://schemas.openxmlformats.org/officeDocument/2006/relationships" xmlns:mc="http://schemas.openxmlformats.org/markup-compatibility/2006" xmlns:mv="urn:schemas-microsoft-com:mac:vml" xmlns:p="http://schemas.openxmlformats.org/presentationml/2006/main" xmlns:c="http://schemas.openxmlformats.org/drawingml/2006/chart" xmlns:dgm="http://schemas.openxmlformats.org/drawingml/2006/diagram" xmlns:o="urn:schemas-microsoft-com:office:office" xmlns:v="urn:schemas-microsoft-com:vml" xmlns:pvml="urn:schemas-microsoft-com:office:powerpoint" xmlns:com="http://schemas.openxmlformats.org/drawingml/2006/compatibility" xmlns:p14="http://schemas.microsoft.com/office/powerpoint/2010/main" xmlns:p15="http://schemas.microsoft.com/office/powerpoint/2012/main" xmlns:ahyp="http://schemas.microsoft.com/office/drawing/2018/hyperlinkcolor" matchingName="Title only" type="titleOnly">
+<p:sldLayout xmlns:a="http://schemas.openxmlformats.org/drawingml/2006/main" xmlns:r="http://schemas.openxmlformats.org/officeDocument/2006/relationships" xmlns:p="http://schemas.openxmlformats.org/presentationml/2006/main" matchingName="Title only" type="titleOnly">
   <p:cSld name="TITLE_ONLY">
     <p:spTree>
       <p:nvGrpSpPr>
-        <p:cNvPr id="56" name="Shape 56"/>
+        <p:cNvPr id="1" name="Shape 56"/>
         <p:cNvGrpSpPr/>
         <p:nvPr/>
       </p:nvGrpSpPr>
@@ -5208,7 +5226,7 @@
             </a:xfrm>
             <a:prstGeom prst="diagStripe">
               <a:avLst>
-                <a:gd fmla="val 50000" name="adj"/>
+                <a:gd name="adj" fmla="val 50000"/>
               </a:avLst>
             </a:prstGeom>
             <a:solidFill>
@@ -5219,12 +5237,12 @@
             </a:ln>
           </p:spPr>
           <p:txBody>
-            <a:bodyPr anchorCtr="0" anchor="ctr" bIns="91425" lIns="91425" spcFirstLastPara="1" rIns="91425" wrap="square" tIns="91425">
+            <a:bodyPr spcFirstLastPara="1" wrap="square" lIns="91425" tIns="91425" rIns="91425" bIns="91425" anchor="ctr" anchorCtr="0">
               <a:noAutofit/>
             </a:bodyPr>
             <a:lstStyle/>
             <a:p>
-              <a:pPr indent="0" lvl="0" marL="0" rtl="0" algn="l">
+              <a:pPr marL="0" lvl="0" indent="0" algn="l" rtl="0">
                 <a:spcBef>
                   <a:spcPts val="0"/>
                 </a:spcBef>
@@ -5233,9 +5251,6 @@
                 </a:spcAft>
                 <a:buNone/>
               </a:pPr>
-              <a:r>
-                <a:t/>
-              </a:r>
               <a:endParaRPr/>
             </a:p>
           </p:txBody>
@@ -5253,7 +5268,7 @@
             </a:xfrm>
             <a:prstGeom prst="diagStripe">
               <a:avLst>
-                <a:gd fmla="val 50000" name="adj"/>
+                <a:gd name="adj" fmla="val 50000"/>
               </a:avLst>
             </a:prstGeom>
             <a:solidFill>
@@ -5264,12 +5279,12 @@
             </a:ln>
           </p:spPr>
           <p:txBody>
-            <a:bodyPr anchorCtr="0" anchor="ctr" bIns="91425" lIns="91425" spcFirstLastPara="1" rIns="91425" wrap="square" tIns="91425">
+            <a:bodyPr spcFirstLastPara="1" wrap="square" lIns="91425" tIns="91425" rIns="91425" bIns="91425" anchor="ctr" anchorCtr="0">
               <a:noAutofit/>
             </a:bodyPr>
             <a:lstStyle/>
             <a:p>
-              <a:pPr indent="0" lvl="0" marL="0" rtl="0" algn="l">
+              <a:pPr marL="0" lvl="0" indent="0" algn="l" rtl="0">
                 <a:spcBef>
                   <a:spcPts val="0"/>
                 </a:spcBef>
@@ -5278,9 +5293,6 @@
                 </a:spcAft>
                 <a:buNone/>
               </a:pPr>
-              <a:r>
-                <a:t/>
-              </a:r>
               <a:endParaRPr/>
             </a:p>
           </p:txBody>
@@ -5289,7 +5301,9 @@
       <p:sp>
         <p:nvSpPr>
           <p:cNvPr id="60" name="Google Shape;60;p6"/>
-          <p:cNvSpPr txBox="1"/>
+          <p:cNvSpPr txBox="1">
+            <a:spLocks noGrp="1"/>
+          </p:cNvSpPr>
           <p:nvPr>
             <p:ph type="title"/>
           </p:nvPr>
@@ -5304,7 +5318,7 @@
           </a:prstGeom>
         </p:spPr>
         <p:txBody>
-          <a:bodyPr anchorCtr="0" anchor="t" bIns="91425" lIns="91425" spcFirstLastPara="1" rIns="91425" wrap="square" tIns="91425">
+          <a:bodyPr spcFirstLastPara="1" wrap="square" lIns="91425" tIns="91425" rIns="91425" bIns="91425" anchor="t" anchorCtr="0">
             <a:normAutofit/>
           </a:bodyPr>
           <a:lstStyle>
@@ -5408,15 +5422,19 @@
               <a:defRPr sz="2400"/>
             </a:lvl9pPr>
           </a:lstStyle>
-          <a:p/>
+          <a:p>
+            <a:endParaRPr/>
+          </a:p>
         </p:txBody>
       </p:sp>
       <p:sp>
         <p:nvSpPr>
           <p:cNvPr id="61" name="Google Shape;61;p6"/>
-          <p:cNvSpPr txBox="1"/>
+          <p:cNvSpPr txBox="1">
+            <a:spLocks noGrp="1"/>
+          </p:cNvSpPr>
           <p:nvPr>
-            <p:ph idx="12" type="sldNum"/>
+            <p:ph type="sldNum" idx="12"/>
           </p:nvPr>
         </p:nvSpPr>
         <p:spPr>
@@ -5429,7 +5447,7 @@
           </a:prstGeom>
         </p:spPr>
         <p:txBody>
-          <a:bodyPr anchorCtr="0" anchor="ctr" bIns="91425" lIns="91425" spcFirstLastPara="1" rIns="91425" wrap="square" tIns="91425">
+          <a:bodyPr spcFirstLastPara="1" wrap="square" lIns="91425" tIns="91425" rIns="91425" bIns="91425" anchor="ctr" anchorCtr="0">
             <a:normAutofit/>
           </a:bodyPr>
           <a:lstStyle>
@@ -5471,7 +5489,7 @@
             </a:lvl9pPr>
           </a:lstStyle>
           <a:p>
-            <a:pPr indent="0" lvl="0" marL="0" rtl="0" algn="r">
+            <a:pPr marL="0" lvl="0" indent="0" algn="r" rtl="0">
               <a:spcBef>
                 <a:spcPts val="0"/>
               </a:spcBef>
@@ -5497,11 +5515,11 @@
 </file>
 
 <file path=ppt/slideLayouts/slideLayout6.xml><?xml version="1.0" encoding="utf-8"?>
-<p:sldLayout xmlns:a="http://schemas.openxmlformats.org/drawingml/2006/main" xmlns:r="http://schemas.openxmlformats.org/officeDocument/2006/relationships" xmlns:mc="http://schemas.openxmlformats.org/markup-compatibility/2006" xmlns:mv="urn:schemas-microsoft-com:mac:vml" xmlns:p="http://schemas.openxmlformats.org/presentationml/2006/main" xmlns:c="http://schemas.openxmlformats.org/drawingml/2006/chart" xmlns:dgm="http://schemas.openxmlformats.org/drawingml/2006/diagram" xmlns:o="urn:schemas-microsoft-com:office:office" xmlns:v="urn:schemas-microsoft-com:vml" xmlns:pvml="urn:schemas-microsoft-com:office:powerpoint" xmlns:com="http://schemas.openxmlformats.org/drawingml/2006/compatibility" xmlns:p14="http://schemas.microsoft.com/office/powerpoint/2010/main" xmlns:p15="http://schemas.microsoft.com/office/powerpoint/2012/main" xmlns:ahyp="http://schemas.microsoft.com/office/drawing/2018/hyperlinkcolor" matchingName="One column text">
+<p:sldLayout xmlns:a="http://schemas.openxmlformats.org/drawingml/2006/main" xmlns:r="http://schemas.openxmlformats.org/officeDocument/2006/relationships" xmlns:p="http://schemas.openxmlformats.org/presentationml/2006/main" matchingName="One column text">
   <p:cSld name="ONE_COLUMN_TEXT">
     <p:spTree>
       <p:nvGrpSpPr>
-        <p:cNvPr id="62" name="Shape 62"/>
+        <p:cNvPr id="1" name="Shape 62"/>
         <p:cNvGrpSpPr/>
         <p:nvPr/>
       </p:nvGrpSpPr>
@@ -5540,7 +5558,7 @@
             </a:xfrm>
             <a:prstGeom prst="diagStripe">
               <a:avLst>
-                <a:gd fmla="val 50000" name="adj"/>
+                <a:gd name="adj" fmla="val 50000"/>
               </a:avLst>
             </a:prstGeom>
             <a:solidFill>
@@ -5551,12 +5569,12 @@
             </a:ln>
           </p:spPr>
           <p:txBody>
-            <a:bodyPr anchorCtr="0" anchor="ctr" bIns="91425" lIns="91425" spcFirstLastPara="1" rIns="91425" wrap="square" tIns="91425">
+            <a:bodyPr spcFirstLastPara="1" wrap="square" lIns="91425" tIns="91425" rIns="91425" bIns="91425" anchor="ctr" anchorCtr="0">
               <a:noAutofit/>
             </a:bodyPr>
             <a:lstStyle/>
             <a:p>
-              <a:pPr indent="0" lvl="0" marL="0" rtl="0" algn="l">
+              <a:pPr marL="0" lvl="0" indent="0" algn="l" rtl="0">
                 <a:spcBef>
                   <a:spcPts val="0"/>
                 </a:spcBef>
@@ -5565,9 +5583,6 @@
                 </a:spcAft>
                 <a:buNone/>
               </a:pPr>
-              <a:r>
-                <a:t/>
-              </a:r>
               <a:endParaRPr/>
             </a:p>
           </p:txBody>
@@ -5585,7 +5600,7 @@
             </a:xfrm>
             <a:prstGeom prst="diagStripe">
               <a:avLst>
-                <a:gd fmla="val 50000" name="adj"/>
+                <a:gd name="adj" fmla="val 50000"/>
               </a:avLst>
             </a:prstGeom>
             <a:solidFill>
@@ -5596,12 +5611,12 @@
             </a:ln>
           </p:spPr>
           <p:txBody>
-            <a:bodyPr anchorCtr="0" anchor="ctr" bIns="91425" lIns="91425" spcFirstLastPara="1" rIns="91425" wrap="square" tIns="91425">
+            <a:bodyPr spcFirstLastPara="1" wrap="square" lIns="91425" tIns="91425" rIns="91425" bIns="91425" anchor="ctr" anchorCtr="0">
               <a:noAutofit/>
             </a:bodyPr>
             <a:lstStyle/>
             <a:p>
-              <a:pPr indent="0" lvl="0" marL="0" rtl="0" algn="l">
+              <a:pPr marL="0" lvl="0" indent="0" algn="l" rtl="0">
                 <a:spcBef>
                   <a:spcPts val="0"/>
                 </a:spcBef>
@@ -5610,9 +5625,6 @@
                 </a:spcAft>
                 <a:buNone/>
               </a:pPr>
-              <a:r>
-                <a:t/>
-              </a:r>
               <a:endParaRPr/>
             </a:p>
           </p:txBody>
@@ -5621,7 +5633,9 @@
       <p:sp>
         <p:nvSpPr>
           <p:cNvPr id="66" name="Google Shape;66;p7"/>
-          <p:cNvSpPr txBox="1"/>
+          <p:cNvSpPr txBox="1">
+            <a:spLocks noGrp="1"/>
+          </p:cNvSpPr>
           <p:nvPr>
             <p:ph type="title"/>
           </p:nvPr>
@@ -5636,7 +5650,7 @@
           </a:prstGeom>
         </p:spPr>
         <p:txBody>
-          <a:bodyPr anchorCtr="0" anchor="t" bIns="91425" lIns="91425" spcFirstLastPara="1" rIns="91425" wrap="square" tIns="91425">
+          <a:bodyPr spcFirstLastPara="1" wrap="square" lIns="91425" tIns="91425" rIns="91425" bIns="91425" anchor="t" anchorCtr="0">
             <a:normAutofit/>
           </a:bodyPr>
           <a:lstStyle>
@@ -5740,15 +5754,19 @@
               <a:defRPr sz="2400"/>
             </a:lvl9pPr>
           </a:lstStyle>
-          <a:p/>
+          <a:p>
+            <a:endParaRPr/>
+          </a:p>
         </p:txBody>
       </p:sp>
       <p:sp>
         <p:nvSpPr>
           <p:cNvPr id="67" name="Google Shape;67;p7"/>
-          <p:cNvSpPr txBox="1"/>
+          <p:cNvSpPr txBox="1">
+            <a:spLocks noGrp="1"/>
+          </p:cNvSpPr>
           <p:nvPr>
-            <p:ph idx="1" type="body"/>
+            <p:ph type="body" idx="1"/>
           </p:nvPr>
         </p:nvSpPr>
         <p:spPr>
@@ -5761,11 +5779,11 @@
           </a:prstGeom>
         </p:spPr>
         <p:txBody>
-          <a:bodyPr anchorCtr="0" anchor="t" bIns="91425" lIns="91425" spcFirstLastPara="1" rIns="91425" wrap="square" tIns="91425">
+          <a:bodyPr spcFirstLastPara="1" wrap="square" lIns="91425" tIns="91425" rIns="91425" bIns="91425" anchor="t" anchorCtr="0">
             <a:normAutofit/>
           </a:bodyPr>
           <a:lstStyle>
-            <a:lvl1pPr indent="-311150" lvl="0" marL="457200">
+            <a:lvl1pPr marL="457200" lvl="0" indent="-311150">
               <a:spcBef>
                 <a:spcPts val="0"/>
               </a:spcBef>
@@ -5776,7 +5794,7 @@
               <a:buChar char="●"/>
               <a:defRPr/>
             </a:lvl1pPr>
-            <a:lvl2pPr indent="-298450" lvl="1" marL="914400">
+            <a:lvl2pPr marL="914400" lvl="1" indent="-298450">
               <a:spcBef>
                 <a:spcPts val="0"/>
               </a:spcBef>
@@ -5787,7 +5805,7 @@
               <a:buChar char="○"/>
               <a:defRPr/>
             </a:lvl2pPr>
-            <a:lvl3pPr indent="-298450" lvl="2" marL="1371600">
+            <a:lvl3pPr marL="1371600" lvl="2" indent="-298450">
               <a:spcBef>
                 <a:spcPts val="0"/>
               </a:spcBef>
@@ -5798,7 +5816,7 @@
               <a:buChar char="■"/>
               <a:defRPr/>
             </a:lvl3pPr>
-            <a:lvl4pPr indent="-298450" lvl="3" marL="1828800">
+            <a:lvl4pPr marL="1828800" lvl="3" indent="-298450">
               <a:spcBef>
                 <a:spcPts val="0"/>
               </a:spcBef>
@@ -5809,7 +5827,7 @@
               <a:buChar char="●"/>
               <a:defRPr/>
             </a:lvl4pPr>
-            <a:lvl5pPr indent="-298450" lvl="4" marL="2286000">
+            <a:lvl5pPr marL="2286000" lvl="4" indent="-298450">
               <a:spcBef>
                 <a:spcPts val="0"/>
               </a:spcBef>
@@ -5820,7 +5838,7 @@
               <a:buChar char="○"/>
               <a:defRPr/>
             </a:lvl5pPr>
-            <a:lvl6pPr indent="-298450" lvl="5" marL="2743200">
+            <a:lvl6pPr marL="2743200" lvl="5" indent="-298450">
               <a:spcBef>
                 <a:spcPts val="0"/>
               </a:spcBef>
@@ -5831,7 +5849,7 @@
               <a:buChar char="■"/>
               <a:defRPr/>
             </a:lvl6pPr>
-            <a:lvl7pPr indent="-298450" lvl="6" marL="3200400">
+            <a:lvl7pPr marL="3200400" lvl="6" indent="-298450">
               <a:spcBef>
                 <a:spcPts val="0"/>
               </a:spcBef>
@@ -5842,7 +5860,7 @@
               <a:buChar char="●"/>
               <a:defRPr/>
             </a:lvl7pPr>
-            <a:lvl8pPr indent="-298450" lvl="7" marL="3657600">
+            <a:lvl8pPr marL="3657600" lvl="7" indent="-298450">
               <a:spcBef>
                 <a:spcPts val="0"/>
               </a:spcBef>
@@ -5853,7 +5871,7 @@
               <a:buChar char="○"/>
               <a:defRPr/>
             </a:lvl8pPr>
-            <a:lvl9pPr indent="-298450" lvl="8" marL="4114800">
+            <a:lvl9pPr marL="4114800" lvl="8" indent="-298450">
               <a:spcBef>
                 <a:spcPts val="0"/>
               </a:spcBef>
@@ -5865,15 +5883,19 @@
               <a:defRPr/>
             </a:lvl9pPr>
           </a:lstStyle>
-          <a:p/>
+          <a:p>
+            <a:endParaRPr/>
+          </a:p>
         </p:txBody>
       </p:sp>
       <p:sp>
         <p:nvSpPr>
           <p:cNvPr id="68" name="Google Shape;68;p7"/>
-          <p:cNvSpPr txBox="1"/>
+          <p:cNvSpPr txBox="1">
+            <a:spLocks noGrp="1"/>
+          </p:cNvSpPr>
           <p:nvPr>
-            <p:ph idx="12" type="sldNum"/>
+            <p:ph type="sldNum" idx="12"/>
           </p:nvPr>
         </p:nvSpPr>
         <p:spPr>
@@ -5886,7 +5908,7 @@
           </a:prstGeom>
         </p:spPr>
         <p:txBody>
-          <a:bodyPr anchorCtr="0" anchor="ctr" bIns="91425" lIns="91425" spcFirstLastPara="1" rIns="91425" wrap="square" tIns="91425">
+          <a:bodyPr spcFirstLastPara="1" wrap="square" lIns="91425" tIns="91425" rIns="91425" bIns="91425" anchor="ctr" anchorCtr="0">
             <a:normAutofit/>
           </a:bodyPr>
           <a:lstStyle>
@@ -5928,7 +5950,7 @@
             </a:lvl9pPr>
           </a:lstStyle>
           <a:p>
-            <a:pPr indent="0" lvl="0" marL="0" rtl="0" algn="r">
+            <a:pPr marL="0" lvl="0" indent="0" algn="r" rtl="0">
               <a:spcBef>
                 <a:spcPts val="0"/>
               </a:spcBef>
@@ -5954,11 +5976,11 @@
 </file>
 
 <file path=ppt/slideLayouts/slideLayout7.xml><?xml version="1.0" encoding="utf-8"?>
-<p:sldLayout xmlns:a="http://schemas.openxmlformats.org/drawingml/2006/main" xmlns:r="http://schemas.openxmlformats.org/officeDocument/2006/relationships" xmlns:mc="http://schemas.openxmlformats.org/markup-compatibility/2006" xmlns:mv="urn:schemas-microsoft-com:mac:vml" xmlns:p="http://schemas.openxmlformats.org/presentationml/2006/main" xmlns:c="http://schemas.openxmlformats.org/drawingml/2006/chart" xmlns:dgm="http://schemas.openxmlformats.org/drawingml/2006/diagram" xmlns:o="urn:schemas-microsoft-com:office:office" xmlns:v="urn:schemas-microsoft-com:vml" xmlns:pvml="urn:schemas-microsoft-com:office:powerpoint" xmlns:com="http://schemas.openxmlformats.org/drawingml/2006/compatibility" xmlns:p14="http://schemas.microsoft.com/office/powerpoint/2010/main" xmlns:p15="http://schemas.microsoft.com/office/powerpoint/2012/main" xmlns:ahyp="http://schemas.microsoft.com/office/drawing/2018/hyperlinkcolor" matchingName="Main point">
+<p:sldLayout xmlns:a="http://schemas.openxmlformats.org/drawingml/2006/main" xmlns:r="http://schemas.openxmlformats.org/officeDocument/2006/relationships" xmlns:p="http://schemas.openxmlformats.org/presentationml/2006/main" matchingName="Main point">
   <p:cSld name="MAIN_POINT">
     <p:spTree>
       <p:nvGrpSpPr>
-        <p:cNvPr id="69" name="Shape 69"/>
+        <p:cNvPr id="1" name="Shape 69"/>
         <p:cNvGrpSpPr/>
         <p:nvPr/>
       </p:nvGrpSpPr>
@@ -5997,7 +6019,7 @@
             </a:xfrm>
             <a:prstGeom prst="diagStripe">
               <a:avLst>
-                <a:gd fmla="val 49469" name="adj"/>
+                <a:gd name="adj" fmla="val 49469"/>
               </a:avLst>
             </a:prstGeom>
             <a:solidFill>
@@ -6010,12 +6032,12 @@
             </a:ln>
           </p:spPr>
           <p:txBody>
-            <a:bodyPr anchorCtr="0" anchor="ctr" bIns="91425" lIns="91425" spcFirstLastPara="1" rIns="91425" wrap="square" tIns="91425">
+            <a:bodyPr spcFirstLastPara="1" wrap="square" lIns="91425" tIns="91425" rIns="91425" bIns="91425" anchor="ctr" anchorCtr="0">
               <a:noAutofit/>
             </a:bodyPr>
             <a:lstStyle/>
             <a:p>
-              <a:pPr indent="0" lvl="0" marL="0" rtl="0" algn="l">
+              <a:pPr marL="0" lvl="0" indent="0" algn="l" rtl="0">
                 <a:spcBef>
                   <a:spcPts val="0"/>
                 </a:spcBef>
@@ -6024,9 +6046,6 @@
                 </a:spcAft>
                 <a:buNone/>
               </a:pPr>
-              <a:r>
-                <a:t/>
-              </a:r>
               <a:endParaRPr/>
             </a:p>
           </p:txBody>
@@ -6044,7 +6063,7 @@
             </a:xfrm>
             <a:prstGeom prst="diagStripe">
               <a:avLst>
-                <a:gd fmla="val 0" name="adj"/>
+                <a:gd name="adj" fmla="val 0"/>
               </a:avLst>
             </a:prstGeom>
             <a:solidFill>
@@ -6057,12 +6076,12 @@
             </a:ln>
           </p:spPr>
           <p:txBody>
-            <a:bodyPr anchorCtr="0" anchor="ctr" bIns="91425" lIns="91425" spcFirstLastPara="1" rIns="91425" wrap="square" tIns="91425">
+            <a:bodyPr spcFirstLastPara="1" wrap="square" lIns="91425" tIns="91425" rIns="91425" bIns="91425" anchor="ctr" anchorCtr="0">
               <a:noAutofit/>
             </a:bodyPr>
             <a:lstStyle/>
             <a:p>
-              <a:pPr indent="0" lvl="0" marL="0" rtl="0" algn="l">
+              <a:pPr marL="0" lvl="0" indent="0" algn="l" rtl="0">
                 <a:spcBef>
                   <a:spcPts val="0"/>
                 </a:spcBef>
@@ -6071,9 +6090,6 @@
                 </a:spcAft>
                 <a:buNone/>
               </a:pPr>
-              <a:r>
-                <a:t/>
-              </a:r>
               <a:endParaRPr/>
             </a:p>
           </p:txBody>
@@ -6091,7 +6107,7 @@
             </a:xfrm>
             <a:prstGeom prst="diagStripe">
               <a:avLst>
-                <a:gd fmla="val 50000" name="adj"/>
+                <a:gd name="adj" fmla="val 50000"/>
               </a:avLst>
             </a:prstGeom>
             <a:solidFill>
@@ -6104,12 +6120,12 @@
             </a:ln>
           </p:spPr>
           <p:txBody>
-            <a:bodyPr anchorCtr="0" anchor="ctr" bIns="91425" lIns="91425" spcFirstLastPara="1" rIns="91425" wrap="square" tIns="91425">
+            <a:bodyPr spcFirstLastPara="1" wrap="square" lIns="91425" tIns="91425" rIns="91425" bIns="91425" anchor="ctr" anchorCtr="0">
               <a:noAutofit/>
             </a:bodyPr>
             <a:lstStyle/>
             <a:p>
-              <a:pPr indent="0" lvl="0" marL="0" rtl="0" algn="l">
+              <a:pPr marL="0" lvl="0" indent="0" algn="l" rtl="0">
                 <a:spcBef>
                   <a:spcPts val="0"/>
                 </a:spcBef>
@@ -6118,9 +6134,6 @@
                 </a:spcAft>
                 <a:buNone/>
               </a:pPr>
-              <a:r>
-                <a:t/>
-              </a:r>
               <a:endParaRPr/>
             </a:p>
           </p:txBody>
@@ -6138,7 +6151,7 @@
             </a:xfrm>
             <a:prstGeom prst="diagStripe">
               <a:avLst>
-                <a:gd fmla="val 50000" name="adj"/>
+                <a:gd name="adj" fmla="val 50000"/>
               </a:avLst>
             </a:prstGeom>
             <a:solidFill>
@@ -6151,12 +6164,12 @@
             </a:ln>
           </p:spPr>
           <p:txBody>
-            <a:bodyPr anchorCtr="0" anchor="ctr" bIns="91425" lIns="91425" spcFirstLastPara="1" rIns="91425" wrap="square" tIns="91425">
+            <a:bodyPr spcFirstLastPara="1" wrap="square" lIns="91425" tIns="91425" rIns="91425" bIns="91425" anchor="ctr" anchorCtr="0">
               <a:noAutofit/>
             </a:bodyPr>
             <a:lstStyle/>
             <a:p>
-              <a:pPr indent="0" lvl="0" marL="0" rtl="0" algn="l">
+              <a:pPr marL="0" lvl="0" indent="0" algn="l" rtl="0">
                 <a:spcBef>
                   <a:spcPts val="0"/>
                 </a:spcBef>
@@ -6165,9 +6178,6 @@
                 </a:spcAft>
                 <a:buNone/>
               </a:pPr>
-              <a:r>
-                <a:t/>
-              </a:r>
               <a:endParaRPr/>
             </a:p>
           </p:txBody>
@@ -6185,7 +6195,7 @@
             </a:xfrm>
             <a:prstGeom prst="diagStripe">
               <a:avLst>
-                <a:gd fmla="val 50000" name="adj"/>
+                <a:gd name="adj" fmla="val 50000"/>
               </a:avLst>
             </a:prstGeom>
             <a:solidFill>
@@ -6198,12 +6208,12 @@
             </a:ln>
           </p:spPr>
           <p:txBody>
-            <a:bodyPr anchorCtr="0" anchor="ctr" bIns="91425" lIns="91425" spcFirstLastPara="1" rIns="91425" wrap="square" tIns="91425">
+            <a:bodyPr spcFirstLastPara="1" wrap="square" lIns="91425" tIns="91425" rIns="91425" bIns="91425" anchor="ctr" anchorCtr="0">
               <a:noAutofit/>
             </a:bodyPr>
             <a:lstStyle/>
             <a:p>
-              <a:pPr indent="0" lvl="0" marL="0" rtl="0" algn="l">
+              <a:pPr marL="0" lvl="0" indent="0" algn="l" rtl="0">
                 <a:spcBef>
                   <a:spcPts val="0"/>
                 </a:spcBef>
@@ -6212,9 +6222,6 @@
                 </a:spcAft>
                 <a:buNone/>
               </a:pPr>
-              <a:r>
-                <a:t/>
-              </a:r>
               <a:endParaRPr/>
             </a:p>
           </p:txBody>
@@ -6232,7 +6239,7 @@
             </a:xfrm>
             <a:prstGeom prst="diagStripe">
               <a:avLst>
-                <a:gd fmla="val 50000" name="adj"/>
+                <a:gd name="adj" fmla="val 50000"/>
               </a:avLst>
             </a:prstGeom>
             <a:solidFill>
@@ -6245,12 +6252,12 @@
             </a:ln>
           </p:spPr>
           <p:txBody>
-            <a:bodyPr anchorCtr="0" anchor="ctr" bIns="91425" lIns="91425" spcFirstLastPara="1" rIns="91425" wrap="square" tIns="91425">
+            <a:bodyPr spcFirstLastPara="1" wrap="square" lIns="91425" tIns="91425" rIns="91425" bIns="91425" anchor="ctr" anchorCtr="0">
               <a:noAutofit/>
             </a:bodyPr>
             <a:lstStyle/>
             <a:p>
-              <a:pPr indent="0" lvl="0" marL="0" rtl="0" algn="l">
+              <a:pPr marL="0" lvl="0" indent="0" algn="l" rtl="0">
                 <a:spcBef>
                   <a:spcPts val="0"/>
                 </a:spcBef>
@@ -6259,9 +6266,6 @@
                 </a:spcAft>
                 <a:buNone/>
               </a:pPr>
-              <a:r>
-                <a:t/>
-              </a:r>
               <a:endParaRPr/>
             </a:p>
           </p:txBody>
@@ -6279,7 +6283,7 @@
             </a:xfrm>
             <a:prstGeom prst="diagStripe">
               <a:avLst>
-                <a:gd fmla="val 50000" name="adj"/>
+                <a:gd name="adj" fmla="val 50000"/>
               </a:avLst>
             </a:prstGeom>
             <a:solidFill>
@@ -6292,12 +6296,12 @@
             </a:ln>
           </p:spPr>
           <p:txBody>
-            <a:bodyPr anchorCtr="0" anchor="ctr" bIns="91425" lIns="91425" spcFirstLastPara="1" rIns="91425" wrap="square" tIns="91425">
+            <a:bodyPr spcFirstLastPara="1" wrap="square" lIns="91425" tIns="91425" rIns="91425" bIns="91425" anchor="ctr" anchorCtr="0">
               <a:noAutofit/>
             </a:bodyPr>
             <a:lstStyle/>
             <a:p>
-              <a:pPr indent="0" lvl="0" marL="0" rtl="0" algn="l">
+              <a:pPr marL="0" lvl="0" indent="0" algn="l" rtl="0">
                 <a:spcBef>
                   <a:spcPts val="0"/>
                 </a:spcBef>
@@ -6306,9 +6310,6 @@
                 </a:spcAft>
                 <a:buNone/>
               </a:pPr>
-              <a:r>
-                <a:t/>
-              </a:r>
               <a:endParaRPr/>
             </a:p>
           </p:txBody>
@@ -6326,7 +6327,7 @@
             </a:xfrm>
             <a:prstGeom prst="diagStripe">
               <a:avLst>
-                <a:gd fmla="val 50000" name="adj"/>
+                <a:gd name="adj" fmla="val 50000"/>
               </a:avLst>
             </a:prstGeom>
             <a:solidFill>
@@ -6337,12 +6338,12 @@
             </a:ln>
           </p:spPr>
           <p:txBody>
-            <a:bodyPr anchorCtr="0" anchor="ctr" bIns="91425" lIns="91425" spcFirstLastPara="1" rIns="91425" wrap="square" tIns="91425">
+            <a:bodyPr spcFirstLastPara="1" wrap="square" lIns="91425" tIns="91425" rIns="91425" bIns="91425" anchor="ctr" anchorCtr="0">
               <a:noAutofit/>
             </a:bodyPr>
             <a:lstStyle/>
             <a:p>
-              <a:pPr indent="0" lvl="0" marL="0" rtl="0" algn="l">
+              <a:pPr marL="0" lvl="0" indent="0" algn="l" rtl="0">
                 <a:spcBef>
                   <a:spcPts val="0"/>
                 </a:spcBef>
@@ -6351,9 +6352,6 @@
                 </a:spcAft>
                 <a:buNone/>
               </a:pPr>
-              <a:r>
-                <a:t/>
-              </a:r>
               <a:endParaRPr/>
             </a:p>
           </p:txBody>
@@ -6371,7 +6369,7 @@
             </a:xfrm>
             <a:prstGeom prst="diagStripe">
               <a:avLst>
-                <a:gd fmla="val 50000" name="adj"/>
+                <a:gd name="adj" fmla="val 50000"/>
               </a:avLst>
             </a:prstGeom>
             <a:solidFill>
@@ -6384,12 +6382,12 @@
             </a:ln>
           </p:spPr>
           <p:txBody>
-            <a:bodyPr anchorCtr="0" anchor="ctr" bIns="91425" lIns="91425" spcFirstLastPara="1" rIns="91425" wrap="square" tIns="91425">
+            <a:bodyPr spcFirstLastPara="1" wrap="square" lIns="91425" tIns="91425" rIns="91425" bIns="91425" anchor="ctr" anchorCtr="0">
               <a:noAutofit/>
             </a:bodyPr>
             <a:lstStyle/>
             <a:p>
-              <a:pPr indent="0" lvl="0" marL="0" rtl="0" algn="l">
+              <a:pPr marL="0" lvl="0" indent="0" algn="l" rtl="0">
                 <a:spcBef>
                   <a:spcPts val="0"/>
                 </a:spcBef>
@@ -6398,9 +6396,6 @@
                 </a:spcAft>
                 <a:buNone/>
               </a:pPr>
-              <a:r>
-                <a:t/>
-              </a:r>
               <a:endParaRPr/>
             </a:p>
           </p:txBody>
@@ -6418,7 +6413,7 @@
             </a:xfrm>
             <a:prstGeom prst="diagStripe">
               <a:avLst>
-                <a:gd fmla="val 50000" name="adj"/>
+                <a:gd name="adj" fmla="val 50000"/>
               </a:avLst>
             </a:prstGeom>
             <a:solidFill>
@@ -6431,12 +6426,12 @@
             </a:ln>
           </p:spPr>
           <p:txBody>
-            <a:bodyPr anchorCtr="0" anchor="ctr" bIns="91425" lIns="91425" spcFirstLastPara="1" rIns="91425" wrap="square" tIns="91425">
+            <a:bodyPr spcFirstLastPara="1" wrap="square" lIns="91425" tIns="91425" rIns="91425" bIns="91425" anchor="ctr" anchorCtr="0">
               <a:noAutofit/>
             </a:bodyPr>
             <a:lstStyle/>
             <a:p>
-              <a:pPr indent="0" lvl="0" marL="0" rtl="0" algn="l">
+              <a:pPr marL="0" lvl="0" indent="0" algn="l" rtl="0">
                 <a:spcBef>
                   <a:spcPts val="0"/>
                 </a:spcBef>
@@ -6445,9 +6440,6 @@
                 </a:spcAft>
                 <a:buNone/>
               </a:pPr>
-              <a:r>
-                <a:t/>
-              </a:r>
               <a:endParaRPr/>
             </a:p>
           </p:txBody>
@@ -6465,7 +6457,7 @@
             </a:xfrm>
             <a:prstGeom prst="diagStripe">
               <a:avLst>
-                <a:gd fmla="val 50000" name="adj"/>
+                <a:gd name="adj" fmla="val 50000"/>
               </a:avLst>
             </a:prstGeom>
             <a:solidFill>
@@ -6478,12 +6470,12 @@
             </a:ln>
           </p:spPr>
           <p:txBody>
-            <a:bodyPr anchorCtr="0" anchor="ctr" bIns="91425" lIns="91425" spcFirstLastPara="1" rIns="91425" wrap="square" tIns="91425">
+            <a:bodyPr spcFirstLastPara="1" wrap="square" lIns="91425" tIns="91425" rIns="91425" bIns="91425" anchor="ctr" anchorCtr="0">
               <a:noAutofit/>
             </a:bodyPr>
             <a:lstStyle/>
             <a:p>
-              <a:pPr indent="0" lvl="0" marL="0" rtl="0" algn="l">
+              <a:pPr marL="0" lvl="0" indent="0" algn="l" rtl="0">
                 <a:spcBef>
                   <a:spcPts val="0"/>
                 </a:spcBef>
@@ -6492,9 +6484,6 @@
                 </a:spcAft>
                 <a:buNone/>
               </a:pPr>
-              <a:r>
-                <a:t/>
-              </a:r>
               <a:endParaRPr/>
             </a:p>
           </p:txBody>
@@ -6512,7 +6501,7 @@
             </a:xfrm>
             <a:prstGeom prst="diagStripe">
               <a:avLst>
-                <a:gd fmla="val 50000" name="adj"/>
+                <a:gd name="adj" fmla="val 50000"/>
               </a:avLst>
             </a:prstGeom>
             <a:solidFill>
@@ -6525,12 +6514,12 @@
             </a:ln>
           </p:spPr>
           <p:txBody>
-            <a:bodyPr anchorCtr="0" anchor="ctr" bIns="91425" lIns="91425" spcFirstLastPara="1" rIns="91425" wrap="square" tIns="91425">
+            <a:bodyPr spcFirstLastPara="1" wrap="square" lIns="91425" tIns="91425" rIns="91425" bIns="91425" anchor="ctr" anchorCtr="0">
               <a:noAutofit/>
             </a:bodyPr>
             <a:lstStyle/>
             <a:p>
-              <a:pPr indent="0" lvl="0" marL="0" rtl="0" algn="l">
+              <a:pPr marL="0" lvl="0" indent="0" algn="l" rtl="0">
                 <a:spcBef>
                   <a:spcPts val="0"/>
                 </a:spcBef>
@@ -6539,9 +6528,6 @@
                 </a:spcAft>
                 <a:buNone/>
               </a:pPr>
-              <a:r>
-                <a:t/>
-              </a:r>
               <a:endParaRPr/>
             </a:p>
           </p:txBody>
@@ -6559,7 +6545,7 @@
             </a:xfrm>
             <a:prstGeom prst="diagStripe">
               <a:avLst>
-                <a:gd fmla="val 50000" name="adj"/>
+                <a:gd name="adj" fmla="val 50000"/>
               </a:avLst>
             </a:prstGeom>
             <a:solidFill>
@@ -6572,12 +6558,12 @@
             </a:ln>
           </p:spPr>
           <p:txBody>
-            <a:bodyPr anchorCtr="0" anchor="ctr" bIns="91425" lIns="91425" spcFirstLastPara="1" rIns="91425" wrap="square" tIns="91425">
+            <a:bodyPr spcFirstLastPara="1" wrap="square" lIns="91425" tIns="91425" rIns="91425" bIns="91425" anchor="ctr" anchorCtr="0">
               <a:noAutofit/>
             </a:bodyPr>
             <a:lstStyle/>
             <a:p>
-              <a:pPr indent="0" lvl="0" marL="0" rtl="0" algn="l">
+              <a:pPr marL="0" lvl="0" indent="0" algn="l" rtl="0">
                 <a:spcBef>
                   <a:spcPts val="0"/>
                 </a:spcBef>
@@ -6586,9 +6572,6 @@
                 </a:spcAft>
                 <a:buNone/>
               </a:pPr>
-              <a:r>
-                <a:t/>
-              </a:r>
               <a:endParaRPr/>
             </a:p>
           </p:txBody>
@@ -6606,7 +6589,7 @@
             </a:xfrm>
             <a:prstGeom prst="diagStripe">
               <a:avLst>
-                <a:gd fmla="val 50000" name="adj"/>
+                <a:gd name="adj" fmla="val 50000"/>
               </a:avLst>
             </a:prstGeom>
             <a:solidFill>
@@ -6617,12 +6600,12 @@
             </a:ln>
           </p:spPr>
           <p:txBody>
-            <a:bodyPr anchorCtr="0" anchor="ctr" bIns="91425" lIns="91425" spcFirstLastPara="1" rIns="91425" wrap="square" tIns="91425">
+            <a:bodyPr spcFirstLastPara="1" wrap="square" lIns="91425" tIns="91425" rIns="91425" bIns="91425" anchor="ctr" anchorCtr="0">
               <a:noAutofit/>
             </a:bodyPr>
             <a:lstStyle/>
             <a:p>
-              <a:pPr indent="0" lvl="0" marL="0" rtl="0" algn="l">
+              <a:pPr marL="0" lvl="0" indent="0" algn="l" rtl="0">
                 <a:spcBef>
                   <a:spcPts val="0"/>
                 </a:spcBef>
@@ -6631,9 +6614,6 @@
                 </a:spcAft>
                 <a:buNone/>
               </a:pPr>
-              <a:r>
-                <a:t/>
-              </a:r>
               <a:endParaRPr/>
             </a:p>
           </p:txBody>
@@ -6651,7 +6631,7 @@
             </a:xfrm>
             <a:prstGeom prst="diagStripe">
               <a:avLst>
-                <a:gd fmla="val 50000" name="adj"/>
+                <a:gd name="adj" fmla="val 50000"/>
               </a:avLst>
             </a:prstGeom>
             <a:solidFill>
@@ -6664,12 +6644,12 @@
             </a:ln>
           </p:spPr>
           <p:txBody>
-            <a:bodyPr anchorCtr="0" anchor="ctr" bIns="91425" lIns="91425" spcFirstLastPara="1" rIns="91425" wrap="square" tIns="91425">
+            <a:bodyPr spcFirstLastPara="1" wrap="square" lIns="91425" tIns="91425" rIns="91425" bIns="91425" anchor="ctr" anchorCtr="0">
               <a:noAutofit/>
             </a:bodyPr>
             <a:lstStyle/>
             <a:p>
-              <a:pPr indent="0" lvl="0" marL="0" rtl="0" algn="l">
+              <a:pPr marL="0" lvl="0" indent="0" algn="l" rtl="0">
                 <a:spcBef>
                   <a:spcPts val="0"/>
                 </a:spcBef>
@@ -6678,9 +6658,6 @@
                 </a:spcAft>
                 <a:buNone/>
               </a:pPr>
-              <a:r>
-                <a:t/>
-              </a:r>
               <a:endParaRPr/>
             </a:p>
           </p:txBody>
@@ -6698,7 +6675,7 @@
             </a:xfrm>
             <a:prstGeom prst="diagStripe">
               <a:avLst>
-                <a:gd fmla="val 50000" name="adj"/>
+                <a:gd name="adj" fmla="val 50000"/>
               </a:avLst>
             </a:prstGeom>
             <a:solidFill>
@@ -6711,12 +6688,12 @@
             </a:ln>
           </p:spPr>
           <p:txBody>
-            <a:bodyPr anchorCtr="0" anchor="ctr" bIns="91425" lIns="91425" spcFirstLastPara="1" rIns="91425" wrap="square" tIns="91425">
+            <a:bodyPr spcFirstLastPara="1" wrap="square" lIns="91425" tIns="91425" rIns="91425" bIns="91425" anchor="ctr" anchorCtr="0">
               <a:noAutofit/>
             </a:bodyPr>
             <a:lstStyle/>
             <a:p>
-              <a:pPr indent="0" lvl="0" marL="0" rtl="0" algn="l">
+              <a:pPr marL="0" lvl="0" indent="0" algn="l" rtl="0">
                 <a:spcBef>
                   <a:spcPts val="0"/>
                 </a:spcBef>
@@ -6725,9 +6702,6 @@
                 </a:spcAft>
                 <a:buNone/>
               </a:pPr>
-              <a:r>
-                <a:t/>
-              </a:r>
               <a:endParaRPr/>
             </a:p>
           </p:txBody>
@@ -6745,7 +6719,7 @@
             </a:xfrm>
             <a:prstGeom prst="diagStripe">
               <a:avLst>
-                <a:gd fmla="val 50000" name="adj"/>
+                <a:gd name="adj" fmla="val 50000"/>
               </a:avLst>
             </a:prstGeom>
             <a:solidFill>
@@ -6758,12 +6732,12 @@
             </a:ln>
           </p:spPr>
           <p:txBody>
-            <a:bodyPr anchorCtr="0" anchor="ctr" bIns="91425" lIns="91425" spcFirstLastPara="1" rIns="91425" wrap="square" tIns="91425">
+            <a:bodyPr spcFirstLastPara="1" wrap="square" lIns="91425" tIns="91425" rIns="91425" bIns="91425" anchor="ctr" anchorCtr="0">
               <a:noAutofit/>
             </a:bodyPr>
             <a:lstStyle/>
             <a:p>
-              <a:pPr indent="0" lvl="0" marL="0" rtl="0" algn="l">
+              <a:pPr marL="0" lvl="0" indent="0" algn="l" rtl="0">
                 <a:spcBef>
                   <a:spcPts val="0"/>
                 </a:spcBef>
@@ -6772,9 +6746,6 @@
                 </a:spcAft>
                 <a:buNone/>
               </a:pPr>
-              <a:r>
-                <a:t/>
-              </a:r>
               <a:endParaRPr/>
             </a:p>
           </p:txBody>
@@ -6792,7 +6763,7 @@
             </a:xfrm>
             <a:prstGeom prst="diagStripe">
               <a:avLst>
-                <a:gd fmla="val 50000" name="adj"/>
+                <a:gd name="adj" fmla="val 50000"/>
               </a:avLst>
             </a:prstGeom>
             <a:solidFill>
@@ -6805,12 +6776,12 @@
             </a:ln>
           </p:spPr>
           <p:txBody>
-            <a:bodyPr anchorCtr="0" anchor="ctr" bIns="91425" lIns="91425" spcFirstLastPara="1" rIns="91425" wrap="square" tIns="91425">
+            <a:bodyPr spcFirstLastPara="1" wrap="square" lIns="91425" tIns="91425" rIns="91425" bIns="91425" anchor="ctr" anchorCtr="0">
               <a:noAutofit/>
             </a:bodyPr>
             <a:lstStyle/>
             <a:p>
-              <a:pPr indent="0" lvl="0" marL="0" rtl="0" algn="l">
+              <a:pPr marL="0" lvl="0" indent="0" algn="l" rtl="0">
                 <a:spcBef>
                   <a:spcPts val="0"/>
                 </a:spcBef>
@@ -6819,9 +6790,6 @@
                 </a:spcAft>
                 <a:buNone/>
               </a:pPr>
-              <a:r>
-                <a:t/>
-              </a:r>
               <a:endParaRPr/>
             </a:p>
           </p:txBody>
@@ -6830,7 +6798,9 @@
       <p:sp>
         <p:nvSpPr>
           <p:cNvPr id="89" name="Google Shape;89;p8"/>
-          <p:cNvSpPr txBox="1"/>
+          <p:cNvSpPr txBox="1">
+            <a:spLocks noGrp="1"/>
+          </p:cNvSpPr>
           <p:nvPr>
             <p:ph type="title"/>
           </p:nvPr>
@@ -6845,7 +6815,7 @@
           </a:prstGeom>
         </p:spPr>
         <p:txBody>
-          <a:bodyPr anchorCtr="0" anchor="ctr" bIns="91425" lIns="91425" spcFirstLastPara="1" rIns="91425" wrap="square" tIns="91425">
+          <a:bodyPr spcFirstLastPara="1" wrap="square" lIns="91425" tIns="91425" rIns="91425" bIns="91425" anchor="ctr" anchorCtr="0">
             <a:normAutofit/>
           </a:bodyPr>
           <a:lstStyle>
@@ -6949,15 +6919,19 @@
               <a:defRPr/>
             </a:lvl9pPr>
           </a:lstStyle>
-          <a:p/>
+          <a:p>
+            <a:endParaRPr/>
+          </a:p>
         </p:txBody>
       </p:sp>
       <p:sp>
         <p:nvSpPr>
           <p:cNvPr id="90" name="Google Shape;90;p8"/>
-          <p:cNvSpPr txBox="1"/>
+          <p:cNvSpPr txBox="1">
+            <a:spLocks noGrp="1"/>
+          </p:cNvSpPr>
           <p:nvPr>
-            <p:ph idx="12" type="sldNum"/>
+            <p:ph type="sldNum" idx="12"/>
           </p:nvPr>
         </p:nvSpPr>
         <p:spPr>
@@ -6970,7 +6944,7 @@
           </a:prstGeom>
         </p:spPr>
         <p:txBody>
-          <a:bodyPr anchorCtr="0" anchor="ctr" bIns="91425" lIns="91425" spcFirstLastPara="1" rIns="91425" wrap="square" tIns="91425">
+          <a:bodyPr spcFirstLastPara="1" wrap="square" lIns="91425" tIns="91425" rIns="91425" bIns="91425" anchor="ctr" anchorCtr="0">
             <a:normAutofit/>
           </a:bodyPr>
           <a:lstStyle>
@@ -7012,7 +6986,7 @@
             </a:lvl9pPr>
           </a:lstStyle>
           <a:p>
-            <a:pPr indent="0" lvl="0" marL="0" rtl="0" algn="r">
+            <a:pPr marL="0" lvl="0" indent="0" algn="r" rtl="0">
               <a:spcBef>
                 <a:spcPts val="0"/>
               </a:spcBef>
@@ -7038,11 +7012,11 @@
 </file>
 
 <file path=ppt/slideLayouts/slideLayout8.xml><?xml version="1.0" encoding="utf-8"?>
-<p:sldLayout xmlns:a="http://schemas.openxmlformats.org/drawingml/2006/main" xmlns:r="http://schemas.openxmlformats.org/officeDocument/2006/relationships" xmlns:mc="http://schemas.openxmlformats.org/markup-compatibility/2006" xmlns:mv="urn:schemas-microsoft-com:mac:vml" xmlns:p="http://schemas.openxmlformats.org/presentationml/2006/main" xmlns:c="http://schemas.openxmlformats.org/drawingml/2006/chart" xmlns:dgm="http://schemas.openxmlformats.org/drawingml/2006/diagram" xmlns:o="urn:schemas-microsoft-com:office:office" xmlns:v="urn:schemas-microsoft-com:vml" xmlns:pvml="urn:schemas-microsoft-com:office:powerpoint" xmlns:com="http://schemas.openxmlformats.org/drawingml/2006/compatibility" xmlns:p14="http://schemas.microsoft.com/office/powerpoint/2010/main" xmlns:p15="http://schemas.microsoft.com/office/powerpoint/2012/main" xmlns:ahyp="http://schemas.microsoft.com/office/drawing/2018/hyperlinkcolor" matchingName="Section title and description">
+<p:sldLayout xmlns:a="http://schemas.openxmlformats.org/drawingml/2006/main" xmlns:r="http://schemas.openxmlformats.org/officeDocument/2006/relationships" xmlns:p="http://schemas.openxmlformats.org/presentationml/2006/main" matchingName="Section title and description">
   <p:cSld name="SECTION_TITLE_AND_DESCRIPTION">
     <p:spTree>
       <p:nvGrpSpPr>
-        <p:cNvPr id="91" name="Shape 91"/>
+        <p:cNvPr id="1" name="Shape 91"/>
         <p:cNvGrpSpPr/>
         <p:nvPr/>
       </p:nvGrpSpPr>
@@ -7081,7 +7055,7 @@
             </a:xfrm>
             <a:prstGeom prst="diagStripe">
               <a:avLst>
-                <a:gd fmla="val 50000" name="adj"/>
+                <a:gd name="adj" fmla="val 50000"/>
               </a:avLst>
             </a:prstGeom>
             <a:solidFill>
@@ -7092,12 +7066,12 @@
             </a:ln>
           </p:spPr>
           <p:txBody>
-            <a:bodyPr anchorCtr="0" anchor="ctr" bIns="91425" lIns="91425" spcFirstLastPara="1" rIns="91425" wrap="square" tIns="91425">
+            <a:bodyPr spcFirstLastPara="1" wrap="square" lIns="91425" tIns="91425" rIns="91425" bIns="91425" anchor="ctr" anchorCtr="0">
               <a:noAutofit/>
             </a:bodyPr>
             <a:lstStyle/>
             <a:p>
-              <a:pPr indent="0" lvl="0" marL="0" rtl="0" algn="l">
+              <a:pPr marL="0" lvl="0" indent="0" algn="l" rtl="0">
                 <a:spcBef>
                   <a:spcPts val="0"/>
                 </a:spcBef>
@@ -7106,9 +7080,6 @@
                 </a:spcAft>
                 <a:buNone/>
               </a:pPr>
-              <a:r>
-                <a:t/>
-              </a:r>
               <a:endParaRPr/>
             </a:p>
           </p:txBody>
@@ -7126,7 +7097,7 @@
             </a:xfrm>
             <a:prstGeom prst="diagStripe">
               <a:avLst>
-                <a:gd fmla="val 50000" name="adj"/>
+                <a:gd name="adj" fmla="val 50000"/>
               </a:avLst>
             </a:prstGeom>
             <a:solidFill>
@@ -7137,12 +7108,12 @@
             </a:ln>
           </p:spPr>
           <p:txBody>
-            <a:bodyPr anchorCtr="0" anchor="ctr" bIns="91425" lIns="91425" spcFirstLastPara="1" rIns="91425" wrap="square" tIns="91425">
+            <a:bodyPr spcFirstLastPara="1" wrap="square" lIns="91425" tIns="91425" rIns="91425" bIns="91425" anchor="ctr" anchorCtr="0">
               <a:noAutofit/>
             </a:bodyPr>
             <a:lstStyle/>
             <a:p>
-              <a:pPr indent="0" lvl="0" marL="0" rtl="0" algn="l">
+              <a:pPr marL="0" lvl="0" indent="0" algn="l" rtl="0">
                 <a:spcBef>
                   <a:spcPts val="0"/>
                 </a:spcBef>
@@ -7151,9 +7122,6 @@
                 </a:spcAft>
                 <a:buNone/>
               </a:pPr>
-              <a:r>
-                <a:t/>
-              </a:r>
               <a:endParaRPr/>
             </a:p>
           </p:txBody>
@@ -7162,7 +7130,9 @@
       <p:sp>
         <p:nvSpPr>
           <p:cNvPr id="95" name="Google Shape;95;p9"/>
-          <p:cNvSpPr txBox="1"/>
+          <p:cNvSpPr txBox="1">
+            <a:spLocks noGrp="1"/>
+          </p:cNvSpPr>
           <p:nvPr>
             <p:ph type="title"/>
           </p:nvPr>
@@ -7177,7 +7147,7 @@
           </a:prstGeom>
         </p:spPr>
         <p:txBody>
-          <a:bodyPr anchorCtr="0" anchor="t" bIns="91425" lIns="91425" spcFirstLastPara="1" rIns="91425" wrap="square" tIns="91425">
+          <a:bodyPr spcFirstLastPara="1" wrap="square" lIns="91425" tIns="91425" rIns="91425" bIns="91425" anchor="t" anchorCtr="0">
             <a:normAutofit/>
           </a:bodyPr>
           <a:lstStyle>
@@ -7281,15 +7251,19 @@
               <a:defRPr sz="2400"/>
             </a:lvl9pPr>
           </a:lstStyle>
-          <a:p/>
+          <a:p>
+            <a:endParaRPr/>
+          </a:p>
         </p:txBody>
       </p:sp>
       <p:sp>
         <p:nvSpPr>
           <p:cNvPr id="96" name="Google Shape;96;p9"/>
-          <p:cNvSpPr txBox="1"/>
+          <p:cNvSpPr txBox="1">
+            <a:spLocks noGrp="1"/>
+          </p:cNvSpPr>
           <p:nvPr>
-            <p:ph idx="1" type="subTitle"/>
+            <p:ph type="subTitle" idx="1"/>
           </p:nvPr>
         </p:nvSpPr>
         <p:spPr>
@@ -7302,7 +7276,7 @@
           </a:prstGeom>
         </p:spPr>
         <p:txBody>
-          <a:bodyPr anchorCtr="0" anchor="t" bIns="91425" lIns="91425" spcFirstLastPara="1" rIns="91425" wrap="square" tIns="91425">
+          <a:bodyPr spcFirstLastPara="1" wrap="square" lIns="91425" tIns="91425" rIns="91425" bIns="91425" anchor="t" anchorCtr="0">
             <a:normAutofit/>
           </a:bodyPr>
           <a:lstStyle>
@@ -7433,15 +7407,19 @@
               <a:defRPr sz="1300"/>
             </a:lvl9pPr>
           </a:lstStyle>
-          <a:p/>
+          <a:p>
+            <a:endParaRPr/>
+          </a:p>
         </p:txBody>
       </p:sp>
       <p:sp>
         <p:nvSpPr>
           <p:cNvPr id="97" name="Google Shape;97;p9"/>
-          <p:cNvSpPr txBox="1"/>
+          <p:cNvSpPr txBox="1">
+            <a:spLocks noGrp="1"/>
+          </p:cNvSpPr>
           <p:nvPr>
-            <p:ph idx="2" type="body"/>
+            <p:ph type="body" idx="2"/>
           </p:nvPr>
         </p:nvSpPr>
         <p:spPr>
@@ -7454,11 +7432,11 @@
           </a:prstGeom>
         </p:spPr>
         <p:txBody>
-          <a:bodyPr anchorCtr="0" anchor="t" bIns="91425" lIns="91425" spcFirstLastPara="1" rIns="91425" wrap="square" tIns="91425">
+          <a:bodyPr spcFirstLastPara="1" wrap="square" lIns="91425" tIns="91425" rIns="91425" bIns="91425" anchor="t" anchorCtr="0">
             <a:normAutofit/>
           </a:bodyPr>
           <a:lstStyle>
-            <a:lvl1pPr indent="-311150" lvl="0" marL="457200">
+            <a:lvl1pPr marL="457200" lvl="0" indent="-311150">
               <a:spcBef>
                 <a:spcPts val="0"/>
               </a:spcBef>
@@ -7469,7 +7447,7 @@
               <a:buChar char="●"/>
               <a:defRPr/>
             </a:lvl1pPr>
-            <a:lvl2pPr indent="-298450" lvl="1" marL="914400">
+            <a:lvl2pPr marL="914400" lvl="1" indent="-298450">
               <a:spcBef>
                 <a:spcPts val="0"/>
               </a:spcBef>
@@ -7480,7 +7458,7 @@
               <a:buChar char="○"/>
               <a:defRPr/>
             </a:lvl2pPr>
-            <a:lvl3pPr indent="-298450" lvl="2" marL="1371600">
+            <a:lvl3pPr marL="1371600" lvl="2" indent="-298450">
               <a:spcBef>
                 <a:spcPts val="0"/>
               </a:spcBef>
@@ -7491,7 +7469,7 @@
               <a:buChar char="■"/>
               <a:defRPr/>
             </a:lvl3pPr>
-            <a:lvl4pPr indent="-298450" lvl="3" marL="1828800">
+            <a:lvl4pPr marL="1828800" lvl="3" indent="-298450">
               <a:spcBef>
                 <a:spcPts val="0"/>
               </a:spcBef>
@@ -7502,7 +7480,7 @@
               <a:buChar char="●"/>
               <a:defRPr/>
             </a:lvl4pPr>
-            <a:lvl5pPr indent="-298450" lvl="4" marL="2286000">
+            <a:lvl5pPr marL="2286000" lvl="4" indent="-298450">
               <a:spcBef>
                 <a:spcPts val="0"/>
               </a:spcBef>
@@ -7513,7 +7491,7 @@
               <a:buChar char="○"/>
               <a:defRPr/>
             </a:lvl5pPr>
-            <a:lvl6pPr indent="-298450" lvl="5" marL="2743200">
+            <a:lvl6pPr marL="2743200" lvl="5" indent="-298450">
               <a:spcBef>
                 <a:spcPts val="0"/>
               </a:spcBef>
@@ -7524,7 +7502,7 @@
               <a:buChar char="■"/>
               <a:defRPr/>
             </a:lvl6pPr>
-            <a:lvl7pPr indent="-298450" lvl="6" marL="3200400">
+            <a:lvl7pPr marL="3200400" lvl="6" indent="-298450">
               <a:spcBef>
                 <a:spcPts val="0"/>
               </a:spcBef>
@@ -7535,7 +7513,7 @@
               <a:buChar char="●"/>
               <a:defRPr/>
             </a:lvl7pPr>
-            <a:lvl8pPr indent="-298450" lvl="7" marL="3657600">
+            <a:lvl8pPr marL="3657600" lvl="7" indent="-298450">
               <a:spcBef>
                 <a:spcPts val="0"/>
               </a:spcBef>
@@ -7546,7 +7524,7 @@
               <a:buChar char="○"/>
               <a:defRPr/>
             </a:lvl8pPr>
-            <a:lvl9pPr indent="-298450" lvl="8" marL="4114800">
+            <a:lvl9pPr marL="4114800" lvl="8" indent="-298450">
               <a:spcBef>
                 <a:spcPts val="0"/>
               </a:spcBef>
@@ -7558,15 +7536,19 @@
               <a:defRPr/>
             </a:lvl9pPr>
           </a:lstStyle>
-          <a:p/>
+          <a:p>
+            <a:endParaRPr/>
+          </a:p>
         </p:txBody>
       </p:sp>
       <p:sp>
         <p:nvSpPr>
           <p:cNvPr id="98" name="Google Shape;98;p9"/>
-          <p:cNvSpPr txBox="1"/>
+          <p:cNvSpPr txBox="1">
+            <a:spLocks noGrp="1"/>
+          </p:cNvSpPr>
           <p:nvPr>
-            <p:ph idx="12" type="sldNum"/>
+            <p:ph type="sldNum" idx="12"/>
           </p:nvPr>
         </p:nvSpPr>
         <p:spPr>
@@ -7579,7 +7561,7 @@
           </a:prstGeom>
         </p:spPr>
         <p:txBody>
-          <a:bodyPr anchorCtr="0" anchor="ctr" bIns="91425" lIns="91425" spcFirstLastPara="1" rIns="91425" wrap="square" tIns="91425">
+          <a:bodyPr spcFirstLastPara="1" wrap="square" lIns="91425" tIns="91425" rIns="91425" bIns="91425" anchor="ctr" anchorCtr="0">
             <a:normAutofit/>
           </a:bodyPr>
           <a:lstStyle>
@@ -7621,7 +7603,7 @@
             </a:lvl9pPr>
           </a:lstStyle>
           <a:p>
-            <a:pPr indent="0" lvl="0" marL="0" rtl="0" algn="r">
+            <a:pPr marL="0" lvl="0" indent="0" algn="r" rtl="0">
               <a:spcBef>
                 <a:spcPts val="0"/>
               </a:spcBef>
@@ -7647,11 +7629,11 @@
 </file>
 
 <file path=ppt/slideLayouts/slideLayout9.xml><?xml version="1.0" encoding="utf-8"?>
-<p:sldLayout xmlns:a="http://schemas.openxmlformats.org/drawingml/2006/main" xmlns:r="http://schemas.openxmlformats.org/officeDocument/2006/relationships" xmlns:mc="http://schemas.openxmlformats.org/markup-compatibility/2006" xmlns:mv="urn:schemas-microsoft-com:mac:vml" xmlns:p="http://schemas.openxmlformats.org/presentationml/2006/main" xmlns:c="http://schemas.openxmlformats.org/drawingml/2006/chart" xmlns:dgm="http://schemas.openxmlformats.org/drawingml/2006/diagram" xmlns:o="urn:schemas-microsoft-com:office:office" xmlns:v="urn:schemas-microsoft-com:vml" xmlns:pvml="urn:schemas-microsoft-com:office:powerpoint" xmlns:com="http://schemas.openxmlformats.org/drawingml/2006/compatibility" xmlns:p14="http://schemas.microsoft.com/office/powerpoint/2010/main" xmlns:p15="http://schemas.microsoft.com/office/powerpoint/2012/main" xmlns:ahyp="http://schemas.microsoft.com/office/drawing/2018/hyperlinkcolor" matchingName="Caption">
+<p:sldLayout xmlns:a="http://schemas.openxmlformats.org/drawingml/2006/main" xmlns:r="http://schemas.openxmlformats.org/officeDocument/2006/relationships" xmlns:p="http://schemas.openxmlformats.org/presentationml/2006/main" matchingName="Caption">
   <p:cSld name="CAPTION_ONLY">
     <p:spTree>
       <p:nvGrpSpPr>
-        <p:cNvPr id="99" name="Shape 99"/>
+        <p:cNvPr id="1" name="Shape 99"/>
         <p:cNvGrpSpPr/>
         <p:nvPr/>
       </p:nvGrpSpPr>
@@ -7690,7 +7672,7 @@
             </a:xfrm>
             <a:prstGeom prst="diagStripe">
               <a:avLst>
-                <a:gd fmla="val 50000" name="adj"/>
+                <a:gd name="adj" fmla="val 50000"/>
               </a:avLst>
             </a:prstGeom>
             <a:solidFill>
@@ -7703,12 +7685,12 @@
             </a:ln>
           </p:spPr>
           <p:txBody>
-            <a:bodyPr anchorCtr="0" anchor="ctr" bIns="91425" lIns="91425" spcFirstLastPara="1" rIns="91425" wrap="square" tIns="91425">
+            <a:bodyPr spcFirstLastPara="1" wrap="square" lIns="91425" tIns="91425" rIns="91425" bIns="91425" anchor="ctr" anchorCtr="0">
               <a:noAutofit/>
             </a:bodyPr>
             <a:lstStyle/>
             <a:p>
-              <a:pPr indent="0" lvl="0" marL="0" rtl="0" algn="l">
+              <a:pPr marL="0" lvl="0" indent="0" algn="l" rtl="0">
                 <a:spcBef>
                   <a:spcPts val="0"/>
                 </a:spcBef>
@@ -7717,9 +7699,6 @@
                 </a:spcAft>
                 <a:buNone/>
               </a:pPr>
-              <a:r>
-                <a:t/>
-              </a:r>
               <a:endParaRPr/>
             </a:p>
           </p:txBody>
@@ -7737,7 +7716,7 @@
             </a:xfrm>
             <a:prstGeom prst="diagStripe">
               <a:avLst>
-                <a:gd fmla="val 50000" name="adj"/>
+                <a:gd name="adj" fmla="val 50000"/>
               </a:avLst>
             </a:prstGeom>
             <a:solidFill>
@@ -7750,12 +7729,12 @@
             </a:ln>
           </p:spPr>
           <p:txBody>
-            <a:bodyPr anchorCtr="0" anchor="ctr" bIns="91425" lIns="91425" spcFirstLastPara="1" rIns="91425" wrap="square" tIns="91425">
+            <a:bodyPr spcFirstLastPara="1" wrap="square" lIns="91425" tIns="91425" rIns="91425" bIns="91425" anchor="ctr" anchorCtr="0">
               <a:noAutofit/>
             </a:bodyPr>
             <a:lstStyle/>
             <a:p>
-              <a:pPr indent="0" lvl="0" marL="0" rtl="0" algn="l">
+              <a:pPr marL="0" lvl="0" indent="0" algn="l" rtl="0">
                 <a:spcBef>
                   <a:spcPts val="0"/>
                 </a:spcBef>
@@ -7764,9 +7743,6 @@
                 </a:spcAft>
                 <a:buNone/>
               </a:pPr>
-              <a:r>
-                <a:t/>
-              </a:r>
               <a:endParaRPr/>
             </a:p>
           </p:txBody>
@@ -7775,9 +7751,11 @@
       <p:sp>
         <p:nvSpPr>
           <p:cNvPr id="103" name="Google Shape;103;p10"/>
-          <p:cNvSpPr txBox="1"/>
+          <p:cNvSpPr txBox="1">
+            <a:spLocks noGrp="1"/>
+          </p:cNvSpPr>
           <p:nvPr>
-            <p:ph idx="1" type="body"/>
+            <p:ph type="body" idx="1"/>
           </p:nvPr>
         </p:nvSpPr>
         <p:spPr>
@@ -7790,11 +7768,11 @@
           </a:prstGeom>
         </p:spPr>
         <p:txBody>
-          <a:bodyPr anchorCtr="0" anchor="ctr" bIns="91425" lIns="91425" spcFirstLastPara="1" rIns="91425" wrap="square" tIns="91425">
+          <a:bodyPr spcFirstLastPara="1" wrap="square" lIns="91425" tIns="91425" rIns="91425" bIns="91425" anchor="ctr" anchorCtr="0">
             <a:normAutofit/>
           </a:bodyPr>
           <a:lstStyle>
-            <a:lvl1pPr indent="-228600" lvl="0" marL="457200">
+            <a:lvl1pPr marL="457200" lvl="0" indent="-228600">
               <a:lnSpc>
                 <a:spcPct val="100000"/>
               </a:lnSpc>
@@ -7809,15 +7787,19 @@
               <a:defRPr/>
             </a:lvl1pPr>
           </a:lstStyle>
-          <a:p/>
+          <a:p>
+            <a:endParaRPr/>
+          </a:p>
         </p:txBody>
       </p:sp>
       <p:sp>
         <p:nvSpPr>
           <p:cNvPr id="104" name="Google Shape;104;p10"/>
-          <p:cNvSpPr txBox="1"/>
+          <p:cNvSpPr txBox="1">
+            <a:spLocks noGrp="1"/>
+          </p:cNvSpPr>
           <p:nvPr>
-            <p:ph idx="12" type="sldNum"/>
+            <p:ph type="sldNum" idx="12"/>
           </p:nvPr>
         </p:nvSpPr>
         <p:spPr>
@@ -7830,7 +7812,7 @@
           </a:prstGeom>
         </p:spPr>
         <p:txBody>
-          <a:bodyPr anchorCtr="0" anchor="ctr" bIns="91425" lIns="91425" spcFirstLastPara="1" rIns="91425" wrap="square" tIns="91425">
+          <a:bodyPr spcFirstLastPara="1" wrap="square" lIns="91425" tIns="91425" rIns="91425" bIns="91425" anchor="ctr" anchorCtr="0">
             <a:normAutofit/>
           </a:bodyPr>
           <a:lstStyle>
@@ -7872,7 +7854,7 @@
             </a:lvl9pPr>
           </a:lstStyle>
           <a:p>
-            <a:pPr indent="0" lvl="0" marL="0" rtl="0" algn="r">
+            <a:pPr marL="0" lvl="0" indent="0" algn="r" rtl="0">
               <a:spcBef>
                 <a:spcPts val="0"/>
               </a:spcBef>
@@ -7898,18 +7880,19 @@
 </file>
 
 <file path=ppt/slideMasters/slideMaster1.xml><?xml version="1.0" encoding="utf-8"?>
-<p:sldMaster xmlns:a="http://schemas.openxmlformats.org/drawingml/2006/main" xmlns:r="http://schemas.openxmlformats.org/officeDocument/2006/relationships" xmlns:mc="http://schemas.openxmlformats.org/markup-compatibility/2006" xmlns:mv="urn:schemas-microsoft-com:mac:vml" xmlns:p="http://schemas.openxmlformats.org/presentationml/2006/main" xmlns:c="http://schemas.openxmlformats.org/drawingml/2006/chart" xmlns:dgm="http://schemas.openxmlformats.org/drawingml/2006/diagram" xmlns:o="urn:schemas-microsoft-com:office:office" xmlns:v="urn:schemas-microsoft-com:vml" xmlns:pvml="urn:schemas-microsoft-com:office:powerpoint" xmlns:com="http://schemas.openxmlformats.org/drawingml/2006/compatibility" xmlns:p14="http://schemas.microsoft.com/office/powerpoint/2010/main" xmlns:p15="http://schemas.microsoft.com/office/powerpoint/2012/main" xmlns:ahyp="http://schemas.microsoft.com/office/drawing/2018/hyperlinkcolor">
+<p:sldMaster xmlns:a="http://schemas.openxmlformats.org/drawingml/2006/main" xmlns:r="http://schemas.openxmlformats.org/officeDocument/2006/relationships" xmlns:p="http://schemas.openxmlformats.org/presentationml/2006/main">
   <p:cSld name="focus">
     <p:bg>
       <p:bgPr>
         <a:solidFill>
           <a:schemeClr val="dk1"/>
         </a:solidFill>
+        <a:effectLst/>
       </p:bgPr>
     </p:bg>
     <p:spTree>
       <p:nvGrpSpPr>
-        <p:cNvPr id="5" name="Shape 5"/>
+        <p:cNvPr id="1" name="Shape 5"/>
         <p:cNvGrpSpPr/>
         <p:nvPr/>
       </p:nvGrpSpPr>
@@ -7924,7 +7907,9 @@
       <p:sp>
         <p:nvSpPr>
           <p:cNvPr id="6" name="Google Shape;6;p1"/>
-          <p:cNvSpPr txBox="1"/>
+          <p:cNvSpPr txBox="1">
+            <a:spLocks noGrp="1"/>
+          </p:cNvSpPr>
           <p:nvPr>
             <p:ph type="title"/>
           </p:nvPr>
@@ -7943,7 +7928,7 @@
           </a:ln>
         </p:spPr>
         <p:txBody>
-          <a:bodyPr anchorCtr="0" anchor="t" bIns="91425" lIns="91425" spcFirstLastPara="1" rIns="91425" wrap="square" tIns="91425">
+          <a:bodyPr spcFirstLastPara="1" wrap="square" lIns="91425" tIns="91425" rIns="91425" bIns="91425" anchor="t" anchorCtr="0">
             <a:normAutofit/>
           </a:bodyPr>
           <a:lstStyle>
@@ -8155,15 +8140,19 @@
               </a:defRPr>
             </a:lvl9pPr>
           </a:lstStyle>
-          <a:p/>
+          <a:p>
+            <a:endParaRPr/>
+          </a:p>
         </p:txBody>
       </p:sp>
       <p:sp>
         <p:nvSpPr>
           <p:cNvPr id="7" name="Google Shape;7;p1"/>
-          <p:cNvSpPr txBox="1"/>
+          <p:cNvSpPr txBox="1">
+            <a:spLocks noGrp="1"/>
+          </p:cNvSpPr>
           <p:nvPr>
-            <p:ph idx="1" type="body"/>
+            <p:ph type="body" idx="1"/>
           </p:nvPr>
         </p:nvSpPr>
         <p:spPr>
@@ -8180,11 +8169,11 @@
           </a:ln>
         </p:spPr>
         <p:txBody>
-          <a:bodyPr anchorCtr="0" anchor="t" bIns="91425" lIns="91425" spcFirstLastPara="1" rIns="91425" wrap="square" tIns="91425">
+          <a:bodyPr spcFirstLastPara="1" wrap="square" lIns="91425" tIns="91425" rIns="91425" bIns="91425" anchor="t" anchorCtr="0">
             <a:normAutofit/>
           </a:bodyPr>
           <a:lstStyle>
-            <a:lvl1pPr indent="-311150" lvl="0" marL="457200">
+            <a:lvl1pPr marL="457200" lvl="0" indent="-311150">
               <a:lnSpc>
                 <a:spcPct val="115000"/>
               </a:lnSpc>
@@ -8210,7 +8199,7 @@
                 <a:sym typeface="Lato"/>
               </a:defRPr>
             </a:lvl1pPr>
-            <a:lvl2pPr indent="-298450" lvl="1" marL="914400">
+            <a:lvl2pPr marL="914400" lvl="1" indent="-298450">
               <a:lnSpc>
                 <a:spcPct val="115000"/>
               </a:lnSpc>
@@ -8236,7 +8225,7 @@
                 <a:sym typeface="Lato"/>
               </a:defRPr>
             </a:lvl2pPr>
-            <a:lvl3pPr indent="-298450" lvl="2" marL="1371600">
+            <a:lvl3pPr marL="1371600" lvl="2" indent="-298450">
               <a:lnSpc>
                 <a:spcPct val="115000"/>
               </a:lnSpc>
@@ -8262,7 +8251,7 @@
                 <a:sym typeface="Lato"/>
               </a:defRPr>
             </a:lvl3pPr>
-            <a:lvl4pPr indent="-298450" lvl="3" marL="1828800">
+            <a:lvl4pPr marL="1828800" lvl="3" indent="-298450">
               <a:lnSpc>
                 <a:spcPct val="115000"/>
               </a:lnSpc>
@@ -8288,7 +8277,7 @@
                 <a:sym typeface="Lato"/>
               </a:defRPr>
             </a:lvl4pPr>
-            <a:lvl5pPr indent="-298450" lvl="4" marL="2286000">
+            <a:lvl5pPr marL="2286000" lvl="4" indent="-298450">
               <a:lnSpc>
                 <a:spcPct val="115000"/>
               </a:lnSpc>
@@ -8314,7 +8303,7 @@
                 <a:sym typeface="Lato"/>
               </a:defRPr>
             </a:lvl5pPr>
-            <a:lvl6pPr indent="-298450" lvl="5" marL="2743200">
+            <a:lvl6pPr marL="2743200" lvl="5" indent="-298450">
               <a:lnSpc>
                 <a:spcPct val="115000"/>
               </a:lnSpc>
@@ -8340,7 +8329,7 @@
                 <a:sym typeface="Lato"/>
               </a:defRPr>
             </a:lvl6pPr>
-            <a:lvl7pPr indent="-298450" lvl="6" marL="3200400">
+            <a:lvl7pPr marL="3200400" lvl="6" indent="-298450">
               <a:lnSpc>
                 <a:spcPct val="115000"/>
               </a:lnSpc>
@@ -8366,7 +8355,7 @@
                 <a:sym typeface="Lato"/>
               </a:defRPr>
             </a:lvl7pPr>
-            <a:lvl8pPr indent="-298450" lvl="7" marL="3657600">
+            <a:lvl8pPr marL="3657600" lvl="7" indent="-298450">
               <a:lnSpc>
                 <a:spcPct val="115000"/>
               </a:lnSpc>
@@ -8392,7 +8381,7 @@
                 <a:sym typeface="Lato"/>
               </a:defRPr>
             </a:lvl8pPr>
-            <a:lvl9pPr indent="-298450" lvl="8" marL="4114800">
+            <a:lvl9pPr marL="4114800" lvl="8" indent="-298450">
               <a:lnSpc>
                 <a:spcPct val="115000"/>
               </a:lnSpc>
@@ -8419,15 +8408,19 @@
               </a:defRPr>
             </a:lvl9pPr>
           </a:lstStyle>
-          <a:p/>
+          <a:p>
+            <a:endParaRPr/>
+          </a:p>
         </p:txBody>
       </p:sp>
       <p:sp>
         <p:nvSpPr>
           <p:cNvPr id="8" name="Google Shape;8;p1"/>
-          <p:cNvSpPr txBox="1"/>
+          <p:cNvSpPr txBox="1">
+            <a:spLocks noGrp="1"/>
+          </p:cNvSpPr>
           <p:nvPr>
-            <p:ph idx="12" type="sldNum"/>
+            <p:ph type="sldNum" idx="12"/>
           </p:nvPr>
         </p:nvSpPr>
         <p:spPr>
@@ -8444,7 +8437,7 @@
           </a:ln>
         </p:spPr>
         <p:txBody>
-          <a:bodyPr anchorCtr="0" anchor="ctr" bIns="91425" lIns="91425" spcFirstLastPara="1" rIns="91425" wrap="square" tIns="91425">
+          <a:bodyPr spcFirstLastPara="1" wrap="square" lIns="91425" tIns="91425" rIns="91425" bIns="91425" anchor="ctr" anchorCtr="0">
             <a:normAutofit/>
           </a:bodyPr>
           <a:lstStyle>
@@ -8558,7 +8551,7 @@
             </a:lvl9pPr>
           </a:lstStyle>
           <a:p>
-            <a:pPr indent="0" lvl="0" marL="0" rtl="0" algn="r">
+            <a:pPr marL="0" lvl="0" indent="0" algn="r" rtl="0">
               <a:spcBef>
                 <a:spcPts val="0"/>
               </a:spcBef>
@@ -8577,7 +8570,7 @@
       </p:sp>
     </p:spTree>
   </p:cSld>
-  <p:clrMap accent1="accent1" accent2="accent2" accent3="accent3" accent4="accent4" accent5="accent5" accent6="accent6" bg1="lt1" bg2="dk2" tx1="dk1" tx2="lt2" folHlink="folHlink" hlink="hlink"/>
+  <p:clrMap bg1="lt1" tx1="dk1" bg2="dk2" tx2="lt2" accent1="accent1" accent2="accent2" accent3="accent3" accent4="accent4" accent5="accent5" accent6="accent6" hlink="hlink" folHlink="folHlink"/>
   <p:sldLayoutIdLst>
     <p:sldLayoutId id="2147483648" r:id="rId1"/>
     <p:sldLayoutId id="2147483649" r:id="rId2"/>
@@ -8591,10 +8584,10 @@
     <p:sldLayoutId id="2147483657" r:id="rId10"/>
     <p:sldLayoutId id="2147483658" r:id="rId11"/>
   </p:sldLayoutIdLst>
-  <p:hf dt="0" ftr="0" hdr="0" sldNum="0"/>
+  <p:hf sldNum="0" hdr="0" ftr="0" dt="0"/>
   <p:txStyles>
     <p:titleStyle>
-      <a:defPPr lvl="0" marR="0" rtl="0" algn="l">
+      <a:defPPr marR="0" lvl="0" algn="l" rtl="0">
         <a:lnSpc>
           <a:spcPct val="100000"/>
         </a:lnSpc>
@@ -8605,7 +8598,7 @@
           <a:spcPts val="0"/>
         </a:spcAft>
       </a:defPPr>
-      <a:lvl1pPr lvl="0" marR="0" rtl="0" algn="l">
+      <a:lvl1pPr marR="0" lvl="0" algn="l" rtl="0">
         <a:lnSpc>
           <a:spcPct val="100000"/>
         </a:lnSpc>
@@ -8619,7 +8612,7 @@
           <a:srgbClr val="000000"/>
         </a:buClr>
         <a:buFont typeface="Arial"/>
-        <a:defRPr b="0" i="0" sz="1400" u="none" cap="none" strike="noStrike">
+        <a:defRPr sz="1400" b="0" i="0" u="none" strike="noStrike" cap="none">
           <a:solidFill>
             <a:srgbClr val="000000"/>
           </a:solidFill>
@@ -8629,7 +8622,7 @@
           <a:sym typeface="Arial"/>
         </a:defRPr>
       </a:lvl1pPr>
-      <a:lvl2pPr lvl="1" marR="0" rtl="0" algn="l">
+      <a:lvl2pPr marR="0" lvl="1" algn="l" rtl="0">
         <a:lnSpc>
           <a:spcPct val="100000"/>
         </a:lnSpc>
@@ -8643,7 +8636,7 @@
           <a:srgbClr val="000000"/>
         </a:buClr>
         <a:buFont typeface="Arial"/>
-        <a:defRPr b="0" i="0" sz="1400" u="none" cap="none" strike="noStrike">
+        <a:defRPr sz="1400" b="0" i="0" u="none" strike="noStrike" cap="none">
           <a:solidFill>
             <a:srgbClr val="000000"/>
           </a:solidFill>
@@ -8653,7 +8646,7 @@
           <a:sym typeface="Arial"/>
         </a:defRPr>
       </a:lvl2pPr>
-      <a:lvl3pPr lvl="2" marR="0" rtl="0" algn="l">
+      <a:lvl3pPr marR="0" lvl="2" algn="l" rtl="0">
         <a:lnSpc>
           <a:spcPct val="100000"/>
         </a:lnSpc>
@@ -8667,7 +8660,7 @@
           <a:srgbClr val="000000"/>
         </a:buClr>
         <a:buFont typeface="Arial"/>
-        <a:defRPr b="0" i="0" sz="1400" u="none" cap="none" strike="noStrike">
+        <a:defRPr sz="1400" b="0" i="0" u="none" strike="noStrike" cap="none">
           <a:solidFill>
             <a:srgbClr val="000000"/>
           </a:solidFill>
@@ -8677,7 +8670,7 @@
           <a:sym typeface="Arial"/>
         </a:defRPr>
       </a:lvl3pPr>
-      <a:lvl4pPr lvl="3" marR="0" rtl="0" algn="l">
+      <a:lvl4pPr marR="0" lvl="3" algn="l" rtl="0">
         <a:lnSpc>
           <a:spcPct val="100000"/>
         </a:lnSpc>
@@ -8691,7 +8684,7 @@
           <a:srgbClr val="000000"/>
         </a:buClr>
         <a:buFont typeface="Arial"/>
-        <a:defRPr b="0" i="0" sz="1400" u="none" cap="none" strike="noStrike">
+        <a:defRPr sz="1400" b="0" i="0" u="none" strike="noStrike" cap="none">
           <a:solidFill>
             <a:srgbClr val="000000"/>
           </a:solidFill>
@@ -8701,7 +8694,7 @@
           <a:sym typeface="Arial"/>
         </a:defRPr>
       </a:lvl4pPr>
-      <a:lvl5pPr lvl="4" marR="0" rtl="0" algn="l">
+      <a:lvl5pPr marR="0" lvl="4" algn="l" rtl="0">
         <a:lnSpc>
           <a:spcPct val="100000"/>
         </a:lnSpc>
@@ -8715,7 +8708,7 @@
           <a:srgbClr val="000000"/>
         </a:buClr>
         <a:buFont typeface="Arial"/>
-        <a:defRPr b="0" i="0" sz="1400" u="none" cap="none" strike="noStrike">
+        <a:defRPr sz="1400" b="0" i="0" u="none" strike="noStrike" cap="none">
           <a:solidFill>
             <a:srgbClr val="000000"/>
           </a:solidFill>
@@ -8725,7 +8718,7 @@
           <a:sym typeface="Arial"/>
         </a:defRPr>
       </a:lvl5pPr>
-      <a:lvl6pPr lvl="5" marR="0" rtl="0" algn="l">
+      <a:lvl6pPr marR="0" lvl="5" algn="l" rtl="0">
         <a:lnSpc>
           <a:spcPct val="100000"/>
         </a:lnSpc>
@@ -8739,7 +8732,7 @@
           <a:srgbClr val="000000"/>
         </a:buClr>
         <a:buFont typeface="Arial"/>
-        <a:defRPr b="0" i="0" sz="1400" u="none" cap="none" strike="noStrike">
+        <a:defRPr sz="1400" b="0" i="0" u="none" strike="noStrike" cap="none">
           <a:solidFill>
             <a:srgbClr val="000000"/>
           </a:solidFill>
@@ -8749,7 +8742,7 @@
           <a:sym typeface="Arial"/>
         </a:defRPr>
       </a:lvl6pPr>
-      <a:lvl7pPr lvl="6" marR="0" rtl="0" algn="l">
+      <a:lvl7pPr marR="0" lvl="6" algn="l" rtl="0">
         <a:lnSpc>
           <a:spcPct val="100000"/>
         </a:lnSpc>
@@ -8763,7 +8756,7 @@
           <a:srgbClr val="000000"/>
         </a:buClr>
         <a:buFont typeface="Arial"/>
-        <a:defRPr b="0" i="0" sz="1400" u="none" cap="none" strike="noStrike">
+        <a:defRPr sz="1400" b="0" i="0" u="none" strike="noStrike" cap="none">
           <a:solidFill>
             <a:srgbClr val="000000"/>
           </a:solidFill>
@@ -8773,7 +8766,7 @@
           <a:sym typeface="Arial"/>
         </a:defRPr>
       </a:lvl7pPr>
-      <a:lvl8pPr lvl="7" marR="0" rtl="0" algn="l">
+      <a:lvl8pPr marR="0" lvl="7" algn="l" rtl="0">
         <a:lnSpc>
           <a:spcPct val="100000"/>
         </a:lnSpc>
@@ -8787,7 +8780,7 @@
           <a:srgbClr val="000000"/>
         </a:buClr>
         <a:buFont typeface="Arial"/>
-        <a:defRPr b="0" i="0" sz="1400" u="none" cap="none" strike="noStrike">
+        <a:defRPr sz="1400" b="0" i="0" u="none" strike="noStrike" cap="none">
           <a:solidFill>
             <a:srgbClr val="000000"/>
           </a:solidFill>
@@ -8797,7 +8790,7 @@
           <a:sym typeface="Arial"/>
         </a:defRPr>
       </a:lvl8pPr>
-      <a:lvl9pPr lvl="8" marR="0" rtl="0" algn="l">
+      <a:lvl9pPr marR="0" lvl="8" algn="l" rtl="0">
         <a:lnSpc>
           <a:spcPct val="100000"/>
         </a:lnSpc>
@@ -8811,7 +8804,7 @@
           <a:srgbClr val="000000"/>
         </a:buClr>
         <a:buFont typeface="Arial"/>
-        <a:defRPr b="0" i="0" sz="1400" u="none" cap="none" strike="noStrike">
+        <a:defRPr sz="1400" b="0" i="0" u="none" strike="noStrike" cap="none">
           <a:solidFill>
             <a:srgbClr val="000000"/>
           </a:solidFill>
@@ -8823,7 +8816,7 @@
       </a:lvl9pPr>
     </p:titleStyle>
     <p:bodyStyle>
-      <a:defPPr lvl="0" marR="0" rtl="0" algn="l">
+      <a:defPPr marR="0" lvl="0" algn="l" rtl="0">
         <a:lnSpc>
           <a:spcPct val="100000"/>
         </a:lnSpc>
@@ -8834,7 +8827,7 @@
           <a:spcPts val="0"/>
         </a:spcAft>
       </a:defPPr>
-      <a:lvl1pPr lvl="0" marR="0" rtl="0" algn="l">
+      <a:lvl1pPr marR="0" lvl="0" algn="l" rtl="0">
         <a:lnSpc>
           <a:spcPct val="100000"/>
         </a:lnSpc>
@@ -8848,7 +8841,7 @@
           <a:srgbClr val="000000"/>
         </a:buClr>
         <a:buFont typeface="Arial"/>
-        <a:defRPr b="0" i="0" sz="1400" u="none" cap="none" strike="noStrike">
+        <a:defRPr sz="1400" b="0" i="0" u="none" strike="noStrike" cap="none">
           <a:solidFill>
             <a:srgbClr val="000000"/>
           </a:solidFill>
@@ -8858,7 +8851,7 @@
           <a:sym typeface="Arial"/>
         </a:defRPr>
       </a:lvl1pPr>
-      <a:lvl2pPr lvl="1" marR="0" rtl="0" algn="l">
+      <a:lvl2pPr marR="0" lvl="1" algn="l" rtl="0">
         <a:lnSpc>
           <a:spcPct val="100000"/>
         </a:lnSpc>
@@ -8872,7 +8865,7 @@
           <a:srgbClr val="000000"/>
         </a:buClr>
         <a:buFont typeface="Arial"/>
-        <a:defRPr b="0" i="0" sz="1400" u="none" cap="none" strike="noStrike">
+        <a:defRPr sz="1400" b="0" i="0" u="none" strike="noStrike" cap="none">
           <a:solidFill>
             <a:srgbClr val="000000"/>
           </a:solidFill>
@@ -8882,7 +8875,7 @@
           <a:sym typeface="Arial"/>
         </a:defRPr>
       </a:lvl2pPr>
-      <a:lvl3pPr lvl="2" marR="0" rtl="0" algn="l">
+      <a:lvl3pPr marR="0" lvl="2" algn="l" rtl="0">
         <a:lnSpc>
           <a:spcPct val="100000"/>
         </a:lnSpc>
@@ -8896,7 +8889,7 @@
           <a:srgbClr val="000000"/>
         </a:buClr>
         <a:buFont typeface="Arial"/>
-        <a:defRPr b="0" i="0" sz="1400" u="none" cap="none" strike="noStrike">
+        <a:defRPr sz="1400" b="0" i="0" u="none" strike="noStrike" cap="none">
           <a:solidFill>
             <a:srgbClr val="000000"/>
           </a:solidFill>
@@ -8906,7 +8899,7 @@
           <a:sym typeface="Arial"/>
         </a:defRPr>
       </a:lvl3pPr>
-      <a:lvl4pPr lvl="3" marR="0" rtl="0" algn="l">
+      <a:lvl4pPr marR="0" lvl="3" algn="l" rtl="0">
         <a:lnSpc>
           <a:spcPct val="100000"/>
         </a:lnSpc>
@@ -8920,7 +8913,7 @@
           <a:srgbClr val="000000"/>
         </a:buClr>
         <a:buFont typeface="Arial"/>
-        <a:defRPr b="0" i="0" sz="1400" u="none" cap="none" strike="noStrike">
+        <a:defRPr sz="1400" b="0" i="0" u="none" strike="noStrike" cap="none">
           <a:solidFill>
             <a:srgbClr val="000000"/>
           </a:solidFill>
@@ -8930,7 +8923,7 @@
           <a:sym typeface="Arial"/>
         </a:defRPr>
       </a:lvl4pPr>
-      <a:lvl5pPr lvl="4" marR="0" rtl="0" algn="l">
+      <a:lvl5pPr marR="0" lvl="4" algn="l" rtl="0">
         <a:lnSpc>
           <a:spcPct val="100000"/>
         </a:lnSpc>
@@ -8944,7 +8937,7 @@
           <a:srgbClr val="000000"/>
         </a:buClr>
         <a:buFont typeface="Arial"/>
-        <a:defRPr b="0" i="0" sz="1400" u="none" cap="none" strike="noStrike">
+        <a:defRPr sz="1400" b="0" i="0" u="none" strike="noStrike" cap="none">
           <a:solidFill>
             <a:srgbClr val="000000"/>
           </a:solidFill>
@@ -8954,7 +8947,7 @@
           <a:sym typeface="Arial"/>
         </a:defRPr>
       </a:lvl5pPr>
-      <a:lvl6pPr lvl="5" marR="0" rtl="0" algn="l">
+      <a:lvl6pPr marR="0" lvl="5" algn="l" rtl="0">
         <a:lnSpc>
           <a:spcPct val="100000"/>
         </a:lnSpc>
@@ -8968,7 +8961,7 @@
           <a:srgbClr val="000000"/>
         </a:buClr>
         <a:buFont typeface="Arial"/>
-        <a:defRPr b="0" i="0" sz="1400" u="none" cap="none" strike="noStrike">
+        <a:defRPr sz="1400" b="0" i="0" u="none" strike="noStrike" cap="none">
           <a:solidFill>
             <a:srgbClr val="000000"/>
           </a:solidFill>
@@ -8978,7 +8971,7 @@
           <a:sym typeface="Arial"/>
         </a:defRPr>
       </a:lvl6pPr>
-      <a:lvl7pPr lvl="6" marR="0" rtl="0" algn="l">
+      <a:lvl7pPr marR="0" lvl="6" algn="l" rtl="0">
         <a:lnSpc>
           <a:spcPct val="100000"/>
         </a:lnSpc>
@@ -8992,7 +8985,7 @@
           <a:srgbClr val="000000"/>
         </a:buClr>
         <a:buFont typeface="Arial"/>
-        <a:defRPr b="0" i="0" sz="1400" u="none" cap="none" strike="noStrike">
+        <a:defRPr sz="1400" b="0" i="0" u="none" strike="noStrike" cap="none">
           <a:solidFill>
             <a:srgbClr val="000000"/>
           </a:solidFill>
@@ -9002,7 +8995,7 @@
           <a:sym typeface="Arial"/>
         </a:defRPr>
       </a:lvl7pPr>
-      <a:lvl8pPr lvl="7" marR="0" rtl="0" algn="l">
+      <a:lvl8pPr marR="0" lvl="7" algn="l" rtl="0">
         <a:lnSpc>
           <a:spcPct val="100000"/>
         </a:lnSpc>
@@ -9016,7 +9009,7 @@
           <a:srgbClr val="000000"/>
         </a:buClr>
         <a:buFont typeface="Arial"/>
-        <a:defRPr b="0" i="0" sz="1400" u="none" cap="none" strike="noStrike">
+        <a:defRPr sz="1400" b="0" i="0" u="none" strike="noStrike" cap="none">
           <a:solidFill>
             <a:srgbClr val="000000"/>
           </a:solidFill>
@@ -9026,7 +9019,7 @@
           <a:sym typeface="Arial"/>
         </a:defRPr>
       </a:lvl8pPr>
-      <a:lvl9pPr lvl="8" marR="0" rtl="0" algn="l">
+      <a:lvl9pPr marR="0" lvl="8" algn="l" rtl="0">
         <a:lnSpc>
           <a:spcPct val="100000"/>
         </a:lnSpc>
@@ -9040,7 +9033,7 @@
           <a:srgbClr val="000000"/>
         </a:buClr>
         <a:buFont typeface="Arial"/>
-        <a:defRPr b="0" i="0" sz="1400" u="none" cap="none" strike="noStrike">
+        <a:defRPr sz="1400" b="0" i="0" u="none" strike="noStrike" cap="none">
           <a:solidFill>
             <a:srgbClr val="000000"/>
           </a:solidFill>
@@ -9052,7 +9045,7 @@
       </a:lvl9pPr>
     </p:bodyStyle>
     <p:otherStyle>
-      <a:defPPr lvl="0" marR="0" rtl="0" algn="l">
+      <a:defPPr marR="0" lvl="0" algn="l" rtl="0">
         <a:lnSpc>
           <a:spcPct val="100000"/>
         </a:lnSpc>
@@ -9063,7 +9056,7 @@
           <a:spcPts val="0"/>
         </a:spcAft>
       </a:defPPr>
-      <a:lvl1pPr lvl="0" marR="0" rtl="0" algn="l">
+      <a:lvl1pPr marR="0" lvl="0" algn="l" rtl="0">
         <a:lnSpc>
           <a:spcPct val="100000"/>
         </a:lnSpc>
@@ -9077,7 +9070,7 @@
           <a:srgbClr val="000000"/>
         </a:buClr>
         <a:buFont typeface="Arial"/>
-        <a:defRPr b="0" i="0" sz="1400" u="none" cap="none" strike="noStrike">
+        <a:defRPr sz="1400" b="0" i="0" u="none" strike="noStrike" cap="none">
           <a:solidFill>
             <a:srgbClr val="000000"/>
           </a:solidFill>
@@ -9087,7 +9080,7 @@
           <a:sym typeface="Arial"/>
         </a:defRPr>
       </a:lvl1pPr>
-      <a:lvl2pPr lvl="1" marR="0" rtl="0" algn="l">
+      <a:lvl2pPr marR="0" lvl="1" algn="l" rtl="0">
         <a:lnSpc>
           <a:spcPct val="100000"/>
         </a:lnSpc>
@@ -9101,7 +9094,7 @@
           <a:srgbClr val="000000"/>
         </a:buClr>
         <a:buFont typeface="Arial"/>
-        <a:defRPr b="0" i="0" sz="1400" u="none" cap="none" strike="noStrike">
+        <a:defRPr sz="1400" b="0" i="0" u="none" strike="noStrike" cap="none">
           <a:solidFill>
             <a:srgbClr val="000000"/>
           </a:solidFill>
@@ -9111,7 +9104,7 @@
           <a:sym typeface="Arial"/>
         </a:defRPr>
       </a:lvl2pPr>
-      <a:lvl3pPr lvl="2" marR="0" rtl="0" algn="l">
+      <a:lvl3pPr marR="0" lvl="2" algn="l" rtl="0">
         <a:lnSpc>
           <a:spcPct val="100000"/>
         </a:lnSpc>
@@ -9125,7 +9118,7 @@
           <a:srgbClr val="000000"/>
         </a:buClr>
         <a:buFont typeface="Arial"/>
-        <a:defRPr b="0" i="0" sz="1400" u="none" cap="none" strike="noStrike">
+        <a:defRPr sz="1400" b="0" i="0" u="none" strike="noStrike" cap="none">
           <a:solidFill>
             <a:srgbClr val="000000"/>
           </a:solidFill>
@@ -9135,7 +9128,7 @@
           <a:sym typeface="Arial"/>
         </a:defRPr>
       </a:lvl3pPr>
-      <a:lvl4pPr lvl="3" marR="0" rtl="0" algn="l">
+      <a:lvl4pPr marR="0" lvl="3" algn="l" rtl="0">
         <a:lnSpc>
           <a:spcPct val="100000"/>
         </a:lnSpc>
@@ -9149,7 +9142,7 @@
           <a:srgbClr val="000000"/>
         </a:buClr>
         <a:buFont typeface="Arial"/>
-        <a:defRPr b="0" i="0" sz="1400" u="none" cap="none" strike="noStrike">
+        <a:defRPr sz="1400" b="0" i="0" u="none" strike="noStrike" cap="none">
           <a:solidFill>
             <a:srgbClr val="000000"/>
           </a:solidFill>
@@ -9159,7 +9152,7 @@
           <a:sym typeface="Arial"/>
         </a:defRPr>
       </a:lvl4pPr>
-      <a:lvl5pPr lvl="4" marR="0" rtl="0" algn="l">
+      <a:lvl5pPr marR="0" lvl="4" algn="l" rtl="0">
         <a:lnSpc>
           <a:spcPct val="100000"/>
         </a:lnSpc>
@@ -9173,7 +9166,7 @@
           <a:srgbClr val="000000"/>
         </a:buClr>
         <a:buFont typeface="Arial"/>
-        <a:defRPr b="0" i="0" sz="1400" u="none" cap="none" strike="noStrike">
+        <a:defRPr sz="1400" b="0" i="0" u="none" strike="noStrike" cap="none">
           <a:solidFill>
             <a:srgbClr val="000000"/>
           </a:solidFill>
@@ -9183,7 +9176,7 @@
           <a:sym typeface="Arial"/>
         </a:defRPr>
       </a:lvl5pPr>
-      <a:lvl6pPr lvl="5" marR="0" rtl="0" algn="l">
+      <a:lvl6pPr marR="0" lvl="5" algn="l" rtl="0">
         <a:lnSpc>
           <a:spcPct val="100000"/>
         </a:lnSpc>
@@ -9197,7 +9190,7 @@
           <a:srgbClr val="000000"/>
         </a:buClr>
         <a:buFont typeface="Arial"/>
-        <a:defRPr b="0" i="0" sz="1400" u="none" cap="none" strike="noStrike">
+        <a:defRPr sz="1400" b="0" i="0" u="none" strike="noStrike" cap="none">
           <a:solidFill>
             <a:srgbClr val="000000"/>
           </a:solidFill>
@@ -9207,7 +9200,7 @@
           <a:sym typeface="Arial"/>
         </a:defRPr>
       </a:lvl6pPr>
-      <a:lvl7pPr lvl="6" marR="0" rtl="0" algn="l">
+      <a:lvl7pPr marR="0" lvl="6" algn="l" rtl="0">
         <a:lnSpc>
           <a:spcPct val="100000"/>
         </a:lnSpc>
@@ -9221,7 +9214,7 @@
           <a:srgbClr val="000000"/>
         </a:buClr>
         <a:buFont typeface="Arial"/>
-        <a:defRPr b="0" i="0" sz="1400" u="none" cap="none" strike="noStrike">
+        <a:defRPr sz="1400" b="0" i="0" u="none" strike="noStrike" cap="none">
           <a:solidFill>
             <a:srgbClr val="000000"/>
           </a:solidFill>
@@ -9231,7 +9224,7 @@
           <a:sym typeface="Arial"/>
         </a:defRPr>
       </a:lvl7pPr>
-      <a:lvl8pPr lvl="7" marR="0" rtl="0" algn="l">
+      <a:lvl8pPr marR="0" lvl="7" algn="l" rtl="0">
         <a:lnSpc>
           <a:spcPct val="100000"/>
         </a:lnSpc>
@@ -9245,7 +9238,7 @@
           <a:srgbClr val="000000"/>
         </a:buClr>
         <a:buFont typeface="Arial"/>
-        <a:defRPr b="0" i="0" sz="1400" u="none" cap="none" strike="noStrike">
+        <a:defRPr sz="1400" b="0" i="0" u="none" strike="noStrike" cap="none">
           <a:solidFill>
             <a:srgbClr val="000000"/>
           </a:solidFill>
@@ -9255,7 +9248,7 @@
           <a:sym typeface="Arial"/>
         </a:defRPr>
       </a:lvl8pPr>
-      <a:lvl9pPr lvl="8" marR="0" rtl="0" algn="l">
+      <a:lvl9pPr marR="0" lvl="8" algn="l" rtl="0">
         <a:lnSpc>
           <a:spcPct val="100000"/>
         </a:lnSpc>
@@ -9269,7 +9262,7 @@
           <a:srgbClr val="000000"/>
         </a:buClr>
         <a:buFont typeface="Arial"/>
-        <a:defRPr b="0" i="0" sz="1400" u="none" cap="none" strike="noStrike">
+        <a:defRPr sz="1400" b="0" i="0" u="none" strike="noStrike" cap="none">
           <a:solidFill>
             <a:srgbClr val="000000"/>
           </a:solidFill>
@@ -9285,11 +9278,11 @@
 </file>
 
 <file path=ppt/slides/slide1.xml><?xml version="1.0" encoding="utf-8"?>
-<p:sld xmlns:a="http://schemas.openxmlformats.org/drawingml/2006/main" xmlns:r="http://schemas.openxmlformats.org/officeDocument/2006/relationships" xmlns:mc="http://schemas.openxmlformats.org/markup-compatibility/2006" xmlns:mv="urn:schemas-microsoft-com:mac:vml" xmlns:p="http://schemas.openxmlformats.org/presentationml/2006/main" xmlns:c="http://schemas.openxmlformats.org/drawingml/2006/chart" xmlns:dgm="http://schemas.openxmlformats.org/drawingml/2006/diagram" xmlns:o="urn:schemas-microsoft-com:office:office" xmlns:v="urn:schemas-microsoft-com:vml" xmlns:pvml="urn:schemas-microsoft-com:office:powerpoint" xmlns:com="http://schemas.openxmlformats.org/drawingml/2006/compatibility" xmlns:p14="http://schemas.microsoft.com/office/powerpoint/2010/main" xmlns:p15="http://schemas.microsoft.com/office/powerpoint/2012/main" xmlns:ahyp="http://schemas.microsoft.com/office/drawing/2018/hyperlinkcolor">
+<p:sld xmlns:a="http://schemas.openxmlformats.org/drawingml/2006/main" xmlns:r="http://schemas.openxmlformats.org/officeDocument/2006/relationships" xmlns:p="http://schemas.openxmlformats.org/presentationml/2006/main">
   <p:cSld>
     <p:spTree>
       <p:nvGrpSpPr>
-        <p:cNvPr id="133" name="Shape 133"/>
+        <p:cNvPr id="1" name="Shape 133"/>
         <p:cNvGrpSpPr/>
         <p:nvPr/>
       </p:nvGrpSpPr>
@@ -9304,7 +9297,9 @@
       <p:sp>
         <p:nvSpPr>
           <p:cNvPr id="134" name="Google Shape;134;p13"/>
-          <p:cNvSpPr txBox="1"/>
+          <p:cNvSpPr txBox="1">
+            <a:spLocks noGrp="1"/>
+          </p:cNvSpPr>
           <p:nvPr>
             <p:ph type="ctrTitle"/>
           </p:nvPr>
@@ -9319,12 +9314,12 @@
           </a:prstGeom>
         </p:spPr>
         <p:txBody>
-          <a:bodyPr anchorCtr="0" anchor="t" bIns="91425" lIns="91425" spcFirstLastPara="1" rIns="91425" wrap="square" tIns="91425">
+          <a:bodyPr spcFirstLastPara="1" wrap="square" lIns="91425" tIns="91425" rIns="91425" bIns="91425" anchor="t" anchorCtr="0">
             <a:normAutofit fontScale="90000"/>
           </a:bodyPr>
           <a:lstStyle/>
           <a:p>
-            <a:pPr indent="0" lvl="0" marL="0" rtl="0" algn="l">
+            <a:pPr marL="0" lvl="0" indent="0" algn="l" rtl="0">
               <a:spcBef>
                 <a:spcPts val="0"/>
               </a:spcBef>
@@ -9334,13 +9329,13 @@
               <a:buNone/>
             </a:pPr>
             <a:r>
-              <a:rPr lang="iw"/>
+              <a:rPr lang="iw" dirty="0"/>
               <a:t>GRAPHGENIE</a:t>
             </a:r>
-            <a:endParaRPr/>
+            <a:endParaRPr dirty="0"/>
           </a:p>
           <a:p>
-            <a:pPr indent="0" lvl="0" marL="0" rtl="0" algn="l">
+            <a:pPr marL="0" lvl="0" indent="0" algn="l" rtl="0">
               <a:spcBef>
                 <a:spcPts val="0"/>
               </a:spcBef>
@@ -9350,13 +9345,13 @@
               <a:buNone/>
             </a:pPr>
             <a:r>
-              <a:rPr lang="iw" sz="2000"/>
+              <a:rPr lang="iw" sz="2000" dirty="0"/>
               <a:t>Advanced Programming - 848367701</a:t>
             </a:r>
-            <a:endParaRPr sz="2000"/>
+            <a:endParaRPr sz="2000" dirty="0"/>
           </a:p>
           <a:p>
-            <a:pPr indent="0" lvl="0" marL="0" rtl="0" algn="l">
+            <a:pPr marL="0" lvl="0" indent="0" algn="l" rtl="0">
               <a:spcBef>
                 <a:spcPts val="0"/>
               </a:spcBef>
@@ -9366,13 +9361,25 @@
               <a:buNone/>
             </a:pPr>
             <a:r>
-              <a:rPr lang="iw" sz="2000"/>
+              <a:rPr lang="iw" sz="2000" dirty="0"/>
               <a:t>Dr. Eliahu Khalastchi</a:t>
             </a:r>
-            <a:endParaRPr sz="2000"/>
+            <a:endParaRPr sz="2000" dirty="0"/>
           </a:p>
           <a:p>
-            <a:pPr indent="0" lvl="0" marL="0" rtl="0" algn="l">
+            <a:pPr marL="0" lvl="0" indent="0" algn="l" rtl="0">
+              <a:spcBef>
+                <a:spcPts val="0"/>
+              </a:spcBef>
+              <a:spcAft>
+                <a:spcPts val="0"/>
+              </a:spcAft>
+              <a:buNone/>
+            </a:pPr>
+            <a:endParaRPr sz="2000" dirty="0"/>
+          </a:p>
+          <a:p>
+            <a:pPr marL="0" lvl="0" indent="0" algn="l" rtl="0">
               <a:spcBef>
                 <a:spcPts val="0"/>
               </a:spcBef>
@@ -9382,34 +9389,21 @@
               <a:buNone/>
             </a:pPr>
             <a:r>
-              <a:t/>
-            </a:r>
-            <a:endParaRPr sz="2000"/>
-          </a:p>
-          <a:p>
-            <a:pPr indent="0" lvl="0" marL="0" rtl="0" algn="l">
-              <a:spcBef>
-                <a:spcPts val="0"/>
-              </a:spcBef>
-              <a:spcAft>
-                <a:spcPts val="0"/>
-              </a:spcAft>
-              <a:buNone/>
-            </a:pPr>
-            <a:r>
-              <a:rPr lang="iw" sz="2000"/>
+              <a:rPr lang="iw" sz="2000" dirty="0"/>
               <a:t>28.7.2024</a:t>
             </a:r>
-            <a:endParaRPr sz="2000"/>
+            <a:endParaRPr sz="2000" dirty="0"/>
           </a:p>
         </p:txBody>
       </p:sp>
       <p:sp>
         <p:nvSpPr>
           <p:cNvPr id="135" name="Google Shape;135;p13"/>
-          <p:cNvSpPr txBox="1"/>
+          <p:cNvSpPr txBox="1">
+            <a:spLocks noGrp="1"/>
+          </p:cNvSpPr>
           <p:nvPr>
-            <p:ph idx="1" type="subTitle"/>
+            <p:ph type="subTitle" idx="1"/>
           </p:nvPr>
         </p:nvSpPr>
         <p:spPr>
@@ -9422,12 +9416,12 @@
           </a:prstGeom>
         </p:spPr>
         <p:txBody>
-          <a:bodyPr anchorCtr="0" anchor="t" bIns="91425" lIns="91425" spcFirstLastPara="1" rIns="91425" wrap="square" tIns="91425">
+          <a:bodyPr spcFirstLastPara="1" wrap="square" lIns="91425" tIns="91425" rIns="91425" bIns="91425" anchor="t" anchorCtr="0">
             <a:normAutofit lnSpcReduction="20000"/>
           </a:bodyPr>
           <a:lstStyle/>
           <a:p>
-            <a:pPr indent="0" lvl="0" marL="0" rtl="0" algn="l">
+            <a:pPr marL="0" lvl="0" indent="0" algn="l" rtl="0">
               <a:spcBef>
                 <a:spcPts val="0"/>
               </a:spcBef>
@@ -9443,7 +9437,7 @@
             <a:endParaRPr/>
           </a:p>
           <a:p>
-            <a:pPr indent="0" lvl="0" marL="0" rtl="0" algn="l">
+            <a:pPr marL="0" lvl="0" indent="0" algn="l" rtl="0">
               <a:spcBef>
                 <a:spcPts val="0"/>
               </a:spcBef>
@@ -9469,11 +9463,11 @@
 </file>
 
 <file path=ppt/slides/slide2.xml><?xml version="1.0" encoding="utf-8"?>
-<p:sld xmlns:a="http://schemas.openxmlformats.org/drawingml/2006/main" xmlns:r="http://schemas.openxmlformats.org/officeDocument/2006/relationships" xmlns:mc="http://schemas.openxmlformats.org/markup-compatibility/2006" xmlns:mv="urn:schemas-microsoft-com:mac:vml" xmlns:p="http://schemas.openxmlformats.org/presentationml/2006/main" xmlns:c="http://schemas.openxmlformats.org/drawingml/2006/chart" xmlns:dgm="http://schemas.openxmlformats.org/drawingml/2006/diagram" xmlns:o="urn:schemas-microsoft-com:office:office" xmlns:v="urn:schemas-microsoft-com:vml" xmlns:pvml="urn:schemas-microsoft-com:office:powerpoint" xmlns:com="http://schemas.openxmlformats.org/drawingml/2006/compatibility" xmlns:p14="http://schemas.microsoft.com/office/powerpoint/2010/main" xmlns:p15="http://schemas.microsoft.com/office/powerpoint/2012/main" xmlns:ahyp="http://schemas.microsoft.com/office/drawing/2018/hyperlinkcolor">
+<p:sld xmlns:a="http://schemas.openxmlformats.org/drawingml/2006/main" xmlns:r="http://schemas.openxmlformats.org/officeDocument/2006/relationships" xmlns:p="http://schemas.openxmlformats.org/presentationml/2006/main">
   <p:cSld>
     <p:spTree>
       <p:nvGrpSpPr>
-        <p:cNvPr id="139" name="Shape 139"/>
+        <p:cNvPr id="1" name="Shape 139"/>
         <p:cNvGrpSpPr/>
         <p:nvPr/>
       </p:nvGrpSpPr>
@@ -9488,7 +9482,9 @@
       <p:sp>
         <p:nvSpPr>
           <p:cNvPr id="140" name="Google Shape;140;p14"/>
-          <p:cNvSpPr txBox="1"/>
+          <p:cNvSpPr txBox="1">
+            <a:spLocks noGrp="1"/>
+          </p:cNvSpPr>
           <p:nvPr>
             <p:ph type="title"/>
           </p:nvPr>
@@ -9503,12 +9499,12 @@
           </a:prstGeom>
         </p:spPr>
         <p:txBody>
-          <a:bodyPr anchorCtr="0" anchor="t" bIns="91425" lIns="91425" spcFirstLastPara="1" rIns="91425" wrap="square" tIns="91425">
+          <a:bodyPr spcFirstLastPara="1" wrap="square" lIns="91425" tIns="91425" rIns="91425" bIns="91425" anchor="t" anchorCtr="0">
             <a:normAutofit/>
           </a:bodyPr>
           <a:lstStyle/>
           <a:p>
-            <a:pPr indent="0" lvl="0" marL="0" rtl="0" algn="l">
+            <a:pPr marL="0" lvl="0" indent="0" algn="l" rtl="0">
               <a:spcBef>
                 <a:spcPts val="0"/>
               </a:spcBef>
@@ -9528,9 +9524,11 @@
       <p:sp>
         <p:nvSpPr>
           <p:cNvPr id="141" name="Google Shape;141;p14"/>
-          <p:cNvSpPr txBox="1"/>
+          <p:cNvSpPr txBox="1">
+            <a:spLocks noGrp="1"/>
+          </p:cNvSpPr>
           <p:nvPr>
-            <p:ph idx="1" type="body"/>
+            <p:ph type="body" idx="1"/>
           </p:nvPr>
         </p:nvSpPr>
         <p:spPr>
@@ -9543,12 +9541,12 @@
           </a:prstGeom>
         </p:spPr>
         <p:txBody>
-          <a:bodyPr anchorCtr="0" anchor="t" bIns="91425" lIns="91425" spcFirstLastPara="1" rIns="91425" wrap="square" tIns="91425">
+          <a:bodyPr spcFirstLastPara="1" wrap="square" lIns="91425" tIns="91425" rIns="91425" bIns="91425" anchor="t" anchorCtr="0">
             <a:normAutofit/>
           </a:bodyPr>
           <a:lstStyle/>
           <a:p>
-            <a:pPr indent="-323850" lvl="0" marL="457200" rtl="0" algn="l">
+            <a:pPr marL="457200" lvl="0" indent="-323850" algn="l" rtl="0">
               <a:lnSpc>
                 <a:spcPct val="150000"/>
               </a:lnSpc>
@@ -9562,13 +9560,13 @@
               <a:buChar char="●"/>
             </a:pPr>
             <a:r>
-              <a:rPr lang="iw" sz="1500"/>
+              <a:rPr lang="iw" sz="1500" dirty="0"/>
               <a:t>Create a computational graph</a:t>
             </a:r>
-            <a:endParaRPr sz="1500"/>
+            <a:endParaRPr sz="1500" dirty="0"/>
           </a:p>
           <a:p>
-            <a:pPr indent="-323850" lvl="0" marL="457200" rtl="0" algn="l">
+            <a:pPr marL="457200" lvl="0" indent="-323850" algn="l" rtl="0">
               <a:lnSpc>
                 <a:spcPct val="150000"/>
               </a:lnSpc>
@@ -9582,21 +9580,13 @@
               <a:buChar char="●"/>
             </a:pPr>
             <a:r>
-              <a:rPr lang="iw" sz="1500"/>
-              <a:t>Recreate </a:t>
+              <a:rPr lang="iw" sz="1500" dirty="0"/>
+              <a:t>Recreate useful libraries </a:t>
             </a:r>
-            <a:r>
-              <a:rPr lang="iw" sz="1500"/>
-              <a:t>useful</a:t>
-            </a:r>
-            <a:r>
-              <a:rPr lang="iw" sz="1500"/>
-              <a:t> libraries </a:t>
-            </a:r>
-            <a:endParaRPr sz="1500"/>
+            <a:endParaRPr sz="1500" dirty="0"/>
           </a:p>
           <a:p>
-            <a:pPr indent="-323850" lvl="0" marL="457200" rtl="0" algn="l">
+            <a:pPr marL="457200" lvl="0" indent="-323850" algn="l" rtl="0">
               <a:lnSpc>
                 <a:spcPct val="150000"/>
               </a:lnSpc>
@@ -9610,13 +9600,13 @@
               <a:buChar char="●"/>
             </a:pPr>
             <a:r>
-              <a:rPr lang="iw" sz="1500"/>
+              <a:rPr lang="iw" sz="1500" dirty="0"/>
               <a:t>Implement design patterns and architectures</a:t>
             </a:r>
-            <a:endParaRPr sz="1500"/>
+            <a:endParaRPr sz="1500" dirty="0"/>
           </a:p>
           <a:p>
-            <a:pPr indent="-323850" lvl="0" marL="457200" rtl="0" algn="l">
+            <a:pPr marL="457200" lvl="0" indent="-323850" algn="l" rtl="0">
               <a:lnSpc>
                 <a:spcPct val="150000"/>
               </a:lnSpc>
@@ -9630,10 +9620,14 @@
               <a:buChar char="●"/>
             </a:pPr>
             <a:r>
-              <a:rPr lang="iw" sz="1500"/>
-              <a:t>Generic server and different clients</a:t>
+              <a:rPr lang="iw" sz="1500" dirty="0"/>
+              <a:t>Generic server and </a:t>
             </a:r>
-            <a:endParaRPr sz="1500"/>
+            <a:r>
+              <a:rPr lang="en-US" sz="1500" dirty="0"/>
+              <a:t>client</a:t>
+            </a:r>
+            <a:endParaRPr sz="1500" dirty="0"/>
           </a:p>
         </p:txBody>
       </p:sp>
@@ -9646,11 +9640,11 @@
 </file>
 
 <file path=ppt/slides/slide3.xml><?xml version="1.0" encoding="utf-8"?>
-<p:sld xmlns:a="http://schemas.openxmlformats.org/drawingml/2006/main" xmlns:r="http://schemas.openxmlformats.org/officeDocument/2006/relationships" xmlns:mc="http://schemas.openxmlformats.org/markup-compatibility/2006" xmlns:mv="urn:schemas-microsoft-com:mac:vml" xmlns:p="http://schemas.openxmlformats.org/presentationml/2006/main" xmlns:c="http://schemas.openxmlformats.org/drawingml/2006/chart" xmlns:dgm="http://schemas.openxmlformats.org/drawingml/2006/diagram" xmlns:o="urn:schemas-microsoft-com:office:office" xmlns:v="urn:schemas-microsoft-com:vml" xmlns:pvml="urn:schemas-microsoft-com:office:powerpoint" xmlns:com="http://schemas.openxmlformats.org/drawingml/2006/compatibility" xmlns:p14="http://schemas.microsoft.com/office/powerpoint/2010/main" xmlns:p15="http://schemas.microsoft.com/office/powerpoint/2012/main" xmlns:ahyp="http://schemas.microsoft.com/office/drawing/2018/hyperlinkcolor">
+<p:sld xmlns:a="http://schemas.openxmlformats.org/drawingml/2006/main" xmlns:r="http://schemas.openxmlformats.org/officeDocument/2006/relationships" xmlns:p="http://schemas.openxmlformats.org/presentationml/2006/main">
   <p:cSld>
     <p:spTree>
       <p:nvGrpSpPr>
-        <p:cNvPr id="145" name="Shape 145"/>
+        <p:cNvPr id="1" name="Shape 145"/>
         <p:cNvGrpSpPr/>
         <p:nvPr/>
       </p:nvGrpSpPr>
@@ -9665,7 +9659,9 @@
       <p:sp>
         <p:nvSpPr>
           <p:cNvPr id="146" name="Google Shape;146;p15"/>
-          <p:cNvSpPr txBox="1"/>
+          <p:cNvSpPr txBox="1">
+            <a:spLocks noGrp="1"/>
+          </p:cNvSpPr>
           <p:nvPr>
             <p:ph type="title"/>
           </p:nvPr>
@@ -9680,12 +9676,12 @@
           </a:prstGeom>
         </p:spPr>
         <p:txBody>
-          <a:bodyPr anchorCtr="0" anchor="t" bIns="91425" lIns="91425" spcFirstLastPara="1" rIns="91425" wrap="square" tIns="91425">
+          <a:bodyPr spcFirstLastPara="1" wrap="square" lIns="91425" tIns="91425" rIns="91425" bIns="91425" anchor="t" anchorCtr="0">
             <a:normAutofit/>
           </a:bodyPr>
           <a:lstStyle/>
           <a:p>
-            <a:pPr indent="0" lvl="0" marL="0" rtl="0" algn="l">
+            <a:pPr marL="0" lvl="0" indent="0" algn="l" rtl="0">
               <a:spcBef>
                 <a:spcPts val="0"/>
               </a:spcBef>
@@ -9705,9 +9701,11 @@
       <p:sp>
         <p:nvSpPr>
           <p:cNvPr id="147" name="Google Shape;147;p15"/>
-          <p:cNvSpPr txBox="1"/>
+          <p:cNvSpPr txBox="1">
+            <a:spLocks noGrp="1"/>
+          </p:cNvSpPr>
           <p:nvPr>
-            <p:ph idx="1" type="body"/>
+            <p:ph type="body" idx="1"/>
           </p:nvPr>
         </p:nvSpPr>
         <p:spPr>
@@ -9720,12 +9718,12 @@
           </a:prstGeom>
         </p:spPr>
         <p:txBody>
-          <a:bodyPr anchorCtr="0" anchor="t" bIns="91425" lIns="91425" spcFirstLastPara="1" rIns="91425" wrap="square" tIns="91425">
+          <a:bodyPr spcFirstLastPara="1" wrap="square" lIns="91425" tIns="91425" rIns="91425" bIns="91425" anchor="t" anchorCtr="0">
             <a:normAutofit/>
           </a:bodyPr>
           <a:lstStyle/>
           <a:p>
-            <a:pPr indent="0" lvl="0" marL="0" rtl="0" algn="l">
+            <a:pPr marL="0" lvl="0" indent="0" algn="l" rtl="0">
               <a:spcBef>
                 <a:spcPts val="0"/>
               </a:spcBef>
@@ -9735,13 +9733,13 @@
               <a:buNone/>
             </a:pPr>
             <a:r>
-              <a:rPr lang="iw"/>
+              <a:rPr lang="iw" dirty="0"/>
               <a:t>Consists out of 5 packages.</a:t>
             </a:r>
-            <a:endParaRPr/>
+            <a:endParaRPr dirty="0"/>
           </a:p>
           <a:p>
-            <a:pPr indent="0" lvl="0" marL="0" rtl="0" algn="l">
+            <a:pPr marL="0" lvl="0" indent="0" algn="l" rtl="0">
               <a:spcBef>
                 <a:spcPts val="1200"/>
               </a:spcBef>
@@ -9751,13 +9749,21 @@
               <a:buNone/>
             </a:pPr>
             <a:r>
-              <a:rPr lang="iw"/>
-              <a:t>Graph - Implements the agent’s and topic’s relations as a subscriber / publisher architecture. defines all different agents functionality and the graph data structure.</a:t>
+              <a:rPr lang="iw" dirty="0"/>
+              <a:t>Graph</a:t>
             </a:r>
-            <a:endParaRPr/>
+            <a:r>
+              <a:rPr lang="en-US" dirty="0"/>
+              <a:t> - </a:t>
+            </a:r>
+            <a:r>
+              <a:rPr lang="iw" dirty="0"/>
+              <a:t>Implements the agent’s and topic’s relations as a subscriber / publisher architecture. defines all different agents functionality and the graph data structure.</a:t>
+            </a:r>
+            <a:endParaRPr dirty="0"/>
           </a:p>
           <a:p>
-            <a:pPr indent="0" lvl="0" marL="0" rtl="0" algn="l">
+            <a:pPr marL="0" lvl="0" indent="0" algn="l" rtl="0">
               <a:spcBef>
                 <a:spcPts val="1200"/>
               </a:spcBef>
@@ -9767,13 +9773,13 @@
               <a:buNone/>
             </a:pPr>
             <a:r>
-              <a:rPr lang="iw"/>
+              <a:rPr lang="iw" dirty="0"/>
               <a:t>Configs - Creates a graph structure via a config file.</a:t>
             </a:r>
-            <a:endParaRPr/>
+            <a:endParaRPr dirty="0"/>
           </a:p>
           <a:p>
-            <a:pPr indent="0" lvl="0" marL="0" rtl="0" algn="l">
+            <a:pPr marL="0" lvl="0" indent="0" algn="l" rtl="0">
               <a:spcBef>
                 <a:spcPts val="1200"/>
               </a:spcBef>
@@ -9783,13 +9789,13 @@
               <a:buNone/>
             </a:pPr>
             <a:r>
-              <a:rPr lang="iw"/>
+              <a:rPr lang="iw" dirty="0"/>
               <a:t>Servlets - Defines the API used by the HTTP server.</a:t>
             </a:r>
-            <a:endParaRPr/>
+            <a:endParaRPr dirty="0"/>
           </a:p>
           <a:p>
-            <a:pPr indent="0" lvl="0" marL="0" rtl="0" algn="l">
+            <a:pPr marL="0" lvl="0" indent="0" algn="l" rtl="0">
               <a:spcBef>
                 <a:spcPts val="1200"/>
               </a:spcBef>
@@ -9799,13 +9805,13 @@
               <a:buNone/>
             </a:pPr>
             <a:r>
-              <a:rPr lang="iw"/>
+              <a:rPr lang="iw" dirty="0"/>
               <a:t>Views - Creates the graph in the html files dynamically.</a:t>
             </a:r>
-            <a:endParaRPr/>
+            <a:endParaRPr dirty="0"/>
           </a:p>
           <a:p>
-            <a:pPr indent="0" lvl="0" marL="0" rtl="0" algn="l">
+            <a:pPr marL="0" lvl="0" indent="0" algn="l" rtl="0">
               <a:spcBef>
                 <a:spcPts val="1200"/>
               </a:spcBef>
@@ -9815,10 +9821,10 @@
               <a:buNone/>
             </a:pPr>
             <a:r>
-              <a:rPr lang="iw"/>
+              <a:rPr lang="iw" dirty="0"/>
               <a:t>Server - Implements an HTTP server.</a:t>
             </a:r>
-            <a:endParaRPr/>
+            <a:endParaRPr dirty="0"/>
           </a:p>
         </p:txBody>
       </p:sp>
@@ -9831,11 +9837,11 @@
 </file>
 
 <file path=ppt/slides/slide4.xml><?xml version="1.0" encoding="utf-8"?>
-<p:sld xmlns:a="http://schemas.openxmlformats.org/drawingml/2006/main" xmlns:r="http://schemas.openxmlformats.org/officeDocument/2006/relationships" xmlns:mc="http://schemas.openxmlformats.org/markup-compatibility/2006" xmlns:mv="urn:schemas-microsoft-com:mac:vml" xmlns:p="http://schemas.openxmlformats.org/presentationml/2006/main" xmlns:c="http://schemas.openxmlformats.org/drawingml/2006/chart" xmlns:dgm="http://schemas.openxmlformats.org/drawingml/2006/diagram" xmlns:o="urn:schemas-microsoft-com:office:office" xmlns:v="urn:schemas-microsoft-com:vml" xmlns:pvml="urn:schemas-microsoft-com:office:powerpoint" xmlns:com="http://schemas.openxmlformats.org/drawingml/2006/compatibility" xmlns:p14="http://schemas.microsoft.com/office/powerpoint/2010/main" xmlns:p15="http://schemas.microsoft.com/office/powerpoint/2012/main" xmlns:ahyp="http://schemas.microsoft.com/office/drawing/2018/hyperlinkcolor">
+<p:sld xmlns:a="http://schemas.openxmlformats.org/drawingml/2006/main" xmlns:r="http://schemas.openxmlformats.org/officeDocument/2006/relationships" xmlns:p="http://schemas.openxmlformats.org/presentationml/2006/main">
   <p:cSld>
     <p:spTree>
       <p:nvGrpSpPr>
-        <p:cNvPr id="151" name="Shape 151"/>
+        <p:cNvPr id="1" name="Shape 151"/>
         <p:cNvGrpSpPr/>
         <p:nvPr/>
       </p:nvGrpSpPr>
@@ -9850,7 +9856,9 @@
       <p:sp>
         <p:nvSpPr>
           <p:cNvPr id="152" name="Google Shape;152;p16"/>
-          <p:cNvSpPr txBox="1"/>
+          <p:cNvSpPr txBox="1">
+            <a:spLocks noGrp="1"/>
+          </p:cNvSpPr>
           <p:nvPr>
             <p:ph type="title"/>
           </p:nvPr>
@@ -9865,12 +9873,12 @@
           </a:prstGeom>
         </p:spPr>
         <p:txBody>
-          <a:bodyPr anchorCtr="0" anchor="t" bIns="91425" lIns="91425" spcFirstLastPara="1" rIns="91425" wrap="square" tIns="91425">
+          <a:bodyPr spcFirstLastPara="1" wrap="square" lIns="91425" tIns="91425" rIns="91425" bIns="91425" anchor="t" anchorCtr="0">
             <a:normAutofit/>
           </a:bodyPr>
           <a:lstStyle/>
           <a:p>
-            <a:pPr indent="0" lvl="0" marL="0" rtl="0" algn="l">
+            <a:pPr marL="0" lvl="0" indent="0" algn="l" rtl="0">
               <a:spcBef>
                 <a:spcPts val="0"/>
               </a:spcBef>
@@ -9890,9 +9898,11 @@
       <p:sp>
         <p:nvSpPr>
           <p:cNvPr id="153" name="Google Shape;153;p16"/>
-          <p:cNvSpPr txBox="1"/>
+          <p:cNvSpPr txBox="1">
+            <a:spLocks noGrp="1"/>
+          </p:cNvSpPr>
           <p:nvPr>
-            <p:ph idx="1" type="body"/>
+            <p:ph type="body" idx="1"/>
           </p:nvPr>
         </p:nvSpPr>
         <p:spPr>
@@ -9905,12 +9915,12 @@
           </a:prstGeom>
         </p:spPr>
         <p:txBody>
-          <a:bodyPr anchorCtr="0" anchor="t" bIns="91425" lIns="91425" spcFirstLastPara="1" rIns="91425" wrap="square" tIns="91425">
+          <a:bodyPr spcFirstLastPara="1" wrap="square" lIns="91425" tIns="91425" rIns="91425" bIns="91425" anchor="t" anchorCtr="0">
             <a:normAutofit/>
           </a:bodyPr>
           <a:lstStyle/>
           <a:p>
-            <a:pPr indent="0" lvl="0" marL="0" rtl="0" algn="l">
+            <a:pPr marL="0" lvl="0" indent="0" algn="l" rtl="0">
               <a:spcBef>
                 <a:spcPts val="0"/>
               </a:spcBef>
@@ -9921,16 +9931,12 @@
             </a:pPr>
             <a:r>
               <a:rPr lang="iw"/>
-              <a:t>index.html - Holds 3 iframes of the following </a:t>
-            </a:r>
-            <a:r>
-              <a:rPr lang="iw"/>
-              <a:t>html’s.</a:t>
+              <a:t>index.html - Holds 3 iframes of the following html’s.</a:t>
             </a:r>
             <a:endParaRPr/>
           </a:p>
           <a:p>
-            <a:pPr indent="0" lvl="0" marL="0" rtl="0" algn="l">
+            <a:pPr marL="0" lvl="0" indent="0" algn="l" rtl="0">
               <a:spcBef>
                 <a:spcPts val="1200"/>
               </a:spcBef>
@@ -9946,7 +9952,7 @@
             <a:endParaRPr/>
           </a:p>
           <a:p>
-            <a:pPr indent="0" lvl="0" marL="0" rtl="0" algn="l">
+            <a:pPr marL="0" lvl="0" indent="0" algn="l" rtl="0">
               <a:spcBef>
                 <a:spcPts val="1200"/>
               </a:spcBef>
@@ -9962,7 +9968,7 @@
             <a:endParaRPr/>
           </a:p>
           <a:p>
-            <a:pPr indent="0" lvl="0" marL="0" rtl="0" algn="l">
+            <a:pPr marL="0" lvl="0" indent="0" algn="l" rtl="0">
               <a:spcBef>
                 <a:spcPts val="1200"/>
               </a:spcBef>
@@ -9973,11 +9979,7 @@
             </a:pPr>
             <a:r>
               <a:rPr lang="iw"/>
-              <a:t>table</a:t>
-            </a:r>
-            <a:r>
-              <a:rPr lang="iw"/>
-              <a:t>.html - Holds a table of topic and messages.</a:t>
+              <a:t>table.html - Holds a table of topic and messages.</a:t>
             </a:r>
             <a:endParaRPr/>
           </a:p>
@@ -9991,8 +9993,419 @@
 </p:sld>
 </file>
 
+<file path=ppt/slides/slide5.xml><?xml version="1.0" encoding="utf-8"?>
+<p:sld xmlns:a="http://schemas.openxmlformats.org/drawingml/2006/main" xmlns:r="http://schemas.openxmlformats.org/officeDocument/2006/relationships" xmlns:p="http://schemas.openxmlformats.org/presentationml/2006/main">
+  <p:cSld>
+    <p:spTree>
+      <p:nvGrpSpPr>
+        <p:cNvPr id="1" name=""/>
+        <p:cNvGrpSpPr/>
+        <p:nvPr/>
+      </p:nvGrpSpPr>
+      <p:grpSpPr>
+        <a:xfrm>
+          <a:off x="0" y="0"/>
+          <a:ext cx="0" cy="0"/>
+          <a:chOff x="0" y="0"/>
+          <a:chExt cx="0" cy="0"/>
+        </a:xfrm>
+      </p:grpSpPr>
+      <p:sp>
+        <p:nvSpPr>
+          <p:cNvPr id="2" name="Title 1">
+            <a:extLst>
+              <a:ext uri="{FF2B5EF4-FFF2-40B4-BE49-F238E27FC236}">
+                <a16:creationId xmlns:a16="http://schemas.microsoft.com/office/drawing/2014/main" id="{B454E231-68E1-AD6E-515F-0F1DE205F299}"/>
+              </a:ext>
+            </a:extLst>
+          </p:cNvPr>
+          <p:cNvSpPr>
+            <a:spLocks noGrp="1"/>
+          </p:cNvSpPr>
+          <p:nvPr>
+            <p:ph type="title"/>
+          </p:nvPr>
+        </p:nvSpPr>
+        <p:spPr/>
+        <p:txBody>
+          <a:bodyPr/>
+          <a:lstStyle/>
+          <a:p>
+            <a:r>
+              <a:rPr lang="en-US" dirty="0"/>
+              <a:t>Summery</a:t>
+            </a:r>
+            <a:endParaRPr lang="LID4096" dirty="0"/>
+          </a:p>
+        </p:txBody>
+      </p:sp>
+      <p:sp>
+        <p:nvSpPr>
+          <p:cNvPr id="3" name="Text Placeholder 2">
+            <a:extLst>
+              <a:ext uri="{FF2B5EF4-FFF2-40B4-BE49-F238E27FC236}">
+                <a16:creationId xmlns:a16="http://schemas.microsoft.com/office/drawing/2014/main" id="{13A48FAE-4196-4065-8EC2-CD6F7591F09B}"/>
+              </a:ext>
+            </a:extLst>
+          </p:cNvPr>
+          <p:cNvSpPr>
+            <a:spLocks noGrp="1"/>
+          </p:cNvSpPr>
+          <p:nvPr>
+            <p:ph type="body" idx="1"/>
+          </p:nvPr>
+        </p:nvSpPr>
+        <p:spPr/>
+        <p:txBody>
+          <a:bodyPr/>
+          <a:lstStyle/>
+          <a:p>
+            <a:pPr marL="146050" indent="0">
+              <a:buNone/>
+            </a:pPr>
+            <a:r>
+              <a:rPr lang="en-US" dirty="0"/>
+              <a:t>We learnt how </a:t>
+            </a:r>
+            <a:r>
+              <a:rPr lang="en-US"/>
+              <a:t>to:</a:t>
+            </a:r>
+          </a:p>
+          <a:p>
+            <a:pPr marL="146050" indent="0">
+              <a:buNone/>
+            </a:pPr>
+            <a:endParaRPr lang="en-US" dirty="0"/>
+          </a:p>
+          <a:p>
+            <a:r>
+              <a:rPr lang="en-US" dirty="0"/>
+              <a:t>Work as a team</a:t>
+            </a:r>
+          </a:p>
+          <a:p>
+            <a:r>
+              <a:rPr lang="en-US" dirty="0"/>
+              <a:t>Use git and Javadoc</a:t>
+            </a:r>
+          </a:p>
+          <a:p>
+            <a:r>
+              <a:rPr lang="en-US" dirty="0"/>
+              <a:t>Program in HTML and JS</a:t>
+            </a:r>
+          </a:p>
+          <a:p>
+            <a:r>
+              <a:rPr lang="en-US" dirty="0"/>
+              <a:t>Structure of HTTP servers</a:t>
+            </a:r>
+          </a:p>
+          <a:p>
+            <a:r>
+              <a:rPr lang="en-US" dirty="0"/>
+              <a:t>Advanced programming skills</a:t>
+            </a:r>
+          </a:p>
+        </p:txBody>
+      </p:sp>
+    </p:spTree>
+    <p:extLst>
+      <p:ext uri="{BB962C8B-B14F-4D97-AF65-F5344CB8AC3E}">
+        <p14:creationId xmlns:p14="http://schemas.microsoft.com/office/powerpoint/2010/main" val="3793018903"/>
+      </p:ext>
+    </p:extLst>
+  </p:cSld>
+  <p:clrMapOvr>
+    <a:masterClrMapping/>
+  </p:clrMapOvr>
+</p:sld>
+</file>
+
 <file path=ppt/theme/theme1.xml><?xml version="1.0" encoding="utf-8"?>
-<a:theme xmlns:a="http://schemas.openxmlformats.org/drawingml/2006/main" xmlns:r="http://schemas.openxmlformats.org/officeDocument/2006/relationships">
+<a:theme xmlns:a="http://schemas.openxmlformats.org/drawingml/2006/main" name="Focus">
+  <a:themeElements>
+    <a:clrScheme name="Focus">
+      <a:dk1>
+        <a:srgbClr val="1B212C"/>
+      </a:dk1>
+      <a:lt1>
+        <a:srgbClr val="FFFFFF"/>
+      </a:lt1>
+      <a:dk2>
+        <a:srgbClr val="D9D9D9"/>
+      </a:dk2>
+      <a:lt2>
+        <a:srgbClr val="82C7A5"/>
+      </a:lt2>
+      <a:accent1>
+        <a:srgbClr val="0145AC"/>
+      </a:accent1>
+      <a:accent2>
+        <a:srgbClr val="EECE1A"/>
+      </a:accent2>
+      <a:accent3>
+        <a:srgbClr val="4E5567"/>
+      </a:accent3>
+      <a:accent4>
+        <a:srgbClr val="F4D6AD"/>
+      </a:accent4>
+      <a:accent5>
+        <a:srgbClr val="7890CD"/>
+      </a:accent5>
+      <a:accent6>
+        <a:srgbClr val="F15E22"/>
+      </a:accent6>
+      <a:hlink>
+        <a:srgbClr val="7890CD"/>
+      </a:hlink>
+      <a:folHlink>
+        <a:srgbClr val="7890CD"/>
+      </a:folHlink>
+    </a:clrScheme>
+    <a:fontScheme name="Office">
+      <a:majorFont>
+        <a:latin typeface="Arial"/>
+        <a:ea typeface=""/>
+        <a:cs typeface=""/>
+        <a:font script="Jpan" typeface="ＭＳ Ｐゴシック"/>
+        <a:font script="Hang" typeface="맑은 고딕"/>
+        <a:font script="Hans" typeface="宋体"/>
+        <a:font script="Hant" typeface="新細明體"/>
+        <a:font script="Arab" typeface="Times New Roman"/>
+        <a:font script="Hebr" typeface="Times New Roman"/>
+        <a:font script="Thai" typeface="Angsana New"/>
+        <a:font script="Ethi" typeface="Nyala"/>
+        <a:font script="Beng" typeface="Vrinda"/>
+        <a:font script="Gujr" typeface="Shruti"/>
+        <a:font script="Khmr" typeface="MoolBoran"/>
+        <a:font script="Knda" typeface="Tunga"/>
+        <a:font script="Guru" typeface="Raavi"/>
+        <a:font script="Cans" typeface="Euphemia"/>
+        <a:font script="Cher" typeface="Plantagenet Cherokee"/>
+        <a:font script="Yiii" typeface="Microsoft Yi Baiti"/>
+        <a:font script="Tibt" typeface="Microsoft Himalaya"/>
+        <a:font script="Thaa" typeface="MV Boli"/>
+        <a:font script="Deva" typeface="Mangal"/>
+        <a:font script="Telu" typeface="Gautami"/>
+        <a:font script="Taml" typeface="Latha"/>
+        <a:font script="Syrc" typeface="Estrangelo Edessa"/>
+        <a:font script="Orya" typeface="Kalinga"/>
+        <a:font script="Mlym" typeface="Kartika"/>
+        <a:font script="Laoo" typeface="DokChampa"/>
+        <a:font script="Sinh" typeface="Iskoola Pota"/>
+        <a:font script="Mong" typeface="Mongolian Baiti"/>
+        <a:font script="Viet" typeface="Times New Roman"/>
+        <a:font script="Uigh" typeface="Microsoft Uighur"/>
+        <a:font script="Geor" typeface="Sylfaen"/>
+      </a:majorFont>
+      <a:minorFont>
+        <a:latin typeface="Arial"/>
+        <a:ea typeface=""/>
+        <a:cs typeface=""/>
+        <a:font script="Jpan" typeface="ＭＳ Ｐゴシック"/>
+        <a:font script="Hang" typeface="맑은 고딕"/>
+        <a:font script="Hans" typeface="宋体"/>
+        <a:font script="Hant" typeface="新細明體"/>
+        <a:font script="Arab" typeface="Arial"/>
+        <a:font script="Hebr" typeface="Arial"/>
+        <a:font script="Thai" typeface="Cordia New"/>
+        <a:font script="Ethi" typeface="Nyala"/>
+        <a:font script="Beng" typeface="Vrinda"/>
+        <a:font script="Gujr" typeface="Shruti"/>
+        <a:font script="Khmr" typeface="DaunPenh"/>
+        <a:font script="Knda" typeface="Tunga"/>
+        <a:font script="Guru" typeface="Raavi"/>
+        <a:font script="Cans" typeface="Euphemia"/>
+        <a:font script="Cher" typeface="Plantagenet Cherokee"/>
+        <a:font script="Yiii" typeface="Microsoft Yi Baiti"/>
+        <a:font script="Tibt" typeface="Microsoft Himalaya"/>
+        <a:font script="Thaa" typeface="MV Boli"/>
+        <a:font script="Deva" typeface="Mangal"/>
+        <a:font script="Telu" typeface="Gautami"/>
+        <a:font script="Taml" typeface="Latha"/>
+        <a:font script="Syrc" typeface="Estrangelo Edessa"/>
+        <a:font script="Orya" typeface="Kalinga"/>
+        <a:font script="Mlym" typeface="Kartika"/>
+        <a:font script="Laoo" typeface="DokChampa"/>
+        <a:font script="Sinh" typeface="Iskoola Pota"/>
+        <a:font script="Mong" typeface="Mongolian Baiti"/>
+        <a:font script="Viet" typeface="Arial"/>
+        <a:font script="Uigh" typeface="Microsoft Uighur"/>
+        <a:font script="Geor" typeface="Sylfaen"/>
+      </a:minorFont>
+    </a:fontScheme>
+    <a:fmtScheme name="Office">
+      <a:fillStyleLst>
+        <a:solidFill>
+          <a:schemeClr val="phClr"/>
+        </a:solidFill>
+        <a:gradFill rotWithShape="1">
+          <a:gsLst>
+            <a:gs pos="0">
+              <a:schemeClr val="phClr">
+                <a:tint val="50000"/>
+                <a:satMod val="300000"/>
+              </a:schemeClr>
+            </a:gs>
+            <a:gs pos="35000">
+              <a:schemeClr val="phClr">
+                <a:tint val="37000"/>
+                <a:satMod val="300000"/>
+              </a:schemeClr>
+            </a:gs>
+            <a:gs pos="100000">
+              <a:schemeClr val="phClr">
+                <a:tint val="15000"/>
+                <a:satMod val="350000"/>
+              </a:schemeClr>
+            </a:gs>
+          </a:gsLst>
+          <a:lin ang="16200000" scaled="1"/>
+        </a:gradFill>
+        <a:gradFill rotWithShape="1">
+          <a:gsLst>
+            <a:gs pos="0">
+              <a:schemeClr val="phClr">
+                <a:tint val="100000"/>
+                <a:shade val="100000"/>
+                <a:satMod val="130000"/>
+              </a:schemeClr>
+            </a:gs>
+            <a:gs pos="100000">
+              <a:schemeClr val="phClr">
+                <a:tint val="50000"/>
+                <a:shade val="100000"/>
+                <a:satMod val="350000"/>
+              </a:schemeClr>
+            </a:gs>
+          </a:gsLst>
+          <a:lin ang="16200000" scaled="0"/>
+        </a:gradFill>
+      </a:fillStyleLst>
+      <a:lnStyleLst>
+        <a:ln w="9525" cap="flat" cmpd="sng" algn="ctr">
+          <a:solidFill>
+            <a:schemeClr val="phClr">
+              <a:shade val="95000"/>
+              <a:satMod val="105000"/>
+            </a:schemeClr>
+          </a:solidFill>
+          <a:prstDash val="solid"/>
+        </a:ln>
+        <a:ln w="25400" cap="flat" cmpd="sng" algn="ctr">
+          <a:solidFill>
+            <a:schemeClr val="phClr"/>
+          </a:solidFill>
+          <a:prstDash val="solid"/>
+        </a:ln>
+        <a:ln w="38100" cap="flat" cmpd="sng" algn="ctr">
+          <a:solidFill>
+            <a:schemeClr val="phClr"/>
+          </a:solidFill>
+          <a:prstDash val="solid"/>
+        </a:ln>
+      </a:lnStyleLst>
+      <a:effectStyleLst>
+        <a:effectStyle>
+          <a:effectLst>
+            <a:outerShdw blurRad="40000" dist="20000" dir="5400000" rotWithShape="0">
+              <a:srgbClr val="000000">
+                <a:alpha val="38000"/>
+              </a:srgbClr>
+            </a:outerShdw>
+          </a:effectLst>
+        </a:effectStyle>
+        <a:effectStyle>
+          <a:effectLst>
+            <a:outerShdw blurRad="40000" dist="23000" dir="5400000" rotWithShape="0">
+              <a:srgbClr val="000000">
+                <a:alpha val="35000"/>
+              </a:srgbClr>
+            </a:outerShdw>
+          </a:effectLst>
+        </a:effectStyle>
+        <a:effectStyle>
+          <a:effectLst>
+            <a:outerShdw blurRad="40000" dist="23000" dir="5400000" rotWithShape="0">
+              <a:srgbClr val="000000">
+                <a:alpha val="35000"/>
+              </a:srgbClr>
+            </a:outerShdw>
+          </a:effectLst>
+          <a:scene3d>
+            <a:camera prst="orthographicFront">
+              <a:rot lat="0" lon="0" rev="0"/>
+            </a:camera>
+            <a:lightRig rig="threePt" dir="t">
+              <a:rot lat="0" lon="0" rev="1200000"/>
+            </a:lightRig>
+          </a:scene3d>
+          <a:sp3d>
+            <a:bevelT w="63500" h="25400"/>
+          </a:sp3d>
+        </a:effectStyle>
+      </a:effectStyleLst>
+      <a:bgFillStyleLst>
+        <a:solidFill>
+          <a:schemeClr val="phClr"/>
+        </a:solidFill>
+        <a:gradFill rotWithShape="1">
+          <a:gsLst>
+            <a:gs pos="0">
+              <a:schemeClr val="phClr">
+                <a:tint val="40000"/>
+                <a:satMod val="350000"/>
+              </a:schemeClr>
+            </a:gs>
+            <a:gs pos="40000">
+              <a:schemeClr val="phClr">
+                <a:tint val="45000"/>
+                <a:shade val="99000"/>
+                <a:satMod val="350000"/>
+              </a:schemeClr>
+            </a:gs>
+            <a:gs pos="100000">
+              <a:schemeClr val="phClr">
+                <a:shade val="20000"/>
+                <a:satMod val="255000"/>
+              </a:schemeClr>
+            </a:gs>
+          </a:gsLst>
+          <a:path path="circle">
+            <a:fillToRect l="50000" t="-80000" r="50000" b="180000"/>
+          </a:path>
+        </a:gradFill>
+        <a:gradFill rotWithShape="1">
+          <a:gsLst>
+            <a:gs pos="0">
+              <a:schemeClr val="phClr">
+                <a:tint val="80000"/>
+                <a:satMod val="300000"/>
+              </a:schemeClr>
+            </a:gs>
+            <a:gs pos="100000">
+              <a:schemeClr val="phClr">
+                <a:shade val="30000"/>
+                <a:satMod val="200000"/>
+              </a:schemeClr>
+            </a:gs>
+          </a:gsLst>
+          <a:path path="circle">
+            <a:fillToRect l="50000" t="50000" r="50000" b="50000"/>
+          </a:path>
+        </a:gradFill>
+      </a:bgFillStyleLst>
+    </a:fmtScheme>
+  </a:themeElements>
+  <a:objectDefaults/>
+  <a:extraClrSchemeLst/>
+</a:theme>
+</file>
+
+<file path=ppt/theme/theme2.xml><?xml version="1.0" encoding="utf-8"?>
+<a:theme xmlns:a="http://schemas.openxmlformats.org/drawingml/2006/main">
   <a:themeElements>
     <a:clrScheme name="Default">
       <a:dk1>
@@ -10267,284 +10680,7 @@
       </a:bgFillStyleLst>
     </a:fmtScheme>
   </a:themeElements>
-</a:theme>
-</file>
-
-<file path=ppt/theme/theme2.xml><?xml version="1.0" encoding="utf-8"?>
-<a:theme xmlns:a="http://schemas.openxmlformats.org/drawingml/2006/main" xmlns:r="http://schemas.openxmlformats.org/officeDocument/2006/relationships" name="Focus">
-  <a:themeElements>
-    <a:clrScheme name="Focus">
-      <a:dk1>
-        <a:srgbClr val="1B212C"/>
-      </a:dk1>
-      <a:lt1>
-        <a:srgbClr val="FFFFFF"/>
-      </a:lt1>
-      <a:dk2>
-        <a:srgbClr val="D9D9D9"/>
-      </a:dk2>
-      <a:lt2>
-        <a:srgbClr val="82C7A5"/>
-      </a:lt2>
-      <a:accent1>
-        <a:srgbClr val="0145AC"/>
-      </a:accent1>
-      <a:accent2>
-        <a:srgbClr val="EECE1A"/>
-      </a:accent2>
-      <a:accent3>
-        <a:srgbClr val="4E5567"/>
-      </a:accent3>
-      <a:accent4>
-        <a:srgbClr val="F4D6AD"/>
-      </a:accent4>
-      <a:accent5>
-        <a:srgbClr val="7890CD"/>
-      </a:accent5>
-      <a:accent6>
-        <a:srgbClr val="F15E22"/>
-      </a:accent6>
-      <a:hlink>
-        <a:srgbClr val="7890CD"/>
-      </a:hlink>
-      <a:folHlink>
-        <a:srgbClr val="7890CD"/>
-      </a:folHlink>
-    </a:clrScheme>
-    <a:fontScheme name="Office">
-      <a:majorFont>
-        <a:latin typeface="Arial"/>
-        <a:ea typeface=""/>
-        <a:cs typeface=""/>
-        <a:font script="Jpan" typeface="ＭＳ Ｐゴシック"/>
-        <a:font script="Hang" typeface="맑은 고딕"/>
-        <a:font script="Hans" typeface="宋体"/>
-        <a:font script="Hant" typeface="新細明體"/>
-        <a:font script="Arab" typeface="Times New Roman"/>
-        <a:font script="Hebr" typeface="Times New Roman"/>
-        <a:font script="Thai" typeface="Angsana New"/>
-        <a:font script="Ethi" typeface="Nyala"/>
-        <a:font script="Beng" typeface="Vrinda"/>
-        <a:font script="Gujr" typeface="Shruti"/>
-        <a:font script="Khmr" typeface="MoolBoran"/>
-        <a:font script="Knda" typeface="Tunga"/>
-        <a:font script="Guru" typeface="Raavi"/>
-        <a:font script="Cans" typeface="Euphemia"/>
-        <a:font script="Cher" typeface="Plantagenet Cherokee"/>
-        <a:font script="Yiii" typeface="Microsoft Yi Baiti"/>
-        <a:font script="Tibt" typeface="Microsoft Himalaya"/>
-        <a:font script="Thaa" typeface="MV Boli"/>
-        <a:font script="Deva" typeface="Mangal"/>
-        <a:font script="Telu" typeface="Gautami"/>
-        <a:font script="Taml" typeface="Latha"/>
-        <a:font script="Syrc" typeface="Estrangelo Edessa"/>
-        <a:font script="Orya" typeface="Kalinga"/>
-        <a:font script="Mlym" typeface="Kartika"/>
-        <a:font script="Laoo" typeface="DokChampa"/>
-        <a:font script="Sinh" typeface="Iskoola Pota"/>
-        <a:font script="Mong" typeface="Mongolian Baiti"/>
-        <a:font script="Viet" typeface="Times New Roman"/>
-        <a:font script="Uigh" typeface="Microsoft Uighur"/>
-        <a:font script="Geor" typeface="Sylfaen"/>
-      </a:majorFont>
-      <a:minorFont>
-        <a:latin typeface="Arial"/>
-        <a:ea typeface=""/>
-        <a:cs typeface=""/>
-        <a:font script="Jpan" typeface="ＭＳ Ｐゴシック"/>
-        <a:font script="Hang" typeface="맑은 고딕"/>
-        <a:font script="Hans" typeface="宋体"/>
-        <a:font script="Hant" typeface="新細明體"/>
-        <a:font script="Arab" typeface="Arial"/>
-        <a:font script="Hebr" typeface="Arial"/>
-        <a:font script="Thai" typeface="Cordia New"/>
-        <a:font script="Ethi" typeface="Nyala"/>
-        <a:font script="Beng" typeface="Vrinda"/>
-        <a:font script="Gujr" typeface="Shruti"/>
-        <a:font script="Khmr" typeface="DaunPenh"/>
-        <a:font script="Knda" typeface="Tunga"/>
-        <a:font script="Guru" typeface="Raavi"/>
-        <a:font script="Cans" typeface="Euphemia"/>
-        <a:font script="Cher" typeface="Plantagenet Cherokee"/>
-        <a:font script="Yiii" typeface="Microsoft Yi Baiti"/>
-        <a:font script="Tibt" typeface="Microsoft Himalaya"/>
-        <a:font script="Thaa" typeface="MV Boli"/>
-        <a:font script="Deva" typeface="Mangal"/>
-        <a:font script="Telu" typeface="Gautami"/>
-        <a:font script="Taml" typeface="Latha"/>
-        <a:font script="Syrc" typeface="Estrangelo Edessa"/>
-        <a:font script="Orya" typeface="Kalinga"/>
-        <a:font script="Mlym" typeface="Kartika"/>
-        <a:font script="Laoo" typeface="DokChampa"/>
-        <a:font script="Sinh" typeface="Iskoola Pota"/>
-        <a:font script="Mong" typeface="Mongolian Baiti"/>
-        <a:font script="Viet" typeface="Arial"/>
-        <a:font script="Uigh" typeface="Microsoft Uighur"/>
-        <a:font script="Geor" typeface="Sylfaen"/>
-      </a:minorFont>
-    </a:fontScheme>
-    <a:fmtScheme name="Office">
-      <a:fillStyleLst>
-        <a:solidFill>
-          <a:schemeClr val="phClr"/>
-        </a:solidFill>
-        <a:gradFill rotWithShape="1">
-          <a:gsLst>
-            <a:gs pos="0">
-              <a:schemeClr val="phClr">
-                <a:tint val="50000"/>
-                <a:satMod val="300000"/>
-              </a:schemeClr>
-            </a:gs>
-            <a:gs pos="35000">
-              <a:schemeClr val="phClr">
-                <a:tint val="37000"/>
-                <a:satMod val="300000"/>
-              </a:schemeClr>
-            </a:gs>
-            <a:gs pos="100000">
-              <a:schemeClr val="phClr">
-                <a:tint val="15000"/>
-                <a:satMod val="350000"/>
-              </a:schemeClr>
-            </a:gs>
-          </a:gsLst>
-          <a:lin ang="16200000" scaled="1"/>
-        </a:gradFill>
-        <a:gradFill rotWithShape="1">
-          <a:gsLst>
-            <a:gs pos="0">
-              <a:schemeClr val="phClr">
-                <a:tint val="100000"/>
-                <a:shade val="100000"/>
-                <a:satMod val="130000"/>
-              </a:schemeClr>
-            </a:gs>
-            <a:gs pos="100000">
-              <a:schemeClr val="phClr">
-                <a:tint val="50000"/>
-                <a:shade val="100000"/>
-                <a:satMod val="350000"/>
-              </a:schemeClr>
-            </a:gs>
-          </a:gsLst>
-          <a:lin ang="16200000" scaled="0"/>
-        </a:gradFill>
-      </a:fillStyleLst>
-      <a:lnStyleLst>
-        <a:ln w="9525" cap="flat" cmpd="sng" algn="ctr">
-          <a:solidFill>
-            <a:schemeClr val="phClr">
-              <a:shade val="95000"/>
-              <a:satMod val="105000"/>
-            </a:schemeClr>
-          </a:solidFill>
-          <a:prstDash val="solid"/>
-        </a:ln>
-        <a:ln w="25400" cap="flat" cmpd="sng" algn="ctr">
-          <a:solidFill>
-            <a:schemeClr val="phClr"/>
-          </a:solidFill>
-          <a:prstDash val="solid"/>
-        </a:ln>
-        <a:ln w="38100" cap="flat" cmpd="sng" algn="ctr">
-          <a:solidFill>
-            <a:schemeClr val="phClr"/>
-          </a:solidFill>
-          <a:prstDash val="solid"/>
-        </a:ln>
-      </a:lnStyleLst>
-      <a:effectStyleLst>
-        <a:effectStyle>
-          <a:effectLst>
-            <a:outerShdw blurRad="40000" dist="20000" dir="5400000" rotWithShape="0">
-              <a:srgbClr val="000000">
-                <a:alpha val="38000"/>
-              </a:srgbClr>
-            </a:outerShdw>
-          </a:effectLst>
-        </a:effectStyle>
-        <a:effectStyle>
-          <a:effectLst>
-            <a:outerShdw blurRad="40000" dist="23000" dir="5400000" rotWithShape="0">
-              <a:srgbClr val="000000">
-                <a:alpha val="35000"/>
-              </a:srgbClr>
-            </a:outerShdw>
-          </a:effectLst>
-        </a:effectStyle>
-        <a:effectStyle>
-          <a:effectLst>
-            <a:outerShdw blurRad="40000" dist="23000" dir="5400000" rotWithShape="0">
-              <a:srgbClr val="000000">
-                <a:alpha val="35000"/>
-              </a:srgbClr>
-            </a:outerShdw>
-          </a:effectLst>
-          <a:scene3d>
-            <a:camera prst="orthographicFront">
-              <a:rot lat="0" lon="0" rev="0"/>
-            </a:camera>
-            <a:lightRig rig="threePt" dir="t">
-              <a:rot lat="0" lon="0" rev="1200000"/>
-            </a:lightRig>
-          </a:scene3d>
-          <a:sp3d>
-            <a:bevelT w="63500" h="25400"/>
-          </a:sp3d>
-        </a:effectStyle>
-      </a:effectStyleLst>
-      <a:bgFillStyleLst>
-        <a:solidFill>
-          <a:schemeClr val="phClr"/>
-        </a:solidFill>
-        <a:gradFill rotWithShape="1">
-          <a:gsLst>
-            <a:gs pos="0">
-              <a:schemeClr val="phClr">
-                <a:tint val="40000"/>
-                <a:satMod val="350000"/>
-              </a:schemeClr>
-            </a:gs>
-            <a:gs pos="40000">
-              <a:schemeClr val="phClr">
-                <a:tint val="45000"/>
-                <a:shade val="99000"/>
-                <a:satMod val="350000"/>
-              </a:schemeClr>
-            </a:gs>
-            <a:gs pos="100000">
-              <a:schemeClr val="phClr">
-                <a:shade val="20000"/>
-                <a:satMod val="255000"/>
-              </a:schemeClr>
-            </a:gs>
-          </a:gsLst>
-          <a:path path="circle">
-            <a:fillToRect l="50000" t="-80000" r="50000" b="180000"/>
-          </a:path>
-        </a:gradFill>
-        <a:gradFill rotWithShape="1">
-          <a:gsLst>
-            <a:gs pos="0">
-              <a:schemeClr val="phClr">
-                <a:tint val="80000"/>
-                <a:satMod val="300000"/>
-              </a:schemeClr>
-            </a:gs>
-            <a:gs pos="100000">
-              <a:schemeClr val="phClr">
-                <a:shade val="30000"/>
-                <a:satMod val="200000"/>
-              </a:schemeClr>
-            </a:gs>
-          </a:gsLst>
-          <a:path path="circle">
-            <a:fillToRect l="50000" t="50000" r="50000" b="50000"/>
-          </a:path>
-        </a:gradFill>
-      </a:bgFillStyleLst>
-    </a:fmtScheme>
-  </a:themeElements>
+  <a:objectDefaults/>
+  <a:extraClrSchemeLst/>
 </a:theme>
 </file>